--- a/PySide-2.pptx
+++ b/PySide-2.pptx
@@ -22,8 +22,14 @@
     <p:sldId id="307" r:id="rId16"/>
     <p:sldId id="308" r:id="rId17"/>
     <p:sldId id="309" r:id="rId18"/>
-    <p:sldId id="310" r:id="rId19"/>
-    <p:sldId id="294" r:id="rId20"/>
+    <p:sldId id="314" r:id="rId19"/>
+    <p:sldId id="310" r:id="rId20"/>
+    <p:sldId id="311" r:id="rId21"/>
+    <p:sldId id="312" r:id="rId22"/>
+    <p:sldId id="313" r:id="rId23"/>
+    <p:sldId id="315" r:id="rId24"/>
+    <p:sldId id="316" r:id="rId25"/>
+    <p:sldId id="294" r:id="rId26"/>
   </p:sldIdLst>
   <p:sldSz cx="12192000" cy="6858000"/>
   <p:notesSz cx="6858000" cy="9144000"/>
@@ -122,6 +128,11 @@
       </a:defRPr>
     </a:lvl9pPr>
   </p:defaultTextStyle>
+  <p:extLst>
+    <p:ext uri="{EFAFB233-063F-42B5-8137-9DF3F51BA10A}">
+      <p15:sldGuideLst xmlns:p15="http://schemas.microsoft.com/office/powerpoint/2012/main"/>
+    </p:ext>
+  </p:extLst>
 </p:presentation>
 </file>
 
@@ -272,7 +283,7 @@
           <a:p>
             <a:fld id="{920B4576-5F37-4C3E-94F2-C4BAFEE2B241}" type="datetimeFigureOut">
               <a:rPr lang="ko-KR" altLang="en-US" smtClean="0"/>
-              <a:t>2024-10-31</a:t>
+              <a:t>2024-11-01</a:t>
             </a:fld>
             <a:endParaRPr lang="ko-KR" altLang="en-US"/>
           </a:p>
@@ -470,7 +481,7 @@
           <a:p>
             <a:fld id="{920B4576-5F37-4C3E-94F2-C4BAFEE2B241}" type="datetimeFigureOut">
               <a:rPr lang="ko-KR" altLang="en-US" smtClean="0"/>
-              <a:t>2024-10-31</a:t>
+              <a:t>2024-11-01</a:t>
             </a:fld>
             <a:endParaRPr lang="ko-KR" altLang="en-US"/>
           </a:p>
@@ -678,7 +689,7 @@
           <a:p>
             <a:fld id="{920B4576-5F37-4C3E-94F2-C4BAFEE2B241}" type="datetimeFigureOut">
               <a:rPr lang="ko-KR" altLang="en-US" smtClean="0"/>
-              <a:t>2024-10-31</a:t>
+              <a:t>2024-11-01</a:t>
             </a:fld>
             <a:endParaRPr lang="ko-KR" altLang="en-US"/>
           </a:p>
@@ -876,7 +887,7 @@
           <a:p>
             <a:fld id="{920B4576-5F37-4C3E-94F2-C4BAFEE2B241}" type="datetimeFigureOut">
               <a:rPr lang="ko-KR" altLang="en-US" smtClean="0"/>
-              <a:t>2024-10-31</a:t>
+              <a:t>2024-11-01</a:t>
             </a:fld>
             <a:endParaRPr lang="ko-KR" altLang="en-US"/>
           </a:p>
@@ -1151,7 +1162,7 @@
           <a:p>
             <a:fld id="{920B4576-5F37-4C3E-94F2-C4BAFEE2B241}" type="datetimeFigureOut">
               <a:rPr lang="ko-KR" altLang="en-US" smtClean="0"/>
-              <a:t>2024-10-31</a:t>
+              <a:t>2024-11-01</a:t>
             </a:fld>
             <a:endParaRPr lang="ko-KR" altLang="en-US"/>
           </a:p>
@@ -1416,7 +1427,7 @@
           <a:p>
             <a:fld id="{920B4576-5F37-4C3E-94F2-C4BAFEE2B241}" type="datetimeFigureOut">
               <a:rPr lang="ko-KR" altLang="en-US" smtClean="0"/>
-              <a:t>2024-10-31</a:t>
+              <a:t>2024-11-01</a:t>
             </a:fld>
             <a:endParaRPr lang="ko-KR" altLang="en-US"/>
           </a:p>
@@ -1828,7 +1839,7 @@
           <a:p>
             <a:fld id="{920B4576-5F37-4C3E-94F2-C4BAFEE2B241}" type="datetimeFigureOut">
               <a:rPr lang="ko-KR" altLang="en-US" smtClean="0"/>
-              <a:t>2024-10-31</a:t>
+              <a:t>2024-11-01</a:t>
             </a:fld>
             <a:endParaRPr lang="ko-KR" altLang="en-US"/>
           </a:p>
@@ -1969,7 +1980,7 @@
           <a:p>
             <a:fld id="{920B4576-5F37-4C3E-94F2-C4BAFEE2B241}" type="datetimeFigureOut">
               <a:rPr lang="ko-KR" altLang="en-US" smtClean="0"/>
-              <a:t>2024-10-31</a:t>
+              <a:t>2024-11-01</a:t>
             </a:fld>
             <a:endParaRPr lang="ko-KR" altLang="en-US"/>
           </a:p>
@@ -2082,7 +2093,7 @@
           <a:p>
             <a:fld id="{920B4576-5F37-4C3E-94F2-C4BAFEE2B241}" type="datetimeFigureOut">
               <a:rPr lang="ko-KR" altLang="en-US" smtClean="0"/>
-              <a:t>2024-10-31</a:t>
+              <a:t>2024-11-01</a:t>
             </a:fld>
             <a:endParaRPr lang="ko-KR" altLang="en-US"/>
           </a:p>
@@ -2393,7 +2404,7 @@
           <a:p>
             <a:fld id="{920B4576-5F37-4C3E-94F2-C4BAFEE2B241}" type="datetimeFigureOut">
               <a:rPr lang="ko-KR" altLang="en-US" smtClean="0"/>
-              <a:t>2024-10-31</a:t>
+              <a:t>2024-11-01</a:t>
             </a:fld>
             <a:endParaRPr lang="ko-KR" altLang="en-US"/>
           </a:p>
@@ -2681,7 +2692,7 @@
           <a:p>
             <a:fld id="{920B4576-5F37-4C3E-94F2-C4BAFEE2B241}" type="datetimeFigureOut">
               <a:rPr lang="ko-KR" altLang="en-US" smtClean="0"/>
-              <a:t>2024-10-31</a:t>
+              <a:t>2024-11-01</a:t>
             </a:fld>
             <a:endParaRPr lang="ko-KR" altLang="en-US"/>
           </a:p>
@@ -2922,7 +2933,7 @@
           <a:p>
             <a:fld id="{920B4576-5F37-4C3E-94F2-C4BAFEE2B241}" type="datetimeFigureOut">
               <a:rPr lang="ko-KR" altLang="en-US" smtClean="0"/>
-              <a:t>2024-10-31</a:t>
+              <a:t>2024-11-01</a:t>
             </a:fld>
             <a:endParaRPr lang="ko-KR" altLang="en-US"/>
           </a:p>
@@ -6106,12 +6117,289 @@
               </a:lnSpc>
             </a:pPr>
             <a:r>
-              <a:rPr lang="en-US" altLang="ko-KR" sz="1800">
-                <a:latin typeface="새굴림" panose="02030600000101010101" pitchFamily="18" charset="-127"/>
-                <a:ea typeface="새굴림" panose="02030600000101010101" pitchFamily="18" charset="-127"/>
-              </a:rPr>
-              <a:t>https://www.pythonguis.com/tutorials/pyside6-signals-slots-events/</a:t>
-            </a:r>
+              <a:rPr lang="en-US" altLang="ko-KR" sz="1800" dirty="0" smtClean="0">
+                <a:latin typeface="새굴림" panose="02030600000101010101" pitchFamily="18" charset="-127"/>
+                <a:ea typeface="새굴림" panose="02030600000101010101" pitchFamily="18" charset="-127"/>
+              </a:rPr>
+              <a:t>Widget</a:t>
+            </a:r>
+            <a:r>
+              <a:rPr lang="ko-KR" altLang="en-US" sz="1800" dirty="0" smtClean="0">
+                <a:latin typeface="새굴림" panose="02030600000101010101" pitchFamily="18" charset="-127"/>
+                <a:ea typeface="새굴림" panose="02030600000101010101" pitchFamily="18" charset="-127"/>
+              </a:rPr>
+              <a:t>이 현재 상태에 대한 </a:t>
+            </a:r>
+            <a:r>
+              <a:rPr lang="en-US" altLang="ko-KR" sz="1800" dirty="0" smtClean="0">
+                <a:latin typeface="새굴림" panose="02030600000101010101" pitchFamily="18" charset="-127"/>
+                <a:ea typeface="새굴림" panose="02030600000101010101" pitchFamily="18" charset="-127"/>
+              </a:rPr>
+              <a:t>signal</a:t>
+            </a:r>
+            <a:r>
+              <a:rPr lang="ko-KR" altLang="en-US" sz="1800" dirty="0" smtClean="0">
+                <a:latin typeface="새굴림" panose="02030600000101010101" pitchFamily="18" charset="-127"/>
+                <a:ea typeface="새굴림" panose="02030600000101010101" pitchFamily="18" charset="-127"/>
+              </a:rPr>
+              <a:t>을 제공하지 않는다면</a:t>
+            </a:r>
+            <a:r>
+              <a:rPr lang="en-US" altLang="ko-KR" sz="1800" dirty="0" smtClean="0">
+                <a:latin typeface="새굴림" panose="02030600000101010101" pitchFamily="18" charset="-127"/>
+                <a:ea typeface="새굴림" panose="02030600000101010101" pitchFamily="18" charset="-127"/>
+              </a:rPr>
+              <a:t>, handler</a:t>
+            </a:r>
+            <a:r>
+              <a:rPr lang="ko-KR" altLang="en-US" sz="1800" dirty="0" smtClean="0">
+                <a:latin typeface="새굴림" panose="02030600000101010101" pitchFamily="18" charset="-127"/>
+                <a:ea typeface="새굴림" panose="02030600000101010101" pitchFamily="18" charset="-127"/>
+              </a:rPr>
+              <a:t>를 통해 직접적으로 값을 받아와야 함</a:t>
+            </a:r>
+            <a:r>
+              <a:rPr lang="en-US" altLang="ko-KR" sz="1800" dirty="0" smtClean="0">
+                <a:latin typeface="새굴림" panose="02030600000101010101" pitchFamily="18" charset="-127"/>
+                <a:ea typeface="새굴림" panose="02030600000101010101" pitchFamily="18" charset="-127"/>
+              </a:rPr>
+              <a:t>.</a:t>
+            </a:r>
+          </a:p>
+          <a:p>
+            <a:pPr>
+              <a:lnSpc>
+                <a:spcPct val="120000"/>
+              </a:lnSpc>
+            </a:pPr>
+            <a:r>
+              <a:rPr lang="ko-KR" altLang="en-US" sz="1800" dirty="0" smtClean="0">
+                <a:latin typeface="새굴림" panose="02030600000101010101" pitchFamily="18" charset="-127"/>
+                <a:ea typeface="새굴림" panose="02030600000101010101" pitchFamily="18" charset="-127"/>
+              </a:rPr>
+              <a:t>예를 들어</a:t>
+            </a:r>
+            <a:r>
+              <a:rPr lang="en-US" altLang="ko-KR" sz="1800" dirty="0" smtClean="0">
+                <a:latin typeface="새굴림" panose="02030600000101010101" pitchFamily="18" charset="-127"/>
+                <a:ea typeface="새굴림" panose="02030600000101010101" pitchFamily="18" charset="-127"/>
+              </a:rPr>
+              <a:t>, </a:t>
+            </a:r>
+            <a:r>
+              <a:rPr lang="ko-KR" altLang="en-US" sz="1800" dirty="0" smtClean="0">
+                <a:latin typeface="새굴림" panose="02030600000101010101" pitchFamily="18" charset="-127"/>
+                <a:ea typeface="새굴림" panose="02030600000101010101" pitchFamily="18" charset="-127"/>
+              </a:rPr>
+              <a:t>이 예제에서는 </a:t>
+            </a:r>
+            <a:r>
+              <a:rPr lang="en-US" altLang="ko-KR" sz="1800" dirty="0" smtClean="0">
+                <a:latin typeface="새굴림" panose="02030600000101010101" pitchFamily="18" charset="-127"/>
+                <a:ea typeface="새굴림" panose="02030600000101010101" pitchFamily="18" charset="-127"/>
+              </a:rPr>
+              <a:t>checked </a:t>
+            </a:r>
+            <a:r>
+              <a:rPr lang="ko-KR" altLang="en-US" sz="1800" dirty="0" smtClean="0">
+                <a:latin typeface="새굴림" panose="02030600000101010101" pitchFamily="18" charset="-127"/>
+                <a:ea typeface="새굴림" panose="02030600000101010101" pitchFamily="18" charset="-127"/>
+              </a:rPr>
+              <a:t>상태를 </a:t>
+            </a:r>
+            <a:r>
+              <a:rPr lang="en-US" altLang="ko-KR" sz="1800" dirty="0" smtClean="0">
+                <a:latin typeface="새굴림" panose="02030600000101010101" pitchFamily="18" charset="-127"/>
+                <a:ea typeface="새굴림" panose="02030600000101010101" pitchFamily="18" charset="-127"/>
+              </a:rPr>
+              <a:t>pressed handler</a:t>
+            </a:r>
+            <a:r>
+              <a:rPr lang="ko-KR" altLang="en-US" sz="1800" dirty="0" smtClean="0">
+                <a:latin typeface="새굴림" panose="02030600000101010101" pitchFamily="18" charset="-127"/>
+                <a:ea typeface="새굴림" panose="02030600000101010101" pitchFamily="18" charset="-127"/>
+              </a:rPr>
+              <a:t>를 통해 확인해 보자</a:t>
+            </a:r>
+            <a:r>
+              <a:rPr lang="en-US" altLang="ko-KR" sz="1800" dirty="0" smtClean="0">
+                <a:latin typeface="새굴림" panose="02030600000101010101" pitchFamily="18" charset="-127"/>
+                <a:ea typeface="새굴림" panose="02030600000101010101" pitchFamily="18" charset="-127"/>
+              </a:rPr>
+              <a:t>.</a:t>
+            </a:r>
+          </a:p>
+          <a:p>
+            <a:pPr>
+              <a:lnSpc>
+                <a:spcPct val="120000"/>
+              </a:lnSpc>
+            </a:pPr>
+            <a:r>
+              <a:rPr lang="ko-KR" altLang="en-US" sz="1800" dirty="0" smtClean="0">
+                <a:latin typeface="새굴림" panose="02030600000101010101" pitchFamily="18" charset="-127"/>
+                <a:ea typeface="새굴림" panose="02030600000101010101" pitchFamily="18" charset="-127"/>
+              </a:rPr>
+              <a:t>슬롯에 접근하기 위해</a:t>
+            </a:r>
+            <a:r>
+              <a:rPr lang="en-US" altLang="ko-KR" sz="1800" dirty="0" smtClean="0">
+                <a:latin typeface="새굴림" panose="02030600000101010101" pitchFamily="18" charset="-127"/>
+                <a:ea typeface="새굴림" panose="02030600000101010101" pitchFamily="18" charset="-127"/>
+              </a:rPr>
+              <a:t>, button</a:t>
+            </a:r>
+            <a:r>
+              <a:rPr lang="ko-KR" altLang="en-US" sz="1800" dirty="0" smtClean="0">
+                <a:latin typeface="새굴림" panose="02030600000101010101" pitchFamily="18" charset="-127"/>
+                <a:ea typeface="새굴림" panose="02030600000101010101" pitchFamily="18" charset="-127"/>
+              </a:rPr>
+              <a:t>의 참조를 </a:t>
+            </a:r>
+            <a:r>
+              <a:rPr lang="en-US" altLang="ko-KR" sz="1800" dirty="0" smtClean="0">
+                <a:latin typeface="새굴림" panose="02030600000101010101" pitchFamily="18" charset="-127"/>
+                <a:ea typeface="새굴림" panose="02030600000101010101" pitchFamily="18" charset="-127"/>
+              </a:rPr>
+              <a:t>self</a:t>
+            </a:r>
+            <a:r>
+              <a:rPr lang="ko-KR" altLang="en-US" sz="1800" dirty="0" smtClean="0">
+                <a:latin typeface="새굴림" panose="02030600000101010101" pitchFamily="18" charset="-127"/>
+                <a:ea typeface="새굴림" panose="02030600000101010101" pitchFamily="18" charset="-127"/>
+              </a:rPr>
+              <a:t>로 하고 있음</a:t>
+            </a:r>
+            <a:r>
+              <a:rPr lang="en-US" altLang="ko-KR" sz="1800" dirty="0" smtClean="0">
+                <a:latin typeface="새굴림" panose="02030600000101010101" pitchFamily="18" charset="-127"/>
+                <a:ea typeface="새굴림" panose="02030600000101010101" pitchFamily="18" charset="-127"/>
+              </a:rPr>
+              <a:t>.</a:t>
+            </a:r>
+          </a:p>
+          <a:p>
+            <a:pPr>
+              <a:lnSpc>
+                <a:spcPct val="120000"/>
+              </a:lnSpc>
+            </a:pPr>
+            <a:r>
+              <a:rPr lang="en-US" altLang="ko-KR" sz="1800" dirty="0" smtClean="0">
+                <a:latin typeface="새굴림" panose="02030600000101010101" pitchFamily="18" charset="-127"/>
+                <a:ea typeface="새굴림" panose="02030600000101010101" pitchFamily="18" charset="-127"/>
+              </a:rPr>
+              <a:t>Released signal</a:t>
+            </a:r>
+            <a:r>
+              <a:rPr lang="ko-KR" altLang="en-US" sz="1800" dirty="0" smtClean="0">
+                <a:latin typeface="새굴림" panose="02030600000101010101" pitchFamily="18" charset="-127"/>
+                <a:ea typeface="새굴림" panose="02030600000101010101" pitchFamily="18" charset="-127"/>
+              </a:rPr>
+              <a:t>이 발생될 때</a:t>
+            </a:r>
+            <a:r>
+              <a:rPr lang="en-US" altLang="ko-KR" sz="1800" dirty="0" smtClean="0">
+                <a:latin typeface="새굴림" panose="02030600000101010101" pitchFamily="18" charset="-127"/>
+                <a:ea typeface="새굴림" panose="02030600000101010101" pitchFamily="18" charset="-127"/>
+              </a:rPr>
+              <a:t>, check state </a:t>
+            </a:r>
+            <a:r>
+              <a:rPr lang="ko-KR" altLang="en-US" sz="1800" dirty="0" smtClean="0">
+                <a:latin typeface="새굴림" panose="02030600000101010101" pitchFamily="18" charset="-127"/>
+                <a:ea typeface="새굴림" panose="02030600000101010101" pitchFamily="18" charset="-127"/>
+              </a:rPr>
+              <a:t>값은 따로 보내지 않음</a:t>
+            </a:r>
+            <a:r>
+              <a:rPr lang="en-US" altLang="ko-KR" sz="1800" dirty="0" smtClean="0">
+                <a:latin typeface="새굴림" panose="02030600000101010101" pitchFamily="18" charset="-127"/>
+                <a:ea typeface="새굴림" panose="02030600000101010101" pitchFamily="18" charset="-127"/>
+              </a:rPr>
+              <a:t>. </a:t>
+            </a:r>
+            <a:r>
+              <a:rPr lang="ko-KR" altLang="en-US" sz="1800" dirty="0" smtClean="0">
+                <a:latin typeface="새굴림" panose="02030600000101010101" pitchFamily="18" charset="-127"/>
+                <a:ea typeface="새굴림" panose="02030600000101010101" pitchFamily="18" charset="-127"/>
+              </a:rPr>
+              <a:t>대신</a:t>
+            </a:r>
+            <a:r>
+              <a:rPr lang="en-US" altLang="ko-KR" sz="1800" dirty="0" smtClean="0">
+                <a:latin typeface="새굴림" panose="02030600000101010101" pitchFamily="18" charset="-127"/>
+                <a:ea typeface="새굴림" panose="02030600000101010101" pitchFamily="18" charset="-127"/>
+              </a:rPr>
+              <a:t> </a:t>
+            </a:r>
+            <a:r>
+              <a:rPr lang="en-US" altLang="ko-KR" sz="1800" dirty="0" smtClean="0">
+                <a:latin typeface="새굴림" panose="02030600000101010101" pitchFamily="18" charset="-127"/>
+                <a:ea typeface="새굴림" panose="02030600000101010101" pitchFamily="18" charset="-127"/>
+              </a:rPr>
+              <a:t>.</a:t>
+            </a:r>
+            <a:r>
+              <a:rPr lang="en-US" altLang="ko-KR" sz="1800" dirty="0" err="1" smtClean="0">
+                <a:latin typeface="새굴림" panose="02030600000101010101" pitchFamily="18" charset="-127"/>
+                <a:ea typeface="새굴림" panose="02030600000101010101" pitchFamily="18" charset="-127"/>
+              </a:rPr>
+              <a:t>isChecked</a:t>
+            </a:r>
+            <a:r>
+              <a:rPr lang="en-US" altLang="ko-KR" sz="1800" dirty="0" smtClean="0">
+                <a:latin typeface="새굴림" panose="02030600000101010101" pitchFamily="18" charset="-127"/>
+                <a:ea typeface="새굴림" panose="02030600000101010101" pitchFamily="18" charset="-127"/>
+              </a:rPr>
+              <a:t>()</a:t>
+            </a:r>
+            <a:r>
+              <a:rPr lang="ko-KR" altLang="en-US" sz="1800" dirty="0" smtClean="0">
+                <a:latin typeface="새굴림" panose="02030600000101010101" pitchFamily="18" charset="-127"/>
+                <a:ea typeface="새굴림" panose="02030600000101010101" pitchFamily="18" charset="-127"/>
+              </a:rPr>
+              <a:t>함수를 호출해서 </a:t>
+            </a:r>
+            <a:r>
+              <a:rPr lang="en-US" altLang="ko-KR" sz="1800" dirty="0" smtClean="0">
+                <a:latin typeface="새굴림" panose="02030600000101010101" pitchFamily="18" charset="-127"/>
+                <a:ea typeface="새굴림" panose="02030600000101010101" pitchFamily="18" charset="-127"/>
+              </a:rPr>
+              <a:t>handler</a:t>
+            </a:r>
+            <a:r>
+              <a:rPr lang="ko-KR" altLang="en-US" sz="1800" dirty="0" smtClean="0">
+                <a:latin typeface="새굴림" panose="02030600000101010101" pitchFamily="18" charset="-127"/>
+                <a:ea typeface="새굴림" panose="02030600000101010101" pitchFamily="18" charset="-127"/>
+              </a:rPr>
+              <a:t>안에서 </a:t>
+            </a:r>
+            <a:r>
+              <a:rPr lang="en-US" altLang="ko-KR" sz="1800" dirty="0" smtClean="0">
+                <a:latin typeface="새굴림" panose="02030600000101010101" pitchFamily="18" charset="-127"/>
+                <a:ea typeface="새굴림" panose="02030600000101010101" pitchFamily="18" charset="-127"/>
+              </a:rPr>
+              <a:t>check state</a:t>
+            </a:r>
+            <a:r>
+              <a:rPr lang="ko-KR" altLang="en-US" sz="1800" dirty="0" smtClean="0">
+                <a:latin typeface="새굴림" panose="02030600000101010101" pitchFamily="18" charset="-127"/>
+                <a:ea typeface="새굴림" panose="02030600000101010101" pitchFamily="18" charset="-127"/>
+              </a:rPr>
+              <a:t>값을 확인함</a:t>
+            </a:r>
+            <a:r>
+              <a:rPr lang="en-US" altLang="ko-KR" sz="1800" dirty="0" smtClean="0">
+                <a:latin typeface="새굴림" panose="02030600000101010101" pitchFamily="18" charset="-127"/>
+                <a:ea typeface="새굴림" panose="02030600000101010101" pitchFamily="18" charset="-127"/>
+              </a:rPr>
+              <a:t>.</a:t>
+            </a:r>
+            <a:endParaRPr lang="en-US" altLang="ko-KR" sz="1800" dirty="0">
+              <a:latin typeface="새굴림" panose="02030600000101010101" pitchFamily="18" charset="-127"/>
+              <a:ea typeface="새굴림" panose="02030600000101010101" pitchFamily="18" charset="-127"/>
+            </a:endParaRPr>
           </a:p>
         </p:txBody>
       </p:sp>
@@ -6201,63 +6489,53 @@
           <a:lstStyle/>
           <a:p>
             <a:r>
-              <a:rPr lang="en-US" altLang="ko-KR">
+              <a:rPr lang="en-US" altLang="ko-KR" dirty="0">
                 <a:latin typeface="새굴림" panose="02030600000101010101" pitchFamily="18" charset="-127"/>
                 <a:ea typeface="새굴림" panose="02030600000101010101" pitchFamily="18" charset="-127"/>
               </a:rPr>
               <a:t>1. </a:t>
             </a:r>
             <a:r>
-              <a:rPr lang="ko-KR" altLang="en-US">
+              <a:rPr lang="ko-KR" altLang="en-US" dirty="0">
                 <a:latin typeface="새굴림" panose="02030600000101010101" pitchFamily="18" charset="-127"/>
                 <a:ea typeface="새굴림" panose="02030600000101010101" pitchFamily="18" charset="-127"/>
               </a:rPr>
               <a:t>신호와 슬롯</a:t>
             </a:r>
             <a:r>
-              <a:rPr lang="en-US" altLang="ko-KR">
+              <a:rPr lang="en-US" altLang="ko-KR" dirty="0">
                 <a:latin typeface="새굴림" panose="02030600000101010101" pitchFamily="18" charset="-127"/>
                 <a:ea typeface="새굴림" panose="02030600000101010101" pitchFamily="18" charset="-127"/>
               </a:rPr>
               <a:t>(Signals &amp; Slots)</a:t>
             </a:r>
             <a:br>
-              <a:rPr lang="en-US" altLang="ko-KR">
+              <a:rPr lang="en-US" altLang="ko-KR" dirty="0">
                 <a:latin typeface="새굴림" panose="02030600000101010101" pitchFamily="18" charset="-127"/>
                 <a:ea typeface="새굴림" panose="02030600000101010101" pitchFamily="18" charset="-127"/>
               </a:rPr>
             </a:br>
             <a:r>
-              <a:rPr lang="en-US" altLang="ko-KR" sz="3600">
+              <a:rPr lang="en-US" altLang="ko-KR" sz="3600" dirty="0" smtClean="0">
                 <a:solidFill>
                   <a:srgbClr val="FF0000"/>
                 </a:solidFill>
                 <a:latin typeface="새굴림" panose="02030600000101010101" pitchFamily="18" charset="-127"/>
                 <a:ea typeface="새굴림" panose="02030600000101010101" pitchFamily="18" charset="-127"/>
               </a:rPr>
-              <a:t>1-3. </a:t>
-            </a:r>
-            <a:r>
-              <a:rPr lang="ko-KR" altLang="en-US" sz="3600">
+              <a:t>1-4. </a:t>
+            </a:r>
+            <a:r>
+              <a:rPr lang="ko-KR" altLang="en-US" sz="3600" dirty="0" smtClean="0">
                 <a:solidFill>
                   <a:srgbClr val="FF0000"/>
                 </a:solidFill>
                 <a:latin typeface="새굴림" panose="02030600000101010101" pitchFamily="18" charset="-127"/>
                 <a:ea typeface="새굴림" panose="02030600000101010101" pitchFamily="18" charset="-127"/>
               </a:rPr>
-              <a:t>데이터 저장</a:t>
-            </a:r>
-            <a:r>
-              <a:rPr lang="en-US" altLang="ko-KR" sz="3600">
-                <a:solidFill>
-                  <a:srgbClr val="FF0000"/>
-                </a:solidFill>
-                <a:latin typeface="새굴림" panose="02030600000101010101" pitchFamily="18" charset="-127"/>
-                <a:ea typeface="새굴림" panose="02030600000101010101" pitchFamily="18" charset="-127"/>
-              </a:rPr>
-              <a:t>(Storing data)</a:t>
-            </a:r>
-            <a:endParaRPr lang="ko-KR" altLang="en-US">
+              <a:t>인터페이스 변경</a:t>
+            </a:r>
+            <a:endParaRPr lang="ko-KR" altLang="en-US" dirty="0">
               <a:solidFill>
                 <a:srgbClr val="FF0000"/>
               </a:solidFill>
@@ -6267,49 +6545,119 @@
           </a:p>
         </p:txBody>
       </p:sp>
-      <p:sp>
-        <p:nvSpPr>
-          <p:cNvPr id="3" name="내용 개체 틀 2">
-            <a:extLst>
-              <a:ext uri="{FF2B5EF4-FFF2-40B4-BE49-F238E27FC236}">
-                <a16:creationId xmlns:a16="http://schemas.microsoft.com/office/drawing/2014/main" id="{DAA6DC13-E3BF-43F6-A01C-62FC187D8499}"/>
-              </a:ext>
-            </a:extLst>
-          </p:cNvPr>
-          <p:cNvSpPr>
-            <a:spLocks noGrp="1"/>
-          </p:cNvSpPr>
-          <p:nvPr>
-            <p:ph idx="1"/>
-          </p:nvPr>
-        </p:nvSpPr>
+      <p:pic>
+        <p:nvPicPr>
+          <p:cNvPr id="4" name="그림 3"/>
+          <p:cNvPicPr>
+            <a:picLocks noChangeAspect="1"/>
+          </p:cNvPicPr>
+          <p:nvPr/>
+        </p:nvPicPr>
+        <p:blipFill rotWithShape="1">
+          <a:blip r:embed="rId2"/>
+          <a:srcRect t="18815" r="7558" b="19130"/>
+          <a:stretch/>
+        </p:blipFill>
         <p:spPr>
           <a:xfrm>
             <a:off x="838200" y="1931437"/>
-            <a:ext cx="10515600" cy="4245526"/>
+            <a:ext cx="8352986" cy="4245526"/>
           </a:xfrm>
-          <a:solidFill>
-            <a:schemeClr val="bg1"/>
-          </a:solidFill>
-          <a:ln>
+          <a:prstGeom prst="rect">
+            <a:avLst/>
+          </a:prstGeom>
+          <a:ln w="38100" cap="sq">
             <a:solidFill>
-              <a:schemeClr val="tx1"/>
+              <a:srgbClr val="000000"/>
             </a:solidFill>
+            <a:prstDash val="solid"/>
+            <a:miter lim="800000"/>
           </a:ln>
+          <a:effectLst>
+            <a:outerShdw blurRad="50800" dist="38100" dir="2700000" algn="tl" rotWithShape="0">
+              <a:srgbClr val="000000">
+                <a:alpha val="43000"/>
+              </a:srgbClr>
+            </a:outerShdw>
+          </a:effectLst>
         </p:spPr>
-        <p:txBody>
-          <a:bodyPr>
-            <a:normAutofit/>
-          </a:bodyPr>
-          <a:lstStyle/>
-          <a:p>
-            <a:endParaRPr lang="en-US" altLang="ko-KR">
-              <a:latin typeface="새굴림" panose="02030600000101010101" pitchFamily="18" charset="-127"/>
-              <a:ea typeface="새굴림" panose="02030600000101010101" pitchFamily="18" charset="-127"/>
-            </a:endParaRPr>
-          </a:p>
-        </p:txBody>
-      </p:sp>
+      </p:pic>
+      <p:pic>
+        <p:nvPicPr>
+          <p:cNvPr id="5" name="그림 4"/>
+          <p:cNvPicPr>
+            <a:picLocks noChangeAspect="1"/>
+          </p:cNvPicPr>
+          <p:nvPr/>
+        </p:nvPicPr>
+        <p:blipFill>
+          <a:blip r:embed="rId3"/>
+          <a:stretch>
+            <a:fillRect/>
+          </a:stretch>
+        </p:blipFill>
+        <p:spPr>
+          <a:xfrm>
+            <a:off x="9344025" y="1931437"/>
+            <a:ext cx="2383155" cy="1548292"/>
+          </a:xfrm>
+          <a:prstGeom prst="rect">
+            <a:avLst/>
+          </a:prstGeom>
+          <a:ln w="38100" cap="sq">
+            <a:solidFill>
+              <a:srgbClr val="000000"/>
+            </a:solidFill>
+            <a:prstDash val="solid"/>
+            <a:miter lim="800000"/>
+          </a:ln>
+          <a:effectLst>
+            <a:outerShdw blurRad="50800" dist="38100" dir="2700000" algn="tl" rotWithShape="0">
+              <a:srgbClr val="000000">
+                <a:alpha val="43000"/>
+              </a:srgbClr>
+            </a:outerShdw>
+          </a:effectLst>
+        </p:spPr>
+      </p:pic>
+      <p:pic>
+        <p:nvPicPr>
+          <p:cNvPr id="6" name="그림 5"/>
+          <p:cNvPicPr>
+            <a:picLocks noChangeAspect="1"/>
+          </p:cNvPicPr>
+          <p:nvPr/>
+        </p:nvPicPr>
+        <p:blipFill>
+          <a:blip r:embed="rId4"/>
+          <a:stretch>
+            <a:fillRect/>
+          </a:stretch>
+        </p:blipFill>
+        <p:spPr>
+          <a:xfrm>
+            <a:off x="9344025" y="3731657"/>
+            <a:ext cx="2428149" cy="1537574"/>
+          </a:xfrm>
+          <a:prstGeom prst="rect">
+            <a:avLst/>
+          </a:prstGeom>
+          <a:ln w="38100" cap="sq">
+            <a:solidFill>
+              <a:srgbClr val="000000"/>
+            </a:solidFill>
+            <a:prstDash val="solid"/>
+            <a:miter lim="800000"/>
+          </a:ln>
+          <a:effectLst>
+            <a:outerShdw blurRad="50800" dist="38100" dir="2700000" algn="tl" rotWithShape="0">
+              <a:srgbClr val="000000">
+                <a:alpha val="43000"/>
+              </a:srgbClr>
+            </a:outerShdw>
+          </a:effectLst>
+        </p:spPr>
+      </p:pic>
     </p:spTree>
     <p:extLst>
       <p:ext uri="{BB962C8B-B14F-4D97-AF65-F5344CB8AC3E}">
@@ -6396,63 +6744,53 @@
           <a:lstStyle/>
           <a:p>
             <a:r>
-              <a:rPr lang="en-US" altLang="ko-KR">
+              <a:rPr lang="en-US" altLang="ko-KR" dirty="0">
                 <a:latin typeface="새굴림" panose="02030600000101010101" pitchFamily="18" charset="-127"/>
                 <a:ea typeface="새굴림" panose="02030600000101010101" pitchFamily="18" charset="-127"/>
               </a:rPr>
               <a:t>1. </a:t>
             </a:r>
             <a:r>
-              <a:rPr lang="ko-KR" altLang="en-US">
+              <a:rPr lang="ko-KR" altLang="en-US" dirty="0">
                 <a:latin typeface="새굴림" panose="02030600000101010101" pitchFamily="18" charset="-127"/>
                 <a:ea typeface="새굴림" panose="02030600000101010101" pitchFamily="18" charset="-127"/>
               </a:rPr>
               <a:t>신호와 슬롯</a:t>
             </a:r>
             <a:r>
-              <a:rPr lang="en-US" altLang="ko-KR">
+              <a:rPr lang="en-US" altLang="ko-KR" dirty="0">
                 <a:latin typeface="새굴림" panose="02030600000101010101" pitchFamily="18" charset="-127"/>
                 <a:ea typeface="새굴림" panose="02030600000101010101" pitchFamily="18" charset="-127"/>
               </a:rPr>
               <a:t>(Signals &amp; Slots)</a:t>
             </a:r>
             <a:br>
-              <a:rPr lang="en-US" altLang="ko-KR">
+              <a:rPr lang="en-US" altLang="ko-KR" dirty="0">
                 <a:latin typeface="새굴림" panose="02030600000101010101" pitchFamily="18" charset="-127"/>
                 <a:ea typeface="새굴림" panose="02030600000101010101" pitchFamily="18" charset="-127"/>
               </a:rPr>
             </a:br>
             <a:r>
-              <a:rPr lang="en-US" altLang="ko-KR" sz="3600">
+              <a:rPr lang="en-US" altLang="ko-KR" dirty="0">
                 <a:solidFill>
                   <a:srgbClr val="FF0000"/>
                 </a:solidFill>
                 <a:latin typeface="새굴림" panose="02030600000101010101" pitchFamily="18" charset="-127"/>
                 <a:ea typeface="새굴림" panose="02030600000101010101" pitchFamily="18" charset="-127"/>
               </a:rPr>
-              <a:t>1-3. </a:t>
-            </a:r>
-            <a:r>
-              <a:rPr lang="ko-KR" altLang="en-US" sz="3600">
+              <a:t>1-4. </a:t>
+            </a:r>
+            <a:r>
+              <a:rPr lang="ko-KR" altLang="en-US" dirty="0">
                 <a:solidFill>
                   <a:srgbClr val="FF0000"/>
                 </a:solidFill>
                 <a:latin typeface="새굴림" panose="02030600000101010101" pitchFamily="18" charset="-127"/>
                 <a:ea typeface="새굴림" panose="02030600000101010101" pitchFamily="18" charset="-127"/>
               </a:rPr>
-              <a:t>데이터 저장</a:t>
-            </a:r>
-            <a:r>
-              <a:rPr lang="en-US" altLang="ko-KR" sz="3600">
-                <a:solidFill>
-                  <a:srgbClr val="FF0000"/>
-                </a:solidFill>
-                <a:latin typeface="새굴림" panose="02030600000101010101" pitchFamily="18" charset="-127"/>
-                <a:ea typeface="새굴림" panose="02030600000101010101" pitchFamily="18" charset="-127"/>
-              </a:rPr>
-              <a:t>(Storing data)</a:t>
-            </a:r>
-            <a:endParaRPr lang="ko-KR" altLang="en-US">
+              <a:t>인터페이스 변경</a:t>
+            </a:r>
+            <a:endParaRPr lang="ko-KR" altLang="en-US" dirty="0">
               <a:solidFill>
                 <a:srgbClr val="FF0000"/>
               </a:solidFill>
@@ -6505,6 +6843,44 @@
           </a:p>
         </p:txBody>
       </p:sp>
+      <p:pic>
+        <p:nvPicPr>
+          <p:cNvPr id="5" name="그림 4"/>
+          <p:cNvPicPr>
+            <a:picLocks noChangeAspect="1"/>
+          </p:cNvPicPr>
+          <p:nvPr/>
+        </p:nvPicPr>
+        <p:blipFill>
+          <a:blip r:embed="rId2"/>
+          <a:stretch>
+            <a:fillRect/>
+          </a:stretch>
+        </p:blipFill>
+        <p:spPr>
+          <a:xfrm>
+            <a:off x="838200" y="1931437"/>
+            <a:ext cx="10482960" cy="4245526"/>
+          </a:xfrm>
+          <a:prstGeom prst="rect">
+            <a:avLst/>
+          </a:prstGeom>
+          <a:ln w="38100" cap="sq">
+            <a:solidFill>
+              <a:srgbClr val="000000"/>
+            </a:solidFill>
+            <a:prstDash val="solid"/>
+            <a:miter lim="800000"/>
+          </a:ln>
+          <a:effectLst>
+            <a:outerShdw blurRad="50800" dist="38100" dir="2700000" algn="tl" rotWithShape="0">
+              <a:srgbClr val="000000">
+                <a:alpha val="43000"/>
+              </a:srgbClr>
+            </a:outerShdw>
+          </a:effectLst>
+        </p:spPr>
+      </p:pic>
     </p:spTree>
     <p:extLst>
       <p:ext uri="{BB962C8B-B14F-4D97-AF65-F5344CB8AC3E}">
@@ -6519,6 +6895,170 @@
 </file>
 
 <file path=ppt/slides/slide18.xml><?xml version="1.0" encoding="utf-8"?>
+<p:sld xmlns:a="http://schemas.openxmlformats.org/drawingml/2006/main" xmlns:r="http://schemas.openxmlformats.org/officeDocument/2006/relationships" xmlns:p="http://schemas.openxmlformats.org/presentationml/2006/main">
+  <p:cSld>
+    <p:spTree>
+      <p:nvGrpSpPr>
+        <p:cNvPr id="1" name=""/>
+        <p:cNvGrpSpPr/>
+        <p:nvPr/>
+      </p:nvGrpSpPr>
+      <p:grpSpPr>
+        <a:xfrm>
+          <a:off x="0" y="0"/>
+          <a:ext cx="0" cy="0"/>
+          <a:chOff x="0" y="0"/>
+          <a:chExt cx="0" cy="0"/>
+        </a:xfrm>
+      </p:grpSpPr>
+      <p:sp>
+        <p:nvSpPr>
+          <p:cNvPr id="2" name="제목 1">
+            <a:extLst>
+              <a:ext uri="{FF2B5EF4-FFF2-40B4-BE49-F238E27FC236}">
+                <a16:creationId xmlns:a16="http://schemas.microsoft.com/office/drawing/2014/main" id="{47D4526C-2EFC-447E-977E-FABBF1004F64}"/>
+              </a:ext>
+            </a:extLst>
+          </p:cNvPr>
+          <p:cNvSpPr>
+            <a:spLocks noGrp="1"/>
+          </p:cNvSpPr>
+          <p:nvPr>
+            <p:ph type="title"/>
+          </p:nvPr>
+        </p:nvSpPr>
+        <p:spPr>
+          <a:xfrm>
+            <a:off x="838200" y="365126"/>
+            <a:ext cx="10515600" cy="1314384"/>
+          </a:xfrm>
+          <a:solidFill>
+            <a:schemeClr val="accent4">
+              <a:lumMod val="20000"/>
+              <a:lumOff val="80000"/>
+            </a:schemeClr>
+          </a:solidFill>
+          <a:ln>
+            <a:solidFill>
+              <a:schemeClr val="tx1"/>
+            </a:solidFill>
+          </a:ln>
+        </p:spPr>
+        <p:txBody>
+          <a:bodyPr>
+            <a:normAutofit/>
+          </a:bodyPr>
+          <a:lstStyle/>
+          <a:p>
+            <a:r>
+              <a:rPr lang="en-US" altLang="ko-KR" dirty="0">
+                <a:latin typeface="새굴림" panose="02030600000101010101" pitchFamily="18" charset="-127"/>
+                <a:ea typeface="새굴림" panose="02030600000101010101" pitchFamily="18" charset="-127"/>
+              </a:rPr>
+              <a:t>1. </a:t>
+            </a:r>
+            <a:r>
+              <a:rPr lang="ko-KR" altLang="en-US" dirty="0">
+                <a:latin typeface="새굴림" panose="02030600000101010101" pitchFamily="18" charset="-127"/>
+                <a:ea typeface="새굴림" panose="02030600000101010101" pitchFamily="18" charset="-127"/>
+              </a:rPr>
+              <a:t>신호와 슬롯</a:t>
+            </a:r>
+            <a:r>
+              <a:rPr lang="en-US" altLang="ko-KR" dirty="0">
+                <a:latin typeface="새굴림" panose="02030600000101010101" pitchFamily="18" charset="-127"/>
+                <a:ea typeface="새굴림" panose="02030600000101010101" pitchFamily="18" charset="-127"/>
+              </a:rPr>
+              <a:t>(Signals &amp; Slots)</a:t>
+            </a:r>
+            <a:br>
+              <a:rPr lang="en-US" altLang="ko-KR" dirty="0">
+                <a:latin typeface="새굴림" panose="02030600000101010101" pitchFamily="18" charset="-127"/>
+                <a:ea typeface="새굴림" panose="02030600000101010101" pitchFamily="18" charset="-127"/>
+              </a:rPr>
+            </a:br>
+            <a:r>
+              <a:rPr lang="en-US" altLang="ko-KR" dirty="0">
+                <a:solidFill>
+                  <a:srgbClr val="FF0000"/>
+                </a:solidFill>
+                <a:latin typeface="새굴림" panose="02030600000101010101" pitchFamily="18" charset="-127"/>
+                <a:ea typeface="새굴림" panose="02030600000101010101" pitchFamily="18" charset="-127"/>
+              </a:rPr>
+              <a:t>1-4. </a:t>
+            </a:r>
+            <a:r>
+              <a:rPr lang="ko-KR" altLang="en-US" dirty="0">
+                <a:solidFill>
+                  <a:srgbClr val="FF0000"/>
+                </a:solidFill>
+                <a:latin typeface="새굴림" panose="02030600000101010101" pitchFamily="18" charset="-127"/>
+                <a:ea typeface="새굴림" panose="02030600000101010101" pitchFamily="18" charset="-127"/>
+              </a:rPr>
+              <a:t>인터페이스 변경</a:t>
+            </a:r>
+            <a:endParaRPr lang="ko-KR" altLang="en-US" dirty="0">
+              <a:solidFill>
+                <a:srgbClr val="FF0000"/>
+              </a:solidFill>
+              <a:latin typeface="새굴림" panose="02030600000101010101" pitchFamily="18" charset="-127"/>
+              <a:ea typeface="새굴림" panose="02030600000101010101" pitchFamily="18" charset="-127"/>
+            </a:endParaRPr>
+          </a:p>
+        </p:txBody>
+      </p:sp>
+      <p:pic>
+        <p:nvPicPr>
+          <p:cNvPr id="6" name="그림 5"/>
+          <p:cNvPicPr>
+            <a:picLocks noChangeAspect="1"/>
+          </p:cNvPicPr>
+          <p:nvPr/>
+        </p:nvPicPr>
+        <p:blipFill>
+          <a:blip r:embed="rId2"/>
+          <a:stretch>
+            <a:fillRect/>
+          </a:stretch>
+        </p:blipFill>
+        <p:spPr>
+          <a:xfrm>
+            <a:off x="838200" y="2057400"/>
+            <a:ext cx="10466784" cy="3954780"/>
+          </a:xfrm>
+          <a:prstGeom prst="rect">
+            <a:avLst/>
+          </a:prstGeom>
+          <a:ln w="38100" cap="sq">
+            <a:solidFill>
+              <a:srgbClr val="000000"/>
+            </a:solidFill>
+            <a:prstDash val="solid"/>
+            <a:miter lim="800000"/>
+          </a:ln>
+          <a:effectLst>
+            <a:outerShdw blurRad="50800" dist="38100" dir="2700000" algn="tl" rotWithShape="0">
+              <a:srgbClr val="000000">
+                <a:alpha val="43000"/>
+              </a:srgbClr>
+            </a:outerShdw>
+          </a:effectLst>
+        </p:spPr>
+      </p:pic>
+    </p:spTree>
+    <p:extLst>
+      <p:ext uri="{BB962C8B-B14F-4D97-AF65-F5344CB8AC3E}">
+        <p14:creationId xmlns:p14="http://schemas.microsoft.com/office/powerpoint/2010/main" val="992442550"/>
+      </p:ext>
+    </p:extLst>
+  </p:cSld>
+  <p:clrMapOvr>
+    <a:masterClrMapping/>
+  </p:clrMapOvr>
+</p:sld>
+</file>
+
+<file path=ppt/slides/slide19.xml><?xml version="1.0" encoding="utf-8"?>
 <p:sld xmlns:a="http://schemas.openxmlformats.org/drawingml/2006/main" xmlns:r="http://schemas.openxmlformats.org/officeDocument/2006/relationships" xmlns:p="http://schemas.openxmlformats.org/presentationml/2006/main">
   <p:cSld>
     <p:bg>
@@ -6591,63 +7131,911 @@
           <a:lstStyle/>
           <a:p>
             <a:r>
-              <a:rPr lang="en-US" altLang="ko-KR">
+              <a:rPr lang="en-US" altLang="ko-KR" dirty="0">
                 <a:latin typeface="새굴림" panose="02030600000101010101" pitchFamily="18" charset="-127"/>
                 <a:ea typeface="새굴림" panose="02030600000101010101" pitchFamily="18" charset="-127"/>
               </a:rPr>
               <a:t>1. </a:t>
             </a:r>
             <a:r>
-              <a:rPr lang="ko-KR" altLang="en-US">
+              <a:rPr lang="ko-KR" altLang="en-US" dirty="0">
                 <a:latin typeface="새굴림" panose="02030600000101010101" pitchFamily="18" charset="-127"/>
                 <a:ea typeface="새굴림" panose="02030600000101010101" pitchFamily="18" charset="-127"/>
               </a:rPr>
               <a:t>신호와 슬롯</a:t>
             </a:r>
             <a:r>
-              <a:rPr lang="en-US" altLang="ko-KR">
+              <a:rPr lang="en-US" altLang="ko-KR" dirty="0">
                 <a:latin typeface="새굴림" panose="02030600000101010101" pitchFamily="18" charset="-127"/>
                 <a:ea typeface="새굴림" panose="02030600000101010101" pitchFamily="18" charset="-127"/>
               </a:rPr>
               <a:t>(Signals &amp; Slots)</a:t>
             </a:r>
             <a:br>
-              <a:rPr lang="en-US" altLang="ko-KR">
+              <a:rPr lang="en-US" altLang="ko-KR" dirty="0">
                 <a:latin typeface="새굴림" panose="02030600000101010101" pitchFamily="18" charset="-127"/>
                 <a:ea typeface="새굴림" panose="02030600000101010101" pitchFamily="18" charset="-127"/>
               </a:rPr>
             </a:br>
             <a:r>
-              <a:rPr lang="en-US" altLang="ko-KR" sz="3600">
+              <a:rPr lang="en-US" altLang="ko-KR" sz="3600" dirty="0">
                 <a:solidFill>
                   <a:srgbClr val="FF0000"/>
                 </a:solidFill>
                 <a:latin typeface="새굴림" panose="02030600000101010101" pitchFamily="18" charset="-127"/>
                 <a:ea typeface="새굴림" panose="02030600000101010101" pitchFamily="18" charset="-127"/>
               </a:rPr>
-              <a:t>1-3. </a:t>
-            </a:r>
-            <a:r>
-              <a:rPr lang="ko-KR" altLang="en-US" sz="3600">
+              <a:t>1-4. </a:t>
+            </a:r>
+            <a:r>
+              <a:rPr lang="ko-KR" altLang="en-US" sz="3600" dirty="0">
                 <a:solidFill>
                   <a:srgbClr val="FF0000"/>
                 </a:solidFill>
                 <a:latin typeface="새굴림" panose="02030600000101010101" pitchFamily="18" charset="-127"/>
                 <a:ea typeface="새굴림" panose="02030600000101010101" pitchFamily="18" charset="-127"/>
               </a:rPr>
-              <a:t>데이터 저장</a:t>
-            </a:r>
-            <a:r>
-              <a:rPr lang="en-US" altLang="ko-KR" sz="3600">
+              <a:t>인터페이스 변경</a:t>
+            </a:r>
+            <a:endParaRPr lang="ko-KR" altLang="en-US" dirty="0">
+              <a:solidFill>
+                <a:srgbClr val="FF0000"/>
+              </a:solidFill>
+              <a:latin typeface="새굴림" panose="02030600000101010101" pitchFamily="18" charset="-127"/>
+              <a:ea typeface="새굴림" panose="02030600000101010101" pitchFamily="18" charset="-127"/>
+            </a:endParaRPr>
+          </a:p>
+        </p:txBody>
+      </p:sp>
+      <p:pic>
+        <p:nvPicPr>
+          <p:cNvPr id="4" name="내용 개체 틀 3"/>
+          <p:cNvPicPr>
+            <a:picLocks noGrp="1" noChangeAspect="1"/>
+          </p:cNvPicPr>
+          <p:nvPr>
+            <p:ph idx="1"/>
+          </p:nvPr>
+        </p:nvPicPr>
+        <p:blipFill>
+          <a:blip r:embed="rId2"/>
+          <a:stretch>
+            <a:fillRect/>
+          </a:stretch>
+        </p:blipFill>
+        <p:spPr>
+          <a:xfrm>
+            <a:off x="838200" y="1999933"/>
+            <a:ext cx="10513808" cy="4629467"/>
+          </a:xfrm>
+          <a:prstGeom prst="rect">
+            <a:avLst/>
+          </a:prstGeom>
+          <a:ln w="38100" cap="sq">
+            <a:solidFill>
+              <a:srgbClr val="000000"/>
+            </a:solidFill>
+            <a:prstDash val="solid"/>
+            <a:miter lim="800000"/>
+          </a:ln>
+          <a:effectLst>
+            <a:outerShdw blurRad="50800" dist="38100" dir="2700000" algn="tl" rotWithShape="0">
+              <a:srgbClr val="000000">
+                <a:alpha val="43000"/>
+              </a:srgbClr>
+            </a:outerShdw>
+          </a:effectLst>
+        </p:spPr>
+      </p:pic>
+    </p:spTree>
+    <p:extLst>
+      <p:ext uri="{BB962C8B-B14F-4D97-AF65-F5344CB8AC3E}">
+        <p14:creationId xmlns:p14="http://schemas.microsoft.com/office/powerpoint/2010/main" val="4140013733"/>
+      </p:ext>
+    </p:extLst>
+  </p:cSld>
+  <p:clrMapOvr>
+    <a:masterClrMapping/>
+  </p:clrMapOvr>
+</p:sld>
+</file>
+
+<file path=ppt/slides/slide2.xml><?xml version="1.0" encoding="utf-8"?>
+<p:sld xmlns:a="http://schemas.openxmlformats.org/drawingml/2006/main" xmlns:r="http://schemas.openxmlformats.org/officeDocument/2006/relationships" xmlns:p="http://schemas.openxmlformats.org/presentationml/2006/main">
+  <p:cSld>
+    <p:bg>
+      <p:bgPr>
+        <a:pattFill prst="lgGrid">
+          <a:fgClr>
+            <a:schemeClr val="bg1"/>
+          </a:fgClr>
+          <a:bgClr>
+            <a:schemeClr val="accent5">
+              <a:lumMod val="20000"/>
+              <a:lumOff val="80000"/>
+            </a:schemeClr>
+          </a:bgClr>
+        </a:pattFill>
+        <a:effectLst/>
+      </p:bgPr>
+    </p:bg>
+    <p:spTree>
+      <p:nvGrpSpPr>
+        <p:cNvPr id="1" name=""/>
+        <p:cNvGrpSpPr/>
+        <p:nvPr/>
+      </p:nvGrpSpPr>
+      <p:grpSpPr>
+        <a:xfrm>
+          <a:off x="0" y="0"/>
+          <a:ext cx="0" cy="0"/>
+          <a:chOff x="0" y="0"/>
+          <a:chExt cx="0" cy="0"/>
+        </a:xfrm>
+      </p:grpSpPr>
+      <p:sp>
+        <p:nvSpPr>
+          <p:cNvPr id="2" name="제목 1">
+            <a:extLst>
+              <a:ext uri="{FF2B5EF4-FFF2-40B4-BE49-F238E27FC236}">
+                <a16:creationId xmlns:a16="http://schemas.microsoft.com/office/drawing/2014/main" id="{47D4526C-2EFC-447E-977E-FABBF1004F64}"/>
+              </a:ext>
+            </a:extLst>
+          </p:cNvPr>
+          <p:cNvSpPr>
+            <a:spLocks noGrp="1"/>
+          </p:cNvSpPr>
+          <p:nvPr>
+            <p:ph type="title"/>
+          </p:nvPr>
+        </p:nvSpPr>
+        <p:spPr>
+          <a:solidFill>
+            <a:schemeClr val="accent4">
+              <a:lumMod val="20000"/>
+              <a:lumOff val="80000"/>
+            </a:schemeClr>
+          </a:solidFill>
+          <a:ln>
+            <a:solidFill>
+              <a:schemeClr val="tx1"/>
+            </a:solidFill>
+          </a:ln>
+        </p:spPr>
+        <p:txBody>
+          <a:bodyPr/>
+          <a:lstStyle/>
+          <a:p>
+            <a:r>
+              <a:rPr lang="ko-KR" altLang="en-US">
+                <a:latin typeface="새굴림" panose="02030600000101010101" pitchFamily="18" charset="-127"/>
+                <a:ea typeface="새굴림" panose="02030600000101010101" pitchFamily="18" charset="-127"/>
+              </a:rPr>
+              <a:t>전시 학습</a:t>
+            </a:r>
+          </a:p>
+        </p:txBody>
+      </p:sp>
+      <p:sp>
+        <p:nvSpPr>
+          <p:cNvPr id="3" name="내용 개체 틀 2">
+            <a:extLst>
+              <a:ext uri="{FF2B5EF4-FFF2-40B4-BE49-F238E27FC236}">
+                <a16:creationId xmlns:a16="http://schemas.microsoft.com/office/drawing/2014/main" id="{DAA6DC13-E3BF-43F6-A01C-62FC187D8499}"/>
+              </a:ext>
+            </a:extLst>
+          </p:cNvPr>
+          <p:cNvSpPr>
+            <a:spLocks noGrp="1"/>
+          </p:cNvSpPr>
+          <p:nvPr>
+            <p:ph idx="1"/>
+          </p:nvPr>
+        </p:nvSpPr>
+        <p:spPr>
+          <a:solidFill>
+            <a:schemeClr val="bg1"/>
+          </a:solidFill>
+          <a:ln>
+            <a:solidFill>
+              <a:schemeClr val="tx1"/>
+            </a:solidFill>
+          </a:ln>
+        </p:spPr>
+        <p:txBody>
+          <a:bodyPr>
+            <a:normAutofit lnSpcReduction="10000"/>
+          </a:bodyPr>
+          <a:lstStyle/>
+          <a:p>
+            <a:r>
+              <a:rPr lang="ko-KR" altLang="en-US">
+                <a:latin typeface="새굴림" panose="02030600000101010101" pitchFamily="18" charset="-127"/>
+                <a:ea typeface="새굴림" panose="02030600000101010101" pitchFamily="18" charset="-127"/>
+              </a:rPr>
+              <a:t>지금까지 윈도우 창을 만들고 그 안에 간단한 푸시 버튼 위젯을 추가</a:t>
+            </a:r>
+            <a:r>
+              <a:rPr lang="en-US" altLang="ko-KR">
+                <a:latin typeface="새굴림" panose="02030600000101010101" pitchFamily="18" charset="-127"/>
+                <a:ea typeface="새굴림" panose="02030600000101010101" pitchFamily="18" charset="-127"/>
+              </a:rPr>
+              <a:t>, </a:t>
+            </a:r>
+            <a:r>
+              <a:rPr lang="ko-KR" altLang="en-US">
+                <a:latin typeface="새굴림" panose="02030600000101010101" pitchFamily="18" charset="-127"/>
+                <a:ea typeface="새굴림" panose="02030600000101010101" pitchFamily="18" charset="-127"/>
+              </a:rPr>
+              <a:t>하지만 버튼은 아무런 동작을 하지 않음</a:t>
+            </a:r>
+            <a:r>
+              <a:rPr lang="en-US" altLang="ko-KR">
+                <a:latin typeface="새굴림" panose="02030600000101010101" pitchFamily="18" charset="-127"/>
+                <a:ea typeface="새굴림" panose="02030600000101010101" pitchFamily="18" charset="-127"/>
+              </a:rPr>
+              <a:t>.</a:t>
+            </a:r>
+          </a:p>
+          <a:p>
+            <a:endParaRPr lang="en-US" altLang="ko-KR">
+              <a:latin typeface="새굴림" panose="02030600000101010101" pitchFamily="18" charset="-127"/>
+              <a:ea typeface="새굴림" panose="02030600000101010101" pitchFamily="18" charset="-127"/>
+            </a:endParaRPr>
+          </a:p>
+          <a:p>
+            <a:r>
+              <a:rPr lang="en-US" altLang="ko-KR">
+                <a:latin typeface="새굴림" panose="02030600000101010101" pitchFamily="18" charset="-127"/>
+                <a:ea typeface="새굴림" panose="02030600000101010101" pitchFamily="18" charset="-127"/>
+              </a:rPr>
+              <a:t>GUI </a:t>
+            </a:r>
+            <a:r>
+              <a:rPr lang="ko-KR" altLang="en-US">
+                <a:latin typeface="새굴림" panose="02030600000101010101" pitchFamily="18" charset="-127"/>
+                <a:ea typeface="새굴림" panose="02030600000101010101" pitchFamily="18" charset="-127"/>
+              </a:rPr>
+              <a:t>애플리케이션을 만들 때는 일반적으로 버튼을 눌렀을 때 무언가가 발생하도록 하고 싶음</a:t>
+            </a:r>
+            <a:r>
+              <a:rPr lang="en-US" altLang="ko-KR">
+                <a:latin typeface="새굴림" panose="02030600000101010101" pitchFamily="18" charset="-127"/>
+                <a:ea typeface="새굴림" panose="02030600000101010101" pitchFamily="18" charset="-127"/>
+              </a:rPr>
+              <a:t>.</a:t>
+            </a:r>
+          </a:p>
+          <a:p>
+            <a:endParaRPr lang="en-US" altLang="ko-KR">
+              <a:latin typeface="새굴림" panose="02030600000101010101" pitchFamily="18" charset="-127"/>
+              <a:ea typeface="새굴림" panose="02030600000101010101" pitchFamily="18" charset="-127"/>
+            </a:endParaRPr>
+          </a:p>
+          <a:p>
+            <a:r>
+              <a:rPr lang="ko-KR" altLang="en-US">
+                <a:latin typeface="새굴림" panose="02030600000101010101" pitchFamily="18" charset="-127"/>
+                <a:ea typeface="새굴림" panose="02030600000101010101" pitchFamily="18" charset="-127"/>
+              </a:rPr>
+              <a:t>버튼을 누르는 동작을 연결하여 무언가가 일어나도록 하는 방법을 학습</a:t>
+            </a:r>
+            <a:r>
+              <a:rPr lang="en-US" altLang="ko-KR">
+                <a:latin typeface="새굴림" panose="02030600000101010101" pitchFamily="18" charset="-127"/>
+                <a:ea typeface="새굴림" panose="02030600000101010101" pitchFamily="18" charset="-127"/>
+              </a:rPr>
+              <a:t>.</a:t>
+            </a:r>
+          </a:p>
+          <a:p>
+            <a:endParaRPr lang="en-US" altLang="ko-KR">
+              <a:latin typeface="새굴림" panose="02030600000101010101" pitchFamily="18" charset="-127"/>
+              <a:ea typeface="새굴림" panose="02030600000101010101" pitchFamily="18" charset="-127"/>
+            </a:endParaRPr>
+          </a:p>
+          <a:p>
+            <a:r>
+              <a:rPr lang="en-US" altLang="ko-KR">
+                <a:latin typeface="새굴림" panose="02030600000101010101" pitchFamily="18" charset="-127"/>
+                <a:ea typeface="새굴림" panose="02030600000101010101" pitchFamily="18" charset="-127"/>
+              </a:rPr>
+              <a:t>Qt</a:t>
+            </a:r>
+            <a:r>
+              <a:rPr lang="ko-KR" altLang="en-US">
+                <a:latin typeface="새굴림" panose="02030600000101010101" pitchFamily="18" charset="-127"/>
+                <a:ea typeface="새굴림" panose="02030600000101010101" pitchFamily="18" charset="-127"/>
+              </a:rPr>
+              <a:t>에서는 이를 신호와 슬롯 또는 이벤트를 통해 제공</a:t>
+            </a:r>
+            <a:r>
+              <a:rPr lang="en-US" altLang="ko-KR">
+                <a:latin typeface="새굴림" panose="02030600000101010101" pitchFamily="18" charset="-127"/>
+                <a:ea typeface="새굴림" panose="02030600000101010101" pitchFamily="18" charset="-127"/>
+              </a:rPr>
+              <a:t>.</a:t>
+            </a:r>
+            <a:endParaRPr lang="ko-KR" altLang="en-US">
+              <a:latin typeface="새굴림" panose="02030600000101010101" pitchFamily="18" charset="-127"/>
+              <a:ea typeface="새굴림" panose="02030600000101010101" pitchFamily="18" charset="-127"/>
+            </a:endParaRPr>
+          </a:p>
+        </p:txBody>
+      </p:sp>
+    </p:spTree>
+    <p:extLst>
+      <p:ext uri="{BB962C8B-B14F-4D97-AF65-F5344CB8AC3E}">
+        <p14:creationId xmlns:p14="http://schemas.microsoft.com/office/powerpoint/2010/main" val="197490513"/>
+      </p:ext>
+    </p:extLst>
+  </p:cSld>
+  <p:clrMapOvr>
+    <a:masterClrMapping/>
+  </p:clrMapOvr>
+</p:sld>
+</file>
+
+<file path=ppt/slides/slide20.xml><?xml version="1.0" encoding="utf-8"?>
+<p:sld xmlns:a="http://schemas.openxmlformats.org/drawingml/2006/main" xmlns:r="http://schemas.openxmlformats.org/officeDocument/2006/relationships" xmlns:p="http://schemas.openxmlformats.org/presentationml/2006/main">
+  <p:cSld>
+    <p:bg>
+      <p:bgPr>
+        <a:pattFill prst="lgGrid">
+          <a:fgClr>
+            <a:schemeClr val="bg1"/>
+          </a:fgClr>
+          <a:bgClr>
+            <a:schemeClr val="accent5">
+              <a:lumMod val="20000"/>
+              <a:lumOff val="80000"/>
+            </a:schemeClr>
+          </a:bgClr>
+        </a:pattFill>
+        <a:effectLst/>
+      </p:bgPr>
+    </p:bg>
+    <p:spTree>
+      <p:nvGrpSpPr>
+        <p:cNvPr id="1" name=""/>
+        <p:cNvGrpSpPr/>
+        <p:nvPr/>
+      </p:nvGrpSpPr>
+      <p:grpSpPr>
+        <a:xfrm>
+          <a:off x="0" y="0"/>
+          <a:ext cx="0" cy="0"/>
+          <a:chOff x="0" y="0"/>
+          <a:chExt cx="0" cy="0"/>
+        </a:xfrm>
+      </p:grpSpPr>
+      <p:sp>
+        <p:nvSpPr>
+          <p:cNvPr id="2" name="제목 1">
+            <a:extLst>
+              <a:ext uri="{FF2B5EF4-FFF2-40B4-BE49-F238E27FC236}">
+                <a16:creationId xmlns:a16="http://schemas.microsoft.com/office/drawing/2014/main" id="{47D4526C-2EFC-447E-977E-FABBF1004F64}"/>
+              </a:ext>
+            </a:extLst>
+          </p:cNvPr>
+          <p:cNvSpPr>
+            <a:spLocks noGrp="1"/>
+          </p:cNvSpPr>
+          <p:nvPr>
+            <p:ph type="title"/>
+          </p:nvPr>
+        </p:nvSpPr>
+        <p:spPr>
+          <a:xfrm>
+            <a:off x="838200" y="365126"/>
+            <a:ext cx="10515600" cy="1314384"/>
+          </a:xfrm>
+          <a:solidFill>
+            <a:schemeClr val="accent4">
+              <a:lumMod val="20000"/>
+              <a:lumOff val="80000"/>
+            </a:schemeClr>
+          </a:solidFill>
+          <a:ln>
+            <a:solidFill>
+              <a:schemeClr val="tx1"/>
+            </a:solidFill>
+          </a:ln>
+        </p:spPr>
+        <p:txBody>
+          <a:bodyPr>
+            <a:normAutofit/>
+          </a:bodyPr>
+          <a:lstStyle/>
+          <a:p>
+            <a:r>
+              <a:rPr lang="en-US" altLang="ko-KR" dirty="0">
+                <a:latin typeface="새굴림" panose="02030600000101010101" pitchFamily="18" charset="-127"/>
+                <a:ea typeface="새굴림" panose="02030600000101010101" pitchFamily="18" charset="-127"/>
+              </a:rPr>
+              <a:t>1. </a:t>
+            </a:r>
+            <a:r>
+              <a:rPr lang="ko-KR" altLang="en-US" dirty="0">
+                <a:latin typeface="새굴림" panose="02030600000101010101" pitchFamily="18" charset="-127"/>
+                <a:ea typeface="새굴림" panose="02030600000101010101" pitchFamily="18" charset="-127"/>
+              </a:rPr>
+              <a:t>신호와 슬롯</a:t>
+            </a:r>
+            <a:r>
+              <a:rPr lang="en-US" altLang="ko-KR" dirty="0">
+                <a:latin typeface="새굴림" panose="02030600000101010101" pitchFamily="18" charset="-127"/>
+                <a:ea typeface="새굴림" panose="02030600000101010101" pitchFamily="18" charset="-127"/>
+              </a:rPr>
+              <a:t>(Signals &amp; Slots)</a:t>
+            </a:r>
+            <a:br>
+              <a:rPr lang="en-US" altLang="ko-KR" dirty="0">
+                <a:latin typeface="새굴림" panose="02030600000101010101" pitchFamily="18" charset="-127"/>
+                <a:ea typeface="새굴림" panose="02030600000101010101" pitchFamily="18" charset="-127"/>
+              </a:rPr>
+            </a:br>
+            <a:r>
+              <a:rPr lang="en-US" altLang="ko-KR" sz="3600" dirty="0">
                 <a:solidFill>
                   <a:srgbClr val="FF0000"/>
                 </a:solidFill>
                 <a:latin typeface="새굴림" panose="02030600000101010101" pitchFamily="18" charset="-127"/>
                 <a:ea typeface="새굴림" panose="02030600000101010101" pitchFamily="18" charset="-127"/>
               </a:rPr>
-              <a:t>(Storing data)</a:t>
-            </a:r>
-            <a:endParaRPr lang="ko-KR" altLang="en-US">
+              <a:t>1-4. </a:t>
+            </a:r>
+            <a:r>
+              <a:rPr lang="ko-KR" altLang="en-US" sz="3600" dirty="0">
+                <a:solidFill>
+                  <a:srgbClr val="FF0000"/>
+                </a:solidFill>
+                <a:latin typeface="새굴림" panose="02030600000101010101" pitchFamily="18" charset="-127"/>
+                <a:ea typeface="새굴림" panose="02030600000101010101" pitchFamily="18" charset="-127"/>
+              </a:rPr>
+              <a:t>인터페이스 변경</a:t>
+            </a:r>
+            <a:endParaRPr lang="ko-KR" altLang="en-US" dirty="0">
+              <a:solidFill>
+                <a:srgbClr val="FF0000"/>
+              </a:solidFill>
+              <a:latin typeface="새굴림" panose="02030600000101010101" pitchFamily="18" charset="-127"/>
+              <a:ea typeface="새굴림" panose="02030600000101010101" pitchFamily="18" charset="-127"/>
+            </a:endParaRPr>
+          </a:p>
+        </p:txBody>
+      </p:sp>
+      <p:pic>
+        <p:nvPicPr>
+          <p:cNvPr id="4" name="내용 개체 틀 3"/>
+          <p:cNvPicPr>
+            <a:picLocks noGrp="1" noChangeAspect="1"/>
+          </p:cNvPicPr>
+          <p:nvPr>
+            <p:ph idx="1"/>
+          </p:nvPr>
+        </p:nvPicPr>
+        <p:blipFill>
+          <a:blip r:embed="rId2"/>
+          <a:stretch>
+            <a:fillRect/>
+          </a:stretch>
+        </p:blipFill>
+        <p:spPr>
+          <a:xfrm>
+            <a:off x="838200" y="2014220"/>
+            <a:ext cx="5779770" cy="2249170"/>
+          </a:xfrm>
+          <a:prstGeom prst="rect">
+            <a:avLst/>
+          </a:prstGeom>
+          <a:ln w="38100" cap="sq">
+            <a:solidFill>
+              <a:srgbClr val="000000"/>
+            </a:solidFill>
+            <a:prstDash val="solid"/>
+            <a:miter lim="800000"/>
+          </a:ln>
+          <a:effectLst>
+            <a:outerShdw blurRad="50800" dist="38100" dir="2700000" algn="tl" rotWithShape="0">
+              <a:srgbClr val="000000">
+                <a:alpha val="43000"/>
+              </a:srgbClr>
+            </a:outerShdw>
+          </a:effectLst>
+        </p:spPr>
+      </p:pic>
+      <p:pic>
+        <p:nvPicPr>
+          <p:cNvPr id="5" name="그림 4"/>
+          <p:cNvPicPr>
+            <a:picLocks noChangeAspect="1"/>
+          </p:cNvPicPr>
+          <p:nvPr/>
+        </p:nvPicPr>
+        <p:blipFill>
+          <a:blip r:embed="rId3"/>
+          <a:stretch>
+            <a:fillRect/>
+          </a:stretch>
+        </p:blipFill>
+        <p:spPr>
+          <a:xfrm>
+            <a:off x="7269479" y="2014220"/>
+            <a:ext cx="3409951" cy="4129980"/>
+          </a:xfrm>
+          <a:prstGeom prst="rect">
+            <a:avLst/>
+          </a:prstGeom>
+          <a:ln w="38100" cap="sq">
+            <a:solidFill>
+              <a:srgbClr val="000000"/>
+            </a:solidFill>
+            <a:prstDash val="solid"/>
+            <a:miter lim="800000"/>
+          </a:ln>
+          <a:effectLst>
+            <a:outerShdw blurRad="50800" dist="38100" dir="2700000" algn="tl" rotWithShape="0">
+              <a:srgbClr val="000000">
+                <a:alpha val="43000"/>
+              </a:srgbClr>
+            </a:outerShdw>
+          </a:effectLst>
+        </p:spPr>
+      </p:pic>
+    </p:spTree>
+    <p:extLst>
+      <p:ext uri="{BB962C8B-B14F-4D97-AF65-F5344CB8AC3E}">
+        <p14:creationId xmlns:p14="http://schemas.microsoft.com/office/powerpoint/2010/main" val="294181760"/>
+      </p:ext>
+    </p:extLst>
+  </p:cSld>
+  <p:clrMapOvr>
+    <a:masterClrMapping/>
+  </p:clrMapOvr>
+</p:sld>
+</file>
+
+<file path=ppt/slides/slide21.xml><?xml version="1.0" encoding="utf-8"?>
+<p:sld xmlns:a="http://schemas.openxmlformats.org/drawingml/2006/main" xmlns:r="http://schemas.openxmlformats.org/officeDocument/2006/relationships" xmlns:p="http://schemas.openxmlformats.org/presentationml/2006/main">
+  <p:cSld>
+    <p:bg>
+      <p:bgPr>
+        <a:pattFill prst="lgGrid">
+          <a:fgClr>
+            <a:schemeClr val="bg1"/>
+          </a:fgClr>
+          <a:bgClr>
+            <a:schemeClr val="accent5">
+              <a:lumMod val="20000"/>
+              <a:lumOff val="80000"/>
+            </a:schemeClr>
+          </a:bgClr>
+        </a:pattFill>
+        <a:effectLst/>
+      </p:bgPr>
+    </p:bg>
+    <p:spTree>
+      <p:nvGrpSpPr>
+        <p:cNvPr id="1" name=""/>
+        <p:cNvGrpSpPr/>
+        <p:nvPr/>
+      </p:nvGrpSpPr>
+      <p:grpSpPr>
+        <a:xfrm>
+          <a:off x="0" y="0"/>
+          <a:ext cx="0" cy="0"/>
+          <a:chOff x="0" y="0"/>
+          <a:chExt cx="0" cy="0"/>
+        </a:xfrm>
+      </p:grpSpPr>
+      <p:sp>
+        <p:nvSpPr>
+          <p:cNvPr id="2" name="제목 1">
+            <a:extLst>
+              <a:ext uri="{FF2B5EF4-FFF2-40B4-BE49-F238E27FC236}">
+                <a16:creationId xmlns:a16="http://schemas.microsoft.com/office/drawing/2014/main" id="{47D4526C-2EFC-447E-977E-FABBF1004F64}"/>
+              </a:ext>
+            </a:extLst>
+          </p:cNvPr>
+          <p:cNvSpPr>
+            <a:spLocks noGrp="1"/>
+          </p:cNvSpPr>
+          <p:nvPr>
+            <p:ph type="title"/>
+          </p:nvPr>
+        </p:nvSpPr>
+        <p:spPr>
+          <a:xfrm>
+            <a:off x="838200" y="365126"/>
+            <a:ext cx="10515600" cy="1314384"/>
+          </a:xfrm>
+          <a:solidFill>
+            <a:schemeClr val="accent4">
+              <a:lumMod val="20000"/>
+              <a:lumOff val="80000"/>
+            </a:schemeClr>
+          </a:solidFill>
+          <a:ln>
+            <a:solidFill>
+              <a:schemeClr val="tx1"/>
+            </a:solidFill>
+          </a:ln>
+        </p:spPr>
+        <p:txBody>
+          <a:bodyPr>
+            <a:normAutofit/>
+          </a:bodyPr>
+          <a:lstStyle/>
+          <a:p>
+            <a:r>
+              <a:rPr lang="en-US" altLang="ko-KR" dirty="0">
+                <a:latin typeface="새굴림" panose="02030600000101010101" pitchFamily="18" charset="-127"/>
+                <a:ea typeface="새굴림" panose="02030600000101010101" pitchFamily="18" charset="-127"/>
+              </a:rPr>
+              <a:t>1. </a:t>
+            </a:r>
+            <a:r>
+              <a:rPr lang="ko-KR" altLang="en-US" dirty="0">
+                <a:latin typeface="새굴림" panose="02030600000101010101" pitchFamily="18" charset="-127"/>
+                <a:ea typeface="새굴림" panose="02030600000101010101" pitchFamily="18" charset="-127"/>
+              </a:rPr>
+              <a:t>신호와 슬롯</a:t>
+            </a:r>
+            <a:r>
+              <a:rPr lang="en-US" altLang="ko-KR" dirty="0">
+                <a:latin typeface="새굴림" panose="02030600000101010101" pitchFamily="18" charset="-127"/>
+                <a:ea typeface="새굴림" panose="02030600000101010101" pitchFamily="18" charset="-127"/>
+              </a:rPr>
+              <a:t>(Signals &amp; Slots)</a:t>
+            </a:r>
+            <a:br>
+              <a:rPr lang="en-US" altLang="ko-KR" dirty="0">
+                <a:latin typeface="새굴림" panose="02030600000101010101" pitchFamily="18" charset="-127"/>
+                <a:ea typeface="새굴림" panose="02030600000101010101" pitchFamily="18" charset="-127"/>
+              </a:rPr>
+            </a:br>
+            <a:r>
+              <a:rPr lang="en-US" altLang="ko-KR" sz="3600" dirty="0">
+                <a:solidFill>
+                  <a:srgbClr val="FF0000"/>
+                </a:solidFill>
+                <a:latin typeface="새굴림" panose="02030600000101010101" pitchFamily="18" charset="-127"/>
+                <a:ea typeface="새굴림" panose="02030600000101010101" pitchFamily="18" charset="-127"/>
+              </a:rPr>
+              <a:t>1-4. </a:t>
+            </a:r>
+            <a:r>
+              <a:rPr lang="ko-KR" altLang="en-US" sz="3600" dirty="0">
+                <a:solidFill>
+                  <a:srgbClr val="FF0000"/>
+                </a:solidFill>
+                <a:latin typeface="새굴림" panose="02030600000101010101" pitchFamily="18" charset="-127"/>
+                <a:ea typeface="새굴림" panose="02030600000101010101" pitchFamily="18" charset="-127"/>
+              </a:rPr>
+              <a:t>인터페이스 변경</a:t>
+            </a:r>
+            <a:endParaRPr lang="ko-KR" altLang="en-US" dirty="0">
+              <a:solidFill>
+                <a:srgbClr val="FF0000"/>
+              </a:solidFill>
+              <a:latin typeface="새굴림" panose="02030600000101010101" pitchFamily="18" charset="-127"/>
+              <a:ea typeface="새굴림" panose="02030600000101010101" pitchFamily="18" charset="-127"/>
+            </a:endParaRPr>
+          </a:p>
+        </p:txBody>
+      </p:sp>
+      <p:pic>
+        <p:nvPicPr>
+          <p:cNvPr id="4" name="내용 개체 틀 3"/>
+          <p:cNvPicPr>
+            <a:picLocks noGrp="1" noChangeAspect="1"/>
+          </p:cNvPicPr>
+          <p:nvPr>
+            <p:ph idx="1"/>
+          </p:nvPr>
+        </p:nvPicPr>
+        <p:blipFill>
+          <a:blip r:embed="rId2"/>
+          <a:stretch>
+            <a:fillRect/>
+          </a:stretch>
+        </p:blipFill>
+        <p:spPr>
+          <a:xfrm>
+            <a:off x="838200" y="1950403"/>
+            <a:ext cx="5259026" cy="3547427"/>
+          </a:xfrm>
+          <a:prstGeom prst="rect">
+            <a:avLst/>
+          </a:prstGeom>
+          <a:ln w="38100" cap="sq">
+            <a:solidFill>
+              <a:srgbClr val="000000"/>
+            </a:solidFill>
+            <a:prstDash val="solid"/>
+            <a:miter lim="800000"/>
+          </a:ln>
+          <a:effectLst>
+            <a:outerShdw blurRad="50800" dist="38100" dir="2700000" algn="tl" rotWithShape="0">
+              <a:srgbClr val="000000">
+                <a:alpha val="43000"/>
+              </a:srgbClr>
+            </a:outerShdw>
+          </a:effectLst>
+        </p:spPr>
+      </p:pic>
+      <p:pic>
+        <p:nvPicPr>
+          <p:cNvPr id="5" name="그림 4"/>
+          <p:cNvPicPr>
+            <a:picLocks noChangeAspect="1"/>
+          </p:cNvPicPr>
+          <p:nvPr/>
+        </p:nvPicPr>
+        <p:blipFill>
+          <a:blip r:embed="rId3"/>
+          <a:stretch>
+            <a:fillRect/>
+          </a:stretch>
+        </p:blipFill>
+        <p:spPr>
+          <a:xfrm>
+            <a:off x="6412230" y="1950403"/>
+            <a:ext cx="1905000" cy="1276350"/>
+          </a:xfrm>
+          <a:prstGeom prst="rect">
+            <a:avLst/>
+          </a:prstGeom>
+          <a:ln w="38100" cap="sq">
+            <a:solidFill>
+              <a:srgbClr val="000000"/>
+            </a:solidFill>
+            <a:prstDash val="solid"/>
+            <a:miter lim="800000"/>
+          </a:ln>
+          <a:effectLst>
+            <a:outerShdw blurRad="50800" dist="38100" dir="2700000" algn="tl" rotWithShape="0">
+              <a:srgbClr val="000000">
+                <a:alpha val="43000"/>
+              </a:srgbClr>
+            </a:outerShdw>
+          </a:effectLst>
+        </p:spPr>
+      </p:pic>
+    </p:spTree>
+    <p:extLst>
+      <p:ext uri="{BB962C8B-B14F-4D97-AF65-F5344CB8AC3E}">
+        <p14:creationId xmlns:p14="http://schemas.microsoft.com/office/powerpoint/2010/main" val="561260937"/>
+      </p:ext>
+    </p:extLst>
+  </p:cSld>
+  <p:clrMapOvr>
+    <a:masterClrMapping/>
+  </p:clrMapOvr>
+</p:sld>
+</file>
+
+<file path=ppt/slides/slide22.xml><?xml version="1.0" encoding="utf-8"?>
+<p:sld xmlns:a="http://schemas.openxmlformats.org/drawingml/2006/main" xmlns:r="http://schemas.openxmlformats.org/officeDocument/2006/relationships" xmlns:p="http://schemas.openxmlformats.org/presentationml/2006/main">
+  <p:cSld>
+    <p:bg>
+      <p:bgPr>
+        <a:pattFill prst="lgGrid">
+          <a:fgClr>
+            <a:schemeClr val="bg1"/>
+          </a:fgClr>
+          <a:bgClr>
+            <a:schemeClr val="accent5">
+              <a:lumMod val="20000"/>
+              <a:lumOff val="80000"/>
+            </a:schemeClr>
+          </a:bgClr>
+        </a:pattFill>
+        <a:effectLst/>
+      </p:bgPr>
+    </p:bg>
+    <p:spTree>
+      <p:nvGrpSpPr>
+        <p:cNvPr id="1" name=""/>
+        <p:cNvGrpSpPr/>
+        <p:nvPr/>
+      </p:nvGrpSpPr>
+      <p:grpSpPr>
+        <a:xfrm>
+          <a:off x="0" y="0"/>
+          <a:ext cx="0" cy="0"/>
+          <a:chOff x="0" y="0"/>
+          <a:chExt cx="0" cy="0"/>
+        </a:xfrm>
+      </p:grpSpPr>
+      <p:sp>
+        <p:nvSpPr>
+          <p:cNvPr id="2" name="제목 1">
+            <a:extLst>
+              <a:ext uri="{FF2B5EF4-FFF2-40B4-BE49-F238E27FC236}">
+                <a16:creationId xmlns:a16="http://schemas.microsoft.com/office/drawing/2014/main" id="{47D4526C-2EFC-447E-977E-FABBF1004F64}"/>
+              </a:ext>
+            </a:extLst>
+          </p:cNvPr>
+          <p:cNvSpPr>
+            <a:spLocks noGrp="1"/>
+          </p:cNvSpPr>
+          <p:nvPr>
+            <p:ph type="title"/>
+          </p:nvPr>
+        </p:nvSpPr>
+        <p:spPr>
+          <a:xfrm>
+            <a:off x="838200" y="365126"/>
+            <a:ext cx="10515600" cy="1314384"/>
+          </a:xfrm>
+          <a:solidFill>
+            <a:schemeClr val="accent4">
+              <a:lumMod val="20000"/>
+              <a:lumOff val="80000"/>
+            </a:schemeClr>
+          </a:solidFill>
+          <a:ln>
+            <a:solidFill>
+              <a:schemeClr val="tx1"/>
+            </a:solidFill>
+          </a:ln>
+        </p:spPr>
+        <p:txBody>
+          <a:bodyPr>
+            <a:normAutofit/>
+          </a:bodyPr>
+          <a:lstStyle/>
+          <a:p>
+            <a:r>
+              <a:rPr lang="en-US" altLang="ko-KR" dirty="0">
+                <a:latin typeface="새굴림" panose="02030600000101010101" pitchFamily="18" charset="-127"/>
+                <a:ea typeface="새굴림" panose="02030600000101010101" pitchFamily="18" charset="-127"/>
+              </a:rPr>
+              <a:t>1. </a:t>
+            </a:r>
+            <a:r>
+              <a:rPr lang="ko-KR" altLang="en-US" dirty="0">
+                <a:latin typeface="새굴림" panose="02030600000101010101" pitchFamily="18" charset="-127"/>
+                <a:ea typeface="새굴림" panose="02030600000101010101" pitchFamily="18" charset="-127"/>
+              </a:rPr>
+              <a:t>신호와 슬롯</a:t>
+            </a:r>
+            <a:r>
+              <a:rPr lang="en-US" altLang="ko-KR" dirty="0">
+                <a:latin typeface="새굴림" panose="02030600000101010101" pitchFamily="18" charset="-127"/>
+                <a:ea typeface="새굴림" panose="02030600000101010101" pitchFamily="18" charset="-127"/>
+              </a:rPr>
+              <a:t>(Signals &amp; Slots)</a:t>
+            </a:r>
+            <a:br>
+              <a:rPr lang="en-US" altLang="ko-KR" dirty="0">
+                <a:latin typeface="새굴림" panose="02030600000101010101" pitchFamily="18" charset="-127"/>
+                <a:ea typeface="새굴림" panose="02030600000101010101" pitchFamily="18" charset="-127"/>
+              </a:rPr>
+            </a:br>
+            <a:r>
+              <a:rPr lang="en-US" altLang="ko-KR" sz="3600" dirty="0">
+                <a:solidFill>
+                  <a:srgbClr val="FF0000"/>
+                </a:solidFill>
+                <a:latin typeface="새굴림" panose="02030600000101010101" pitchFamily="18" charset="-127"/>
+                <a:ea typeface="새굴림" panose="02030600000101010101" pitchFamily="18" charset="-127"/>
+              </a:rPr>
+              <a:t>1-4. </a:t>
+            </a:r>
+            <a:r>
+              <a:rPr lang="ko-KR" altLang="en-US" sz="3600" dirty="0">
+                <a:solidFill>
+                  <a:srgbClr val="FF0000"/>
+                </a:solidFill>
+                <a:latin typeface="새굴림" panose="02030600000101010101" pitchFamily="18" charset="-127"/>
+                <a:ea typeface="새굴림" panose="02030600000101010101" pitchFamily="18" charset="-127"/>
+              </a:rPr>
+              <a:t>인터페이스 변경</a:t>
+            </a:r>
+            <a:endParaRPr lang="ko-KR" altLang="en-US" dirty="0">
               <a:solidFill>
                 <a:srgbClr val="FF0000"/>
               </a:solidFill>
@@ -6703,7 +8091,7 @@
     </p:spTree>
     <p:extLst>
       <p:ext uri="{BB962C8B-B14F-4D97-AF65-F5344CB8AC3E}">
-        <p14:creationId xmlns:p14="http://schemas.microsoft.com/office/powerpoint/2010/main" val="4140013733"/>
+        <p14:creationId xmlns:p14="http://schemas.microsoft.com/office/powerpoint/2010/main" val="2974515890"/>
       </p:ext>
     </p:extLst>
   </p:cSld>
@@ -6713,7 +8101,377 @@
 </p:sld>
 </file>
 
-<file path=ppt/slides/slide19.xml><?xml version="1.0" encoding="utf-8"?>
+<file path=ppt/slides/slide23.xml><?xml version="1.0" encoding="utf-8"?>
+<p:sld xmlns:a="http://schemas.openxmlformats.org/drawingml/2006/main" xmlns:r="http://schemas.openxmlformats.org/officeDocument/2006/relationships" xmlns:p="http://schemas.openxmlformats.org/presentationml/2006/main">
+  <p:cSld>
+    <p:bg>
+      <p:bgPr>
+        <a:pattFill prst="lgGrid">
+          <a:fgClr>
+            <a:schemeClr val="bg1"/>
+          </a:fgClr>
+          <a:bgClr>
+            <a:schemeClr val="accent5">
+              <a:lumMod val="20000"/>
+              <a:lumOff val="80000"/>
+            </a:schemeClr>
+          </a:bgClr>
+        </a:pattFill>
+        <a:effectLst/>
+      </p:bgPr>
+    </p:bg>
+    <p:spTree>
+      <p:nvGrpSpPr>
+        <p:cNvPr id="1" name=""/>
+        <p:cNvGrpSpPr/>
+        <p:nvPr/>
+      </p:nvGrpSpPr>
+      <p:grpSpPr>
+        <a:xfrm>
+          <a:off x="0" y="0"/>
+          <a:ext cx="0" cy="0"/>
+          <a:chOff x="0" y="0"/>
+          <a:chExt cx="0" cy="0"/>
+        </a:xfrm>
+      </p:grpSpPr>
+      <p:sp>
+        <p:nvSpPr>
+          <p:cNvPr id="2" name="제목 1">
+            <a:extLst>
+              <a:ext uri="{FF2B5EF4-FFF2-40B4-BE49-F238E27FC236}">
+                <a16:creationId xmlns:a16="http://schemas.microsoft.com/office/drawing/2014/main" id="{47D4526C-2EFC-447E-977E-FABBF1004F64}"/>
+              </a:ext>
+            </a:extLst>
+          </p:cNvPr>
+          <p:cNvSpPr>
+            <a:spLocks noGrp="1"/>
+          </p:cNvSpPr>
+          <p:nvPr>
+            <p:ph type="title"/>
+          </p:nvPr>
+        </p:nvSpPr>
+        <p:spPr>
+          <a:xfrm>
+            <a:off x="838200" y="365126"/>
+            <a:ext cx="10515600" cy="1314384"/>
+          </a:xfrm>
+          <a:solidFill>
+            <a:schemeClr val="accent4">
+              <a:lumMod val="20000"/>
+              <a:lumOff val="80000"/>
+            </a:schemeClr>
+          </a:solidFill>
+          <a:ln>
+            <a:solidFill>
+              <a:schemeClr val="tx1"/>
+            </a:solidFill>
+          </a:ln>
+        </p:spPr>
+        <p:txBody>
+          <a:bodyPr>
+            <a:normAutofit/>
+          </a:bodyPr>
+          <a:lstStyle/>
+          <a:p>
+            <a:r>
+              <a:rPr lang="en-US" altLang="ko-KR" dirty="0">
+                <a:latin typeface="새굴림" panose="02030600000101010101" pitchFamily="18" charset="-127"/>
+                <a:ea typeface="새굴림" panose="02030600000101010101" pitchFamily="18" charset="-127"/>
+              </a:rPr>
+              <a:t>1. </a:t>
+            </a:r>
+            <a:r>
+              <a:rPr lang="ko-KR" altLang="en-US" dirty="0">
+                <a:latin typeface="새굴림" panose="02030600000101010101" pitchFamily="18" charset="-127"/>
+                <a:ea typeface="새굴림" panose="02030600000101010101" pitchFamily="18" charset="-127"/>
+              </a:rPr>
+              <a:t>신호와 슬롯</a:t>
+            </a:r>
+            <a:r>
+              <a:rPr lang="en-US" altLang="ko-KR" dirty="0">
+                <a:latin typeface="새굴림" panose="02030600000101010101" pitchFamily="18" charset="-127"/>
+                <a:ea typeface="새굴림" panose="02030600000101010101" pitchFamily="18" charset="-127"/>
+              </a:rPr>
+              <a:t>(Signals &amp; Slots)</a:t>
+            </a:r>
+            <a:br>
+              <a:rPr lang="en-US" altLang="ko-KR" dirty="0">
+                <a:latin typeface="새굴림" panose="02030600000101010101" pitchFamily="18" charset="-127"/>
+                <a:ea typeface="새굴림" panose="02030600000101010101" pitchFamily="18" charset="-127"/>
+              </a:rPr>
+            </a:br>
+            <a:r>
+              <a:rPr lang="en-US" altLang="ko-KR" sz="3600" dirty="0">
+                <a:solidFill>
+                  <a:srgbClr val="FF0000"/>
+                </a:solidFill>
+                <a:latin typeface="새굴림" panose="02030600000101010101" pitchFamily="18" charset="-127"/>
+                <a:ea typeface="새굴림" panose="02030600000101010101" pitchFamily="18" charset="-127"/>
+              </a:rPr>
+              <a:t>1-4. </a:t>
+            </a:r>
+            <a:r>
+              <a:rPr lang="ko-KR" altLang="en-US" sz="3600" dirty="0">
+                <a:solidFill>
+                  <a:srgbClr val="FF0000"/>
+                </a:solidFill>
+                <a:latin typeface="새굴림" panose="02030600000101010101" pitchFamily="18" charset="-127"/>
+                <a:ea typeface="새굴림" panose="02030600000101010101" pitchFamily="18" charset="-127"/>
+              </a:rPr>
+              <a:t>인터페이스 변경</a:t>
+            </a:r>
+            <a:endParaRPr lang="ko-KR" altLang="en-US" dirty="0">
+              <a:solidFill>
+                <a:srgbClr val="FF0000"/>
+              </a:solidFill>
+              <a:latin typeface="새굴림" panose="02030600000101010101" pitchFamily="18" charset="-127"/>
+              <a:ea typeface="새굴림" panose="02030600000101010101" pitchFamily="18" charset="-127"/>
+            </a:endParaRPr>
+          </a:p>
+        </p:txBody>
+      </p:sp>
+      <p:sp>
+        <p:nvSpPr>
+          <p:cNvPr id="3" name="내용 개체 틀 2">
+            <a:extLst>
+              <a:ext uri="{FF2B5EF4-FFF2-40B4-BE49-F238E27FC236}">
+                <a16:creationId xmlns:a16="http://schemas.microsoft.com/office/drawing/2014/main" id="{DAA6DC13-E3BF-43F6-A01C-62FC187D8499}"/>
+              </a:ext>
+            </a:extLst>
+          </p:cNvPr>
+          <p:cNvSpPr>
+            <a:spLocks noGrp="1"/>
+          </p:cNvSpPr>
+          <p:nvPr>
+            <p:ph idx="1"/>
+          </p:nvPr>
+        </p:nvSpPr>
+        <p:spPr>
+          <a:xfrm>
+            <a:off x="838200" y="1931437"/>
+            <a:ext cx="10515600" cy="4245526"/>
+          </a:xfrm>
+          <a:solidFill>
+            <a:schemeClr val="bg1"/>
+          </a:solidFill>
+          <a:ln>
+            <a:solidFill>
+              <a:schemeClr val="tx1"/>
+            </a:solidFill>
+          </a:ln>
+        </p:spPr>
+        <p:txBody>
+          <a:bodyPr>
+            <a:normAutofit/>
+          </a:bodyPr>
+          <a:lstStyle/>
+          <a:p>
+            <a:endParaRPr lang="en-US" altLang="ko-KR">
+              <a:latin typeface="새굴림" panose="02030600000101010101" pitchFamily="18" charset="-127"/>
+              <a:ea typeface="새굴림" panose="02030600000101010101" pitchFamily="18" charset="-127"/>
+            </a:endParaRPr>
+          </a:p>
+        </p:txBody>
+      </p:sp>
+    </p:spTree>
+    <p:extLst>
+      <p:ext uri="{BB962C8B-B14F-4D97-AF65-F5344CB8AC3E}">
+        <p14:creationId xmlns:p14="http://schemas.microsoft.com/office/powerpoint/2010/main" val="1217873918"/>
+      </p:ext>
+    </p:extLst>
+  </p:cSld>
+  <p:clrMapOvr>
+    <a:masterClrMapping/>
+  </p:clrMapOvr>
+</p:sld>
+</file>
+
+<file path=ppt/slides/slide24.xml><?xml version="1.0" encoding="utf-8"?>
+<p:sld xmlns:a="http://schemas.openxmlformats.org/drawingml/2006/main" xmlns:r="http://schemas.openxmlformats.org/officeDocument/2006/relationships" xmlns:p="http://schemas.openxmlformats.org/presentationml/2006/main">
+  <p:cSld>
+    <p:bg>
+      <p:bgPr>
+        <a:pattFill prst="lgGrid">
+          <a:fgClr>
+            <a:schemeClr val="bg1"/>
+          </a:fgClr>
+          <a:bgClr>
+            <a:schemeClr val="accent5">
+              <a:lumMod val="20000"/>
+              <a:lumOff val="80000"/>
+            </a:schemeClr>
+          </a:bgClr>
+        </a:pattFill>
+        <a:effectLst/>
+      </p:bgPr>
+    </p:bg>
+    <p:spTree>
+      <p:nvGrpSpPr>
+        <p:cNvPr id="1" name=""/>
+        <p:cNvGrpSpPr/>
+        <p:nvPr/>
+      </p:nvGrpSpPr>
+      <p:grpSpPr>
+        <a:xfrm>
+          <a:off x="0" y="0"/>
+          <a:ext cx="0" cy="0"/>
+          <a:chOff x="0" y="0"/>
+          <a:chExt cx="0" cy="0"/>
+        </a:xfrm>
+      </p:grpSpPr>
+      <p:sp>
+        <p:nvSpPr>
+          <p:cNvPr id="2" name="제목 1">
+            <a:extLst>
+              <a:ext uri="{FF2B5EF4-FFF2-40B4-BE49-F238E27FC236}">
+                <a16:creationId xmlns:a16="http://schemas.microsoft.com/office/drawing/2014/main" id="{47D4526C-2EFC-447E-977E-FABBF1004F64}"/>
+              </a:ext>
+            </a:extLst>
+          </p:cNvPr>
+          <p:cNvSpPr>
+            <a:spLocks noGrp="1"/>
+          </p:cNvSpPr>
+          <p:nvPr>
+            <p:ph type="title"/>
+          </p:nvPr>
+        </p:nvSpPr>
+        <p:spPr>
+          <a:xfrm>
+            <a:off x="838200" y="365126"/>
+            <a:ext cx="10515600" cy="1314384"/>
+          </a:xfrm>
+          <a:solidFill>
+            <a:schemeClr val="accent4">
+              <a:lumMod val="20000"/>
+              <a:lumOff val="80000"/>
+            </a:schemeClr>
+          </a:solidFill>
+          <a:ln>
+            <a:solidFill>
+              <a:schemeClr val="tx1"/>
+            </a:solidFill>
+          </a:ln>
+        </p:spPr>
+        <p:txBody>
+          <a:bodyPr>
+            <a:normAutofit/>
+          </a:bodyPr>
+          <a:lstStyle/>
+          <a:p>
+            <a:r>
+              <a:rPr lang="en-US" altLang="ko-KR" dirty="0">
+                <a:latin typeface="새굴림" panose="02030600000101010101" pitchFamily="18" charset="-127"/>
+                <a:ea typeface="새굴림" panose="02030600000101010101" pitchFamily="18" charset="-127"/>
+              </a:rPr>
+              <a:t>1. </a:t>
+            </a:r>
+            <a:r>
+              <a:rPr lang="ko-KR" altLang="en-US" dirty="0">
+                <a:latin typeface="새굴림" panose="02030600000101010101" pitchFamily="18" charset="-127"/>
+                <a:ea typeface="새굴림" panose="02030600000101010101" pitchFamily="18" charset="-127"/>
+              </a:rPr>
+              <a:t>신호와 슬롯</a:t>
+            </a:r>
+            <a:r>
+              <a:rPr lang="en-US" altLang="ko-KR" dirty="0">
+                <a:latin typeface="새굴림" panose="02030600000101010101" pitchFamily="18" charset="-127"/>
+                <a:ea typeface="새굴림" panose="02030600000101010101" pitchFamily="18" charset="-127"/>
+              </a:rPr>
+              <a:t>(Signals &amp; Slots)</a:t>
+            </a:r>
+            <a:br>
+              <a:rPr lang="en-US" altLang="ko-KR" dirty="0">
+                <a:latin typeface="새굴림" panose="02030600000101010101" pitchFamily="18" charset="-127"/>
+                <a:ea typeface="새굴림" panose="02030600000101010101" pitchFamily="18" charset="-127"/>
+              </a:rPr>
+            </a:br>
+            <a:r>
+              <a:rPr lang="en-US" altLang="ko-KR" sz="3600" dirty="0">
+                <a:solidFill>
+                  <a:srgbClr val="FF0000"/>
+                </a:solidFill>
+                <a:latin typeface="새굴림" panose="02030600000101010101" pitchFamily="18" charset="-127"/>
+                <a:ea typeface="새굴림" panose="02030600000101010101" pitchFamily="18" charset="-127"/>
+              </a:rPr>
+              <a:t>1-4. </a:t>
+            </a:r>
+            <a:r>
+              <a:rPr lang="ko-KR" altLang="en-US" sz="3600" dirty="0">
+                <a:solidFill>
+                  <a:srgbClr val="FF0000"/>
+                </a:solidFill>
+                <a:latin typeface="새굴림" panose="02030600000101010101" pitchFamily="18" charset="-127"/>
+                <a:ea typeface="새굴림" panose="02030600000101010101" pitchFamily="18" charset="-127"/>
+              </a:rPr>
+              <a:t>인터페이스 변경</a:t>
+            </a:r>
+            <a:endParaRPr lang="ko-KR" altLang="en-US" dirty="0">
+              <a:solidFill>
+                <a:srgbClr val="FF0000"/>
+              </a:solidFill>
+              <a:latin typeface="새굴림" panose="02030600000101010101" pitchFamily="18" charset="-127"/>
+              <a:ea typeface="새굴림" panose="02030600000101010101" pitchFamily="18" charset="-127"/>
+            </a:endParaRPr>
+          </a:p>
+        </p:txBody>
+      </p:sp>
+      <p:sp>
+        <p:nvSpPr>
+          <p:cNvPr id="3" name="내용 개체 틀 2">
+            <a:extLst>
+              <a:ext uri="{FF2B5EF4-FFF2-40B4-BE49-F238E27FC236}">
+                <a16:creationId xmlns:a16="http://schemas.microsoft.com/office/drawing/2014/main" id="{DAA6DC13-E3BF-43F6-A01C-62FC187D8499}"/>
+              </a:ext>
+            </a:extLst>
+          </p:cNvPr>
+          <p:cNvSpPr>
+            <a:spLocks noGrp="1"/>
+          </p:cNvSpPr>
+          <p:nvPr>
+            <p:ph idx="1"/>
+          </p:nvPr>
+        </p:nvSpPr>
+        <p:spPr>
+          <a:xfrm>
+            <a:off x="838200" y="1931437"/>
+            <a:ext cx="10515600" cy="4245526"/>
+          </a:xfrm>
+          <a:solidFill>
+            <a:schemeClr val="bg1"/>
+          </a:solidFill>
+          <a:ln>
+            <a:solidFill>
+              <a:schemeClr val="tx1"/>
+            </a:solidFill>
+          </a:ln>
+        </p:spPr>
+        <p:txBody>
+          <a:bodyPr>
+            <a:normAutofit/>
+          </a:bodyPr>
+          <a:lstStyle/>
+          <a:p>
+            <a:endParaRPr lang="en-US" altLang="ko-KR">
+              <a:latin typeface="새굴림" panose="02030600000101010101" pitchFamily="18" charset="-127"/>
+              <a:ea typeface="새굴림" panose="02030600000101010101" pitchFamily="18" charset="-127"/>
+            </a:endParaRPr>
+          </a:p>
+        </p:txBody>
+      </p:sp>
+    </p:spTree>
+    <p:extLst>
+      <p:ext uri="{BB962C8B-B14F-4D97-AF65-F5344CB8AC3E}">
+        <p14:creationId xmlns:p14="http://schemas.microsoft.com/office/powerpoint/2010/main" val="2976255954"/>
+      </p:ext>
+    </p:extLst>
+  </p:cSld>
+  <p:clrMapOvr>
+    <a:masterClrMapping/>
+  </p:clrMapOvr>
+</p:sld>
+</file>
+
+<file path=ppt/slides/slide25.xml><?xml version="1.0" encoding="utf-8"?>
 <p:sld xmlns:a="http://schemas.openxmlformats.org/drawingml/2006/main" xmlns:r="http://schemas.openxmlformats.org/officeDocument/2006/relationships" xmlns:p="http://schemas.openxmlformats.org/presentationml/2006/main">
   <p:cSld>
     <p:bg>
@@ -7354,242 +9112,6 @@
 </p:sld>
 </file>
 
-<file path=ppt/slides/slide2.xml><?xml version="1.0" encoding="utf-8"?>
-<p:sld xmlns:a="http://schemas.openxmlformats.org/drawingml/2006/main" xmlns:r="http://schemas.openxmlformats.org/officeDocument/2006/relationships" xmlns:p="http://schemas.openxmlformats.org/presentationml/2006/main">
-  <p:cSld>
-    <p:bg>
-      <p:bgPr>
-        <a:pattFill prst="lgGrid">
-          <a:fgClr>
-            <a:schemeClr val="bg1"/>
-          </a:fgClr>
-          <a:bgClr>
-            <a:schemeClr val="accent5">
-              <a:lumMod val="20000"/>
-              <a:lumOff val="80000"/>
-            </a:schemeClr>
-          </a:bgClr>
-        </a:pattFill>
-        <a:effectLst/>
-      </p:bgPr>
-    </p:bg>
-    <p:spTree>
-      <p:nvGrpSpPr>
-        <p:cNvPr id="1" name=""/>
-        <p:cNvGrpSpPr/>
-        <p:nvPr/>
-      </p:nvGrpSpPr>
-      <p:grpSpPr>
-        <a:xfrm>
-          <a:off x="0" y="0"/>
-          <a:ext cx="0" cy="0"/>
-          <a:chOff x="0" y="0"/>
-          <a:chExt cx="0" cy="0"/>
-        </a:xfrm>
-      </p:grpSpPr>
-      <p:sp>
-        <p:nvSpPr>
-          <p:cNvPr id="2" name="제목 1">
-            <a:extLst>
-              <a:ext uri="{FF2B5EF4-FFF2-40B4-BE49-F238E27FC236}">
-                <a16:creationId xmlns:a16="http://schemas.microsoft.com/office/drawing/2014/main" id="{47D4526C-2EFC-447E-977E-FABBF1004F64}"/>
-              </a:ext>
-            </a:extLst>
-          </p:cNvPr>
-          <p:cNvSpPr>
-            <a:spLocks noGrp="1"/>
-          </p:cNvSpPr>
-          <p:nvPr>
-            <p:ph type="title"/>
-          </p:nvPr>
-        </p:nvSpPr>
-        <p:spPr>
-          <a:solidFill>
-            <a:schemeClr val="accent4">
-              <a:lumMod val="20000"/>
-              <a:lumOff val="80000"/>
-            </a:schemeClr>
-          </a:solidFill>
-          <a:ln>
-            <a:solidFill>
-              <a:schemeClr val="tx1"/>
-            </a:solidFill>
-          </a:ln>
-        </p:spPr>
-        <p:txBody>
-          <a:bodyPr/>
-          <a:lstStyle/>
-          <a:p>
-            <a:r>
-              <a:rPr lang="ko-KR" altLang="en-US">
-                <a:latin typeface="새굴림" panose="02030600000101010101" pitchFamily="18" charset="-127"/>
-                <a:ea typeface="새굴림" panose="02030600000101010101" pitchFamily="18" charset="-127"/>
-              </a:rPr>
-              <a:t>전시 학습</a:t>
-            </a:r>
-          </a:p>
-        </p:txBody>
-      </p:sp>
-      <p:sp>
-        <p:nvSpPr>
-          <p:cNvPr id="3" name="내용 개체 틀 2">
-            <a:extLst>
-              <a:ext uri="{FF2B5EF4-FFF2-40B4-BE49-F238E27FC236}">
-                <a16:creationId xmlns:a16="http://schemas.microsoft.com/office/drawing/2014/main" id="{DAA6DC13-E3BF-43F6-A01C-62FC187D8499}"/>
-              </a:ext>
-            </a:extLst>
-          </p:cNvPr>
-          <p:cNvSpPr>
-            <a:spLocks noGrp="1"/>
-          </p:cNvSpPr>
-          <p:nvPr>
-            <p:ph idx="1"/>
-          </p:nvPr>
-        </p:nvSpPr>
-        <p:spPr>
-          <a:solidFill>
-            <a:schemeClr val="bg1"/>
-          </a:solidFill>
-          <a:ln>
-            <a:solidFill>
-              <a:schemeClr val="tx1"/>
-            </a:solidFill>
-          </a:ln>
-        </p:spPr>
-        <p:txBody>
-          <a:bodyPr>
-            <a:normAutofit lnSpcReduction="10000"/>
-          </a:bodyPr>
-          <a:lstStyle/>
-          <a:p>
-            <a:r>
-              <a:rPr lang="ko-KR" altLang="en-US">
-                <a:latin typeface="새굴림" panose="02030600000101010101" pitchFamily="18" charset="-127"/>
-                <a:ea typeface="새굴림" panose="02030600000101010101" pitchFamily="18" charset="-127"/>
-              </a:rPr>
-              <a:t>지금까지 윈도우 창을 만들고 그 안에 간단한 푸시 버튼 위젯을 추가</a:t>
-            </a:r>
-            <a:r>
-              <a:rPr lang="en-US" altLang="ko-KR">
-                <a:latin typeface="새굴림" panose="02030600000101010101" pitchFamily="18" charset="-127"/>
-                <a:ea typeface="새굴림" panose="02030600000101010101" pitchFamily="18" charset="-127"/>
-              </a:rPr>
-              <a:t>, </a:t>
-            </a:r>
-            <a:r>
-              <a:rPr lang="ko-KR" altLang="en-US">
-                <a:latin typeface="새굴림" panose="02030600000101010101" pitchFamily="18" charset="-127"/>
-                <a:ea typeface="새굴림" panose="02030600000101010101" pitchFamily="18" charset="-127"/>
-              </a:rPr>
-              <a:t>하지만 버튼은 아무런 동작을 하지 않음</a:t>
-            </a:r>
-            <a:r>
-              <a:rPr lang="en-US" altLang="ko-KR">
-                <a:latin typeface="새굴림" panose="02030600000101010101" pitchFamily="18" charset="-127"/>
-                <a:ea typeface="새굴림" panose="02030600000101010101" pitchFamily="18" charset="-127"/>
-              </a:rPr>
-              <a:t>.</a:t>
-            </a:r>
-          </a:p>
-          <a:p>
-            <a:endParaRPr lang="en-US" altLang="ko-KR">
-              <a:latin typeface="새굴림" panose="02030600000101010101" pitchFamily="18" charset="-127"/>
-              <a:ea typeface="새굴림" panose="02030600000101010101" pitchFamily="18" charset="-127"/>
-            </a:endParaRPr>
-          </a:p>
-          <a:p>
-            <a:r>
-              <a:rPr lang="en-US" altLang="ko-KR">
-                <a:latin typeface="새굴림" panose="02030600000101010101" pitchFamily="18" charset="-127"/>
-                <a:ea typeface="새굴림" panose="02030600000101010101" pitchFamily="18" charset="-127"/>
-              </a:rPr>
-              <a:t>GUI </a:t>
-            </a:r>
-            <a:r>
-              <a:rPr lang="ko-KR" altLang="en-US">
-                <a:latin typeface="새굴림" panose="02030600000101010101" pitchFamily="18" charset="-127"/>
-                <a:ea typeface="새굴림" panose="02030600000101010101" pitchFamily="18" charset="-127"/>
-              </a:rPr>
-              <a:t>애플리케이션을 만들 때는 일반적으로 버튼을 눌렀을 때 무언가가 발생하도록 하고 싶음</a:t>
-            </a:r>
-            <a:r>
-              <a:rPr lang="en-US" altLang="ko-KR">
-                <a:latin typeface="새굴림" panose="02030600000101010101" pitchFamily="18" charset="-127"/>
-                <a:ea typeface="새굴림" panose="02030600000101010101" pitchFamily="18" charset="-127"/>
-              </a:rPr>
-              <a:t>.</a:t>
-            </a:r>
-          </a:p>
-          <a:p>
-            <a:endParaRPr lang="en-US" altLang="ko-KR">
-              <a:latin typeface="새굴림" panose="02030600000101010101" pitchFamily="18" charset="-127"/>
-              <a:ea typeface="새굴림" panose="02030600000101010101" pitchFamily="18" charset="-127"/>
-            </a:endParaRPr>
-          </a:p>
-          <a:p>
-            <a:r>
-              <a:rPr lang="ko-KR" altLang="en-US">
-                <a:latin typeface="새굴림" panose="02030600000101010101" pitchFamily="18" charset="-127"/>
-                <a:ea typeface="새굴림" panose="02030600000101010101" pitchFamily="18" charset="-127"/>
-              </a:rPr>
-              <a:t>버튼을 누르는 동작을 연결하여 무언가가 일어나도록 하는 방법을 학습</a:t>
-            </a:r>
-            <a:r>
-              <a:rPr lang="en-US" altLang="ko-KR">
-                <a:latin typeface="새굴림" panose="02030600000101010101" pitchFamily="18" charset="-127"/>
-                <a:ea typeface="새굴림" panose="02030600000101010101" pitchFamily="18" charset="-127"/>
-              </a:rPr>
-              <a:t>.</a:t>
-            </a:r>
-          </a:p>
-          <a:p>
-            <a:endParaRPr lang="en-US" altLang="ko-KR">
-              <a:latin typeface="새굴림" panose="02030600000101010101" pitchFamily="18" charset="-127"/>
-              <a:ea typeface="새굴림" panose="02030600000101010101" pitchFamily="18" charset="-127"/>
-            </a:endParaRPr>
-          </a:p>
-          <a:p>
-            <a:r>
-              <a:rPr lang="en-US" altLang="ko-KR">
-                <a:latin typeface="새굴림" panose="02030600000101010101" pitchFamily="18" charset="-127"/>
-                <a:ea typeface="새굴림" panose="02030600000101010101" pitchFamily="18" charset="-127"/>
-              </a:rPr>
-              <a:t>Qt</a:t>
-            </a:r>
-            <a:r>
-              <a:rPr lang="ko-KR" altLang="en-US">
-                <a:latin typeface="새굴림" panose="02030600000101010101" pitchFamily="18" charset="-127"/>
-                <a:ea typeface="새굴림" panose="02030600000101010101" pitchFamily="18" charset="-127"/>
-              </a:rPr>
-              <a:t>에서는 이를 신호와 슬롯 또는 이벤트를 통해 제공</a:t>
-            </a:r>
-            <a:r>
-              <a:rPr lang="en-US" altLang="ko-KR">
-                <a:latin typeface="새굴림" panose="02030600000101010101" pitchFamily="18" charset="-127"/>
-                <a:ea typeface="새굴림" panose="02030600000101010101" pitchFamily="18" charset="-127"/>
-              </a:rPr>
-              <a:t>.</a:t>
-            </a:r>
-            <a:endParaRPr lang="ko-KR" altLang="en-US">
-              <a:latin typeface="새굴림" panose="02030600000101010101" pitchFamily="18" charset="-127"/>
-              <a:ea typeface="새굴림" panose="02030600000101010101" pitchFamily="18" charset="-127"/>
-            </a:endParaRPr>
-          </a:p>
-        </p:txBody>
-      </p:sp>
-    </p:spTree>
-    <p:extLst>
-      <p:ext uri="{BB962C8B-B14F-4D97-AF65-F5344CB8AC3E}">
-        <p14:creationId xmlns:p14="http://schemas.microsoft.com/office/powerpoint/2010/main" val="197490513"/>
-      </p:ext>
-    </p:extLst>
-  </p:cSld>
-  <p:clrMapOvr>
-    <a:masterClrMapping/>
-  </p:clrMapOvr>
-</p:sld>
-</file>
-
 <file path=ppt/slides/slide3.xml><?xml version="1.0" encoding="utf-8"?>
 <p:sld xmlns:a="http://schemas.openxmlformats.org/drawingml/2006/main" xmlns:r="http://schemas.openxmlformats.org/officeDocument/2006/relationships" xmlns:p="http://schemas.openxmlformats.org/presentationml/2006/main">
   <p:cSld>
@@ -7711,13 +9233,13 @@
               <a:buAutoNum type="arabicPeriod"/>
             </a:pPr>
             <a:r>
-              <a:rPr lang="ko-KR" altLang="en-US">
+              <a:rPr lang="ko-KR" altLang="en-US" dirty="0">
                 <a:latin typeface="새굴림" panose="02030600000101010101" pitchFamily="18" charset="-127"/>
                 <a:ea typeface="새굴림" panose="02030600000101010101" pitchFamily="18" charset="-127"/>
               </a:rPr>
               <a:t>신호 및 슬롯</a:t>
             </a:r>
-            <a:endParaRPr lang="en-US" altLang="ko-KR">
+            <a:endParaRPr lang="en-US" altLang="ko-KR" dirty="0">
               <a:latin typeface="새굴림" panose="02030600000101010101" pitchFamily="18" charset="-127"/>
               <a:ea typeface="새굴림" panose="02030600000101010101" pitchFamily="18" charset="-127"/>
             </a:endParaRPr>
@@ -7725,20 +9247,27 @@
           <a:p>
             <a:pPr lvl="1"/>
             <a:r>
-              <a:rPr lang="en-US" altLang="ko-KR">
-                <a:latin typeface="새굴림" panose="02030600000101010101" pitchFamily="18" charset="-127"/>
-                <a:ea typeface="새굴림" panose="02030600000101010101" pitchFamily="18" charset="-127"/>
-              </a:rPr>
-              <a:t>QPushButton </a:t>
-            </a:r>
-            <a:r>
-              <a:rPr lang="ko-KR" altLang="en-US">
+              <a:rPr lang="en-US" altLang="ko-KR" dirty="0" err="1">
+                <a:latin typeface="새굴림" panose="02030600000101010101" pitchFamily="18" charset="-127"/>
+                <a:ea typeface="새굴림" panose="02030600000101010101" pitchFamily="18" charset="-127"/>
+              </a:rPr>
+              <a:t>QPushButton</a:t>
+            </a:r>
+            <a:r>
+              <a:rPr lang="en-US" altLang="ko-KR" dirty="0">
+                <a:latin typeface="새굴림" panose="02030600000101010101" pitchFamily="18" charset="-127"/>
+                <a:ea typeface="새굴림" panose="02030600000101010101" pitchFamily="18" charset="-127"/>
+              </a:rPr>
+              <a:t> </a:t>
+            </a:r>
+            <a:r>
+              <a:rPr lang="ko-KR" altLang="en-US" dirty="0">
                 <a:latin typeface="새굴림" panose="02030600000101010101" pitchFamily="18" charset="-127"/>
                 <a:ea typeface="새굴림" panose="02030600000101010101" pitchFamily="18" charset="-127"/>
               </a:rPr>
               <a:t>신호</a:t>
             </a:r>
-            <a:endParaRPr lang="en-US" altLang="ko-KR">
+            <a:endParaRPr lang="en-US" altLang="ko-KR" dirty="0">
               <a:latin typeface="새굴림" panose="02030600000101010101" pitchFamily="18" charset="-127"/>
               <a:ea typeface="새굴림" panose="02030600000101010101" pitchFamily="18" charset="-127"/>
             </a:endParaRPr>
@@ -7746,13 +9275,13 @@
           <a:p>
             <a:pPr lvl="1"/>
             <a:r>
-              <a:rPr lang="ko-KR" altLang="en-US">
+              <a:rPr lang="ko-KR" altLang="en-US" dirty="0">
                 <a:latin typeface="새굴림" panose="02030600000101010101" pitchFamily="18" charset="-127"/>
                 <a:ea typeface="새굴림" panose="02030600000101010101" pitchFamily="18" charset="-127"/>
               </a:rPr>
               <a:t>데이터 수신</a:t>
             </a:r>
-            <a:endParaRPr lang="en-US" altLang="ko-KR">
+            <a:endParaRPr lang="en-US" altLang="ko-KR" dirty="0">
               <a:latin typeface="새굴림" panose="02030600000101010101" pitchFamily="18" charset="-127"/>
               <a:ea typeface="새굴림" panose="02030600000101010101" pitchFamily="18" charset="-127"/>
             </a:endParaRPr>
@@ -7760,13 +9289,13 @@
           <a:p>
             <a:pPr lvl="1"/>
             <a:r>
-              <a:rPr lang="ko-KR" altLang="en-US">
+              <a:rPr lang="ko-KR" altLang="en-US" dirty="0">
                 <a:latin typeface="새굴림" panose="02030600000101010101" pitchFamily="18" charset="-127"/>
                 <a:ea typeface="새굴림" panose="02030600000101010101" pitchFamily="18" charset="-127"/>
               </a:rPr>
               <a:t>데이터 저장</a:t>
             </a:r>
-            <a:endParaRPr lang="en-US" altLang="ko-KR">
+            <a:endParaRPr lang="en-US" altLang="ko-KR" dirty="0">
               <a:latin typeface="새굴림" panose="02030600000101010101" pitchFamily="18" charset="-127"/>
               <a:ea typeface="새굴림" panose="02030600000101010101" pitchFamily="18" charset="-127"/>
             </a:endParaRPr>
@@ -7774,13 +9303,13 @@
           <a:p>
             <a:pPr lvl="1"/>
             <a:r>
-              <a:rPr lang="ko-KR" altLang="en-US">
+              <a:rPr lang="ko-KR" altLang="en-US" dirty="0">
                 <a:latin typeface="새굴림" panose="02030600000101010101" pitchFamily="18" charset="-127"/>
                 <a:ea typeface="새굴림" panose="02030600000101010101" pitchFamily="18" charset="-127"/>
               </a:rPr>
               <a:t>인터페이스 변경</a:t>
             </a:r>
-            <a:endParaRPr lang="en-US" altLang="ko-KR">
+            <a:endParaRPr lang="en-US" altLang="ko-KR" dirty="0">
               <a:latin typeface="새굴림" panose="02030600000101010101" pitchFamily="18" charset="-127"/>
               <a:ea typeface="새굴림" panose="02030600000101010101" pitchFamily="18" charset="-127"/>
             </a:endParaRPr>
@@ -7788,13 +9317,20 @@
           <a:p>
             <a:pPr lvl="1"/>
             <a:r>
-              <a:rPr lang="ko-KR" altLang="en-US">
-                <a:latin typeface="새굴림" panose="02030600000101010101" pitchFamily="18" charset="-127"/>
-                <a:ea typeface="새굴림" panose="02030600000101010101" pitchFamily="18" charset="-127"/>
-              </a:rPr>
-              <a:t>위젯 직접 연셜</a:t>
-            </a:r>
-            <a:endParaRPr lang="en-US" altLang="ko-KR">
+              <a:rPr lang="ko-KR" altLang="en-US" dirty="0">
+                <a:latin typeface="새굴림" panose="02030600000101010101" pitchFamily="18" charset="-127"/>
+                <a:ea typeface="새굴림" panose="02030600000101010101" pitchFamily="18" charset="-127"/>
+              </a:rPr>
+              <a:t>위젯 직접 </a:t>
+            </a:r>
+            <a:r>
+              <a:rPr lang="ko-KR" altLang="en-US" dirty="0" smtClean="0">
+                <a:latin typeface="새굴림" panose="02030600000101010101" pitchFamily="18" charset="-127"/>
+                <a:ea typeface="새굴림" panose="02030600000101010101" pitchFamily="18" charset="-127"/>
+              </a:rPr>
+              <a:t>연결</a:t>
+            </a:r>
+            <a:endParaRPr lang="en-US" altLang="ko-KR" dirty="0">
               <a:latin typeface="새굴림" panose="02030600000101010101" pitchFamily="18" charset="-127"/>
               <a:ea typeface="새굴림" panose="02030600000101010101" pitchFamily="18" charset="-127"/>
             </a:endParaRPr>
@@ -7804,7 +9340,7 @@
               <a:buFont typeface="+mj-lt"/>
               <a:buAutoNum type="arabicPeriod"/>
             </a:pPr>
-            <a:endParaRPr lang="en-US" altLang="ko-KR">
+            <a:endParaRPr lang="en-US" altLang="ko-KR" dirty="0">
               <a:latin typeface="새굴림" panose="02030600000101010101" pitchFamily="18" charset="-127"/>
               <a:ea typeface="새굴림" panose="02030600000101010101" pitchFamily="18" charset="-127"/>
             </a:endParaRPr>
@@ -7815,13 +9351,13 @@
               <a:buAutoNum type="arabicPeriod"/>
             </a:pPr>
             <a:r>
-              <a:rPr lang="ko-KR" altLang="en-US">
+              <a:rPr lang="ko-KR" altLang="en-US" dirty="0">
                 <a:latin typeface="새굴림" panose="02030600000101010101" pitchFamily="18" charset="-127"/>
                 <a:ea typeface="새굴림" panose="02030600000101010101" pitchFamily="18" charset="-127"/>
               </a:rPr>
               <a:t>이벤트</a:t>
             </a:r>
-            <a:endParaRPr lang="en-US" altLang="ko-KR">
+            <a:endParaRPr lang="en-US" altLang="ko-KR" dirty="0">
               <a:latin typeface="새굴림" panose="02030600000101010101" pitchFamily="18" charset="-127"/>
               <a:ea typeface="새굴림" panose="02030600000101010101" pitchFamily="18" charset="-127"/>
             </a:endParaRPr>
@@ -7829,13 +9365,13 @@
           <a:p>
             <a:pPr lvl="1"/>
             <a:r>
-              <a:rPr lang="ko-KR" altLang="en-US">
+              <a:rPr lang="ko-KR" altLang="en-US" dirty="0">
                 <a:latin typeface="새굴림" panose="02030600000101010101" pitchFamily="18" charset="-127"/>
                 <a:ea typeface="새굴림" panose="02030600000101010101" pitchFamily="18" charset="-127"/>
               </a:rPr>
               <a:t>마우스 이벤트</a:t>
             </a:r>
-            <a:endParaRPr lang="en-US" altLang="ko-KR">
+            <a:endParaRPr lang="en-US" altLang="ko-KR" dirty="0">
               <a:latin typeface="새굴림" panose="02030600000101010101" pitchFamily="18" charset="-127"/>
               <a:ea typeface="새굴림" panose="02030600000101010101" pitchFamily="18" charset="-127"/>
             </a:endParaRPr>
@@ -7843,13 +9379,13 @@
           <a:p>
             <a:pPr lvl="1"/>
             <a:r>
-              <a:rPr lang="ko-KR" altLang="en-US">
+              <a:rPr lang="ko-KR" altLang="en-US" dirty="0">
                 <a:latin typeface="새굴림" panose="02030600000101010101" pitchFamily="18" charset="-127"/>
                 <a:ea typeface="새굴림" panose="02030600000101010101" pitchFamily="18" charset="-127"/>
               </a:rPr>
               <a:t>컨텍스트 메뉴</a:t>
             </a:r>
-            <a:endParaRPr lang="en-US" altLang="ko-KR">
+            <a:endParaRPr lang="en-US" altLang="ko-KR" dirty="0">
               <a:latin typeface="새굴림" panose="02030600000101010101" pitchFamily="18" charset="-127"/>
               <a:ea typeface="새굴림" panose="02030600000101010101" pitchFamily="18" charset="-127"/>
             </a:endParaRPr>
@@ -7857,13 +9393,13 @@
           <a:p>
             <a:pPr lvl="1"/>
             <a:r>
-              <a:rPr lang="ko-KR" altLang="en-US">
+              <a:rPr lang="ko-KR" altLang="en-US" dirty="0">
                 <a:latin typeface="새굴림" panose="02030600000101010101" pitchFamily="18" charset="-127"/>
                 <a:ea typeface="새굴림" panose="02030600000101010101" pitchFamily="18" charset="-127"/>
               </a:rPr>
               <a:t>이벤트 계층 구조</a:t>
             </a:r>
-            <a:endParaRPr lang="en-US" altLang="ko-KR">
+            <a:endParaRPr lang="en-US" altLang="ko-KR" dirty="0">
               <a:latin typeface="새굴림" panose="02030600000101010101" pitchFamily="18" charset="-127"/>
               <a:ea typeface="새굴림" panose="02030600000101010101" pitchFamily="18" charset="-127"/>
             </a:endParaRPr>

--- a/PySide-2.pptx
+++ b/PySide-2.pptx
@@ -29,7 +29,16 @@
     <p:sldId id="313" r:id="rId23"/>
     <p:sldId id="315" r:id="rId24"/>
     <p:sldId id="316" r:id="rId25"/>
-    <p:sldId id="294" r:id="rId26"/>
+    <p:sldId id="320" r:id="rId26"/>
+    <p:sldId id="317" r:id="rId27"/>
+    <p:sldId id="318" r:id="rId28"/>
+    <p:sldId id="322" r:id="rId29"/>
+    <p:sldId id="319" r:id="rId30"/>
+    <p:sldId id="321" r:id="rId31"/>
+    <p:sldId id="323" r:id="rId32"/>
+    <p:sldId id="324" r:id="rId33"/>
+    <p:sldId id="325" r:id="rId34"/>
+    <p:sldId id="294" r:id="rId35"/>
   </p:sldIdLst>
   <p:sldSz cx="12192000" cy="6858000"/>
   <p:notesSz cx="6858000" cy="9144000"/>
@@ -283,7 +292,7 @@
           <a:p>
             <a:fld id="{920B4576-5F37-4C3E-94F2-C4BAFEE2B241}" type="datetimeFigureOut">
               <a:rPr lang="ko-KR" altLang="en-US" smtClean="0"/>
-              <a:t>2024-11-01</a:t>
+              <a:t>2024-11-20</a:t>
             </a:fld>
             <a:endParaRPr lang="ko-KR" altLang="en-US"/>
           </a:p>
@@ -481,7 +490,7 @@
           <a:p>
             <a:fld id="{920B4576-5F37-4C3E-94F2-C4BAFEE2B241}" type="datetimeFigureOut">
               <a:rPr lang="ko-KR" altLang="en-US" smtClean="0"/>
-              <a:t>2024-11-01</a:t>
+              <a:t>2024-11-20</a:t>
             </a:fld>
             <a:endParaRPr lang="ko-KR" altLang="en-US"/>
           </a:p>
@@ -689,7 +698,7 @@
           <a:p>
             <a:fld id="{920B4576-5F37-4C3E-94F2-C4BAFEE2B241}" type="datetimeFigureOut">
               <a:rPr lang="ko-KR" altLang="en-US" smtClean="0"/>
-              <a:t>2024-11-01</a:t>
+              <a:t>2024-11-20</a:t>
             </a:fld>
             <a:endParaRPr lang="ko-KR" altLang="en-US"/>
           </a:p>
@@ -887,7 +896,7 @@
           <a:p>
             <a:fld id="{920B4576-5F37-4C3E-94F2-C4BAFEE2B241}" type="datetimeFigureOut">
               <a:rPr lang="ko-KR" altLang="en-US" smtClean="0"/>
-              <a:t>2024-11-01</a:t>
+              <a:t>2024-11-20</a:t>
             </a:fld>
             <a:endParaRPr lang="ko-KR" altLang="en-US"/>
           </a:p>
@@ -1162,7 +1171,7 @@
           <a:p>
             <a:fld id="{920B4576-5F37-4C3E-94F2-C4BAFEE2B241}" type="datetimeFigureOut">
               <a:rPr lang="ko-KR" altLang="en-US" smtClean="0"/>
-              <a:t>2024-11-01</a:t>
+              <a:t>2024-11-20</a:t>
             </a:fld>
             <a:endParaRPr lang="ko-KR" altLang="en-US"/>
           </a:p>
@@ -1427,7 +1436,7 @@
           <a:p>
             <a:fld id="{920B4576-5F37-4C3E-94F2-C4BAFEE2B241}" type="datetimeFigureOut">
               <a:rPr lang="ko-KR" altLang="en-US" smtClean="0"/>
-              <a:t>2024-11-01</a:t>
+              <a:t>2024-11-20</a:t>
             </a:fld>
             <a:endParaRPr lang="ko-KR" altLang="en-US"/>
           </a:p>
@@ -1839,7 +1848,7 @@
           <a:p>
             <a:fld id="{920B4576-5F37-4C3E-94F2-C4BAFEE2B241}" type="datetimeFigureOut">
               <a:rPr lang="ko-KR" altLang="en-US" smtClean="0"/>
-              <a:t>2024-11-01</a:t>
+              <a:t>2024-11-20</a:t>
             </a:fld>
             <a:endParaRPr lang="ko-KR" altLang="en-US"/>
           </a:p>
@@ -1980,7 +1989,7 @@
           <a:p>
             <a:fld id="{920B4576-5F37-4C3E-94F2-C4BAFEE2B241}" type="datetimeFigureOut">
               <a:rPr lang="ko-KR" altLang="en-US" smtClean="0"/>
-              <a:t>2024-11-01</a:t>
+              <a:t>2024-11-20</a:t>
             </a:fld>
             <a:endParaRPr lang="ko-KR" altLang="en-US"/>
           </a:p>
@@ -2093,7 +2102,7 @@
           <a:p>
             <a:fld id="{920B4576-5F37-4C3E-94F2-C4BAFEE2B241}" type="datetimeFigureOut">
               <a:rPr lang="ko-KR" altLang="en-US" smtClean="0"/>
-              <a:t>2024-11-01</a:t>
+              <a:t>2024-11-20</a:t>
             </a:fld>
             <a:endParaRPr lang="ko-KR" altLang="en-US"/>
           </a:p>
@@ -2404,7 +2413,7 @@
           <a:p>
             <a:fld id="{920B4576-5F37-4C3E-94F2-C4BAFEE2B241}" type="datetimeFigureOut">
               <a:rPr lang="ko-KR" altLang="en-US" smtClean="0"/>
-              <a:t>2024-11-01</a:t>
+              <a:t>2024-11-20</a:t>
             </a:fld>
             <a:endParaRPr lang="ko-KR" altLang="en-US"/>
           </a:p>
@@ -2692,7 +2701,7 @@
           <a:p>
             <a:fld id="{920B4576-5F37-4C3E-94F2-C4BAFEE2B241}" type="datetimeFigureOut">
               <a:rPr lang="ko-KR" altLang="en-US" smtClean="0"/>
-              <a:t>2024-11-01</a:t>
+              <a:t>2024-11-20</a:t>
             </a:fld>
             <a:endParaRPr lang="ko-KR" altLang="en-US"/>
           </a:p>
@@ -2933,7 +2942,7 @@
           <a:p>
             <a:fld id="{920B4576-5F37-4C3E-94F2-C4BAFEE2B241}" type="datetimeFigureOut">
               <a:rPr lang="ko-KR" altLang="en-US" smtClean="0"/>
-              <a:t>2024-11-01</a:t>
+              <a:t>2024-11-20</a:t>
             </a:fld>
             <a:endParaRPr lang="ko-KR" altLang="en-US"/>
           </a:p>
@@ -6331,14 +6340,7 @@
                 <a:latin typeface="새굴림" panose="02030600000101010101" pitchFamily="18" charset="-127"/>
                 <a:ea typeface="새굴림" panose="02030600000101010101" pitchFamily="18" charset="-127"/>
               </a:rPr>
-              <a:t> </a:t>
-            </a:r>
-            <a:r>
-              <a:rPr lang="en-US" altLang="ko-KR" sz="1800" dirty="0" smtClean="0">
-                <a:latin typeface="새굴림" panose="02030600000101010101" pitchFamily="18" charset="-127"/>
-                <a:ea typeface="새굴림" panose="02030600000101010101" pitchFamily="18" charset="-127"/>
-              </a:rPr>
-              <a:t>.</a:t>
+              <a:t> .</a:t>
             </a:r>
             <a:r>
               <a:rPr lang="en-US" altLang="ko-KR" sz="1800" dirty="0" err="1" smtClean="0">
@@ -6790,13 +6792,6 @@
               </a:rPr>
               <a:t>인터페이스 변경</a:t>
             </a:r>
-            <a:endParaRPr lang="ko-KR" altLang="en-US" dirty="0">
-              <a:solidFill>
-                <a:srgbClr val="FF0000"/>
-              </a:solidFill>
-              <a:latin typeface="새굴림" panose="02030600000101010101" pitchFamily="18" charset="-127"/>
-              <a:ea typeface="새굴림" panose="02030600000101010101" pitchFamily="18" charset="-127"/>
-            </a:endParaRPr>
           </a:p>
         </p:txBody>
       </p:sp>
@@ -6997,13 +6992,6 @@
               </a:rPr>
               <a:t>인터페이스 변경</a:t>
             </a:r>
-            <a:endParaRPr lang="ko-KR" altLang="en-US" dirty="0">
-              <a:solidFill>
-                <a:srgbClr val="FF0000"/>
-              </a:solidFill>
-              <a:latin typeface="새굴림" panose="02030600000101010101" pitchFamily="18" charset="-127"/>
-              <a:ea typeface="새굴림" panose="02030600000101010101" pitchFamily="18" charset="-127"/>
-            </a:endParaRPr>
           </a:p>
         </p:txBody>
       </p:sp>
@@ -8016,24 +8004,24 @@
               </a:rPr>
             </a:br>
             <a:r>
-              <a:rPr lang="en-US" altLang="ko-KR" sz="3600" dirty="0">
+              <a:rPr lang="en-US" altLang="ko-KR" sz="3600" dirty="0" smtClean="0">
                 <a:solidFill>
                   <a:srgbClr val="FF0000"/>
                 </a:solidFill>
                 <a:latin typeface="새굴림" panose="02030600000101010101" pitchFamily="18" charset="-127"/>
                 <a:ea typeface="새굴림" panose="02030600000101010101" pitchFamily="18" charset="-127"/>
               </a:rPr>
-              <a:t>1-4. </a:t>
-            </a:r>
-            <a:r>
-              <a:rPr lang="ko-KR" altLang="en-US" sz="3600" dirty="0">
+              <a:t>1-5. </a:t>
+            </a:r>
+            <a:r>
+              <a:rPr lang="ko-KR" altLang="en-US" sz="3600" dirty="0" smtClean="0">
                 <a:solidFill>
                   <a:srgbClr val="FF0000"/>
                 </a:solidFill>
                 <a:latin typeface="새굴림" panose="02030600000101010101" pitchFamily="18" charset="-127"/>
                 <a:ea typeface="새굴림" panose="02030600000101010101" pitchFamily="18" charset="-127"/>
               </a:rPr>
-              <a:t>인터페이스 변경</a:t>
+              <a:t>위젯을 직접 연결</a:t>
             </a:r>
             <a:endParaRPr lang="ko-KR" altLang="en-US" dirty="0">
               <a:solidFill>
@@ -8081,7 +8069,115 @@
           </a:bodyPr>
           <a:lstStyle/>
           <a:p>
-            <a:endParaRPr lang="en-US" altLang="ko-KR">
+            <a:r>
+              <a:rPr lang="ko-KR" altLang="en-US" dirty="0" smtClean="0">
+                <a:latin typeface="새굴림" panose="02030600000101010101" pitchFamily="18" charset="-127"/>
+                <a:ea typeface="새굴림" panose="02030600000101010101" pitchFamily="18" charset="-127"/>
+              </a:rPr>
+              <a:t>지금까지 위젯 신호를 </a:t>
+            </a:r>
+            <a:r>
+              <a:rPr lang="en-US" altLang="ko-KR" dirty="0" smtClean="0">
+                <a:latin typeface="새굴림" panose="02030600000101010101" pitchFamily="18" charset="-127"/>
+                <a:ea typeface="새굴림" panose="02030600000101010101" pitchFamily="18" charset="-127"/>
+              </a:rPr>
+              <a:t>Python </a:t>
+            </a:r>
+            <a:r>
+              <a:rPr lang="ko-KR" altLang="en-US" dirty="0" smtClean="0">
+                <a:latin typeface="새굴림" panose="02030600000101010101" pitchFamily="18" charset="-127"/>
+                <a:ea typeface="새굴림" panose="02030600000101010101" pitchFamily="18" charset="-127"/>
+              </a:rPr>
+              <a:t>메서드에 연결하는 방법을 사용</a:t>
+            </a:r>
+            <a:endParaRPr lang="en-US" altLang="ko-KR" dirty="0" smtClean="0">
+              <a:latin typeface="새굴림" panose="02030600000101010101" pitchFamily="18" charset="-127"/>
+              <a:ea typeface="새굴림" panose="02030600000101010101" pitchFamily="18" charset="-127"/>
+            </a:endParaRPr>
+          </a:p>
+          <a:p>
+            <a:endParaRPr lang="en-US" altLang="ko-KR" dirty="0">
+              <a:latin typeface="새굴림" panose="02030600000101010101" pitchFamily="18" charset="-127"/>
+              <a:ea typeface="새굴림" panose="02030600000101010101" pitchFamily="18" charset="-127"/>
+            </a:endParaRPr>
+          </a:p>
+          <a:p>
+            <a:r>
+              <a:rPr lang="ko-KR" altLang="en-US" dirty="0" smtClean="0">
+                <a:latin typeface="새굴림" panose="02030600000101010101" pitchFamily="18" charset="-127"/>
+                <a:ea typeface="새굴림" panose="02030600000101010101" pitchFamily="18" charset="-127"/>
+              </a:rPr>
+              <a:t>위젯에서 신호가 발생하면 </a:t>
+            </a:r>
+            <a:r>
+              <a:rPr lang="en-US" altLang="ko-KR" dirty="0" smtClean="0">
+                <a:latin typeface="새굴림" panose="02030600000101010101" pitchFamily="18" charset="-127"/>
+                <a:ea typeface="새굴림" panose="02030600000101010101" pitchFamily="18" charset="-127"/>
+              </a:rPr>
+              <a:t>Python </a:t>
+            </a:r>
+            <a:r>
+              <a:rPr lang="ko-KR" altLang="en-US" dirty="0" smtClean="0">
+                <a:latin typeface="새굴림" panose="02030600000101010101" pitchFamily="18" charset="-127"/>
+                <a:ea typeface="새굴림" panose="02030600000101010101" pitchFamily="18" charset="-127"/>
+              </a:rPr>
+              <a:t>메서드가 호출되고 신호에서 데이터를 수신</a:t>
+            </a:r>
+            <a:endParaRPr lang="en-US" altLang="ko-KR" dirty="0" smtClean="0">
+              <a:latin typeface="새굴림" panose="02030600000101010101" pitchFamily="18" charset="-127"/>
+              <a:ea typeface="새굴림" panose="02030600000101010101" pitchFamily="18" charset="-127"/>
+            </a:endParaRPr>
+          </a:p>
+          <a:p>
+            <a:endParaRPr lang="en-US" altLang="ko-KR" dirty="0">
+              <a:latin typeface="새굴림" panose="02030600000101010101" pitchFamily="18" charset="-127"/>
+              <a:ea typeface="새굴림" panose="02030600000101010101" pitchFamily="18" charset="-127"/>
+            </a:endParaRPr>
+          </a:p>
+          <a:p>
+            <a:r>
+              <a:rPr lang="ko-KR" altLang="en-US" dirty="0" smtClean="0">
+                <a:latin typeface="새굴림" panose="02030600000101010101" pitchFamily="18" charset="-127"/>
+                <a:ea typeface="새굴림" panose="02030600000101010101" pitchFamily="18" charset="-127"/>
+              </a:rPr>
+              <a:t>그러나 신호를 처리하기 위해 항상 </a:t>
+            </a:r>
+            <a:r>
+              <a:rPr lang="en-US" altLang="ko-KR" dirty="0" smtClean="0">
+                <a:latin typeface="새굴림" panose="02030600000101010101" pitchFamily="18" charset="-127"/>
+                <a:ea typeface="새굴림" panose="02030600000101010101" pitchFamily="18" charset="-127"/>
+              </a:rPr>
+              <a:t>Python </a:t>
+            </a:r>
+            <a:r>
+              <a:rPr lang="ko-KR" altLang="en-US" dirty="0" smtClean="0">
+                <a:latin typeface="새굴림" panose="02030600000101010101" pitchFamily="18" charset="-127"/>
+                <a:ea typeface="새굴림" panose="02030600000101010101" pitchFamily="18" charset="-127"/>
+              </a:rPr>
+              <a:t>함수를 사용할 필요는 없으며 </a:t>
+            </a:r>
+            <a:r>
+              <a:rPr lang="en-US" altLang="ko-KR" dirty="0" err="1" smtClean="0">
+                <a:latin typeface="새굴림" panose="02030600000101010101" pitchFamily="18" charset="-127"/>
+                <a:ea typeface="새굴림" panose="02030600000101010101" pitchFamily="18" charset="-127"/>
+              </a:rPr>
+              <a:t>Qt</a:t>
+            </a:r>
+            <a:r>
+              <a:rPr lang="en-US" altLang="ko-KR" dirty="0" smtClean="0">
+                <a:latin typeface="새굴림" panose="02030600000101010101" pitchFamily="18" charset="-127"/>
+                <a:ea typeface="새굴림" panose="02030600000101010101" pitchFamily="18" charset="-127"/>
+              </a:rPr>
+              <a:t> </a:t>
+            </a:r>
+            <a:r>
+              <a:rPr lang="ko-KR" altLang="en-US" dirty="0" smtClean="0">
+                <a:latin typeface="새굴림" panose="02030600000101010101" pitchFamily="18" charset="-127"/>
+                <a:ea typeface="새굴림" panose="02030600000101010101" pitchFamily="18" charset="-127"/>
+              </a:rPr>
+              <a:t>위젯을 서로 직접 연결</a:t>
+            </a:r>
+            <a:endParaRPr lang="en-US" altLang="ko-KR" dirty="0">
               <a:latin typeface="새굴림" panose="02030600000101010101" pitchFamily="18" charset="-127"/>
               <a:ea typeface="새굴림" panose="02030600000101010101" pitchFamily="18" charset="-127"/>
             </a:endParaRPr>
@@ -8104,22 +8200,292 @@
 <file path=ppt/slides/slide23.xml><?xml version="1.0" encoding="utf-8"?>
 <p:sld xmlns:a="http://schemas.openxmlformats.org/drawingml/2006/main" xmlns:r="http://schemas.openxmlformats.org/officeDocument/2006/relationships" xmlns:p="http://schemas.openxmlformats.org/presentationml/2006/main">
   <p:cSld>
-    <p:bg>
-      <p:bgPr>
-        <a:pattFill prst="lgGrid">
-          <a:fgClr>
-            <a:schemeClr val="bg1"/>
-          </a:fgClr>
-          <a:bgClr>
-            <a:schemeClr val="accent5">
+    <p:spTree>
+      <p:nvGrpSpPr>
+        <p:cNvPr id="1" name=""/>
+        <p:cNvGrpSpPr/>
+        <p:nvPr/>
+      </p:nvGrpSpPr>
+      <p:grpSpPr>
+        <a:xfrm>
+          <a:off x="0" y="0"/>
+          <a:ext cx="0" cy="0"/>
+          <a:chOff x="0" y="0"/>
+          <a:chExt cx="0" cy="0"/>
+        </a:xfrm>
+      </p:grpSpPr>
+      <p:sp>
+        <p:nvSpPr>
+          <p:cNvPr id="2" name="제목 1">
+            <a:extLst>
+              <a:ext uri="{FF2B5EF4-FFF2-40B4-BE49-F238E27FC236}">
+                <a16:creationId xmlns:a16="http://schemas.microsoft.com/office/drawing/2014/main" id="{47D4526C-2EFC-447E-977E-FABBF1004F64}"/>
+              </a:ext>
+            </a:extLst>
+          </p:cNvPr>
+          <p:cNvSpPr>
+            <a:spLocks noGrp="1"/>
+          </p:cNvSpPr>
+          <p:nvPr>
+            <p:ph type="title"/>
+          </p:nvPr>
+        </p:nvSpPr>
+        <p:spPr>
+          <a:xfrm>
+            <a:off x="838200" y="365126"/>
+            <a:ext cx="4731327" cy="1314384"/>
+          </a:xfrm>
+          <a:solidFill>
+            <a:schemeClr val="accent4">
               <a:lumMod val="20000"/>
               <a:lumOff val="80000"/>
             </a:schemeClr>
-          </a:bgClr>
-        </a:pattFill>
-        <a:effectLst/>
-      </p:bgPr>
-    </p:bg>
+          </a:solidFill>
+          <a:ln>
+            <a:solidFill>
+              <a:schemeClr val="tx1"/>
+            </a:solidFill>
+          </a:ln>
+        </p:spPr>
+        <p:txBody>
+          <a:bodyPr>
+            <a:noAutofit/>
+          </a:bodyPr>
+          <a:lstStyle/>
+          <a:p>
+            <a:r>
+              <a:rPr lang="en-US" altLang="ko-KR" sz="2400" dirty="0">
+                <a:latin typeface="새굴림" panose="02030600000101010101" pitchFamily="18" charset="-127"/>
+                <a:ea typeface="새굴림" panose="02030600000101010101" pitchFamily="18" charset="-127"/>
+              </a:rPr>
+              <a:t>1. </a:t>
+            </a:r>
+            <a:r>
+              <a:rPr lang="ko-KR" altLang="en-US" sz="2400" dirty="0">
+                <a:latin typeface="새굴림" panose="02030600000101010101" pitchFamily="18" charset="-127"/>
+                <a:ea typeface="새굴림" panose="02030600000101010101" pitchFamily="18" charset="-127"/>
+              </a:rPr>
+              <a:t>신호와 슬롯</a:t>
+            </a:r>
+            <a:r>
+              <a:rPr lang="en-US" altLang="ko-KR" sz="2400" dirty="0">
+                <a:latin typeface="새굴림" panose="02030600000101010101" pitchFamily="18" charset="-127"/>
+                <a:ea typeface="새굴림" panose="02030600000101010101" pitchFamily="18" charset="-127"/>
+              </a:rPr>
+              <a:t>(Signals &amp; Slots)</a:t>
+            </a:r>
+            <a:br>
+              <a:rPr lang="en-US" altLang="ko-KR" sz="2400" dirty="0">
+                <a:latin typeface="새굴림" panose="02030600000101010101" pitchFamily="18" charset="-127"/>
+                <a:ea typeface="새굴림" panose="02030600000101010101" pitchFamily="18" charset="-127"/>
+              </a:rPr>
+            </a:br>
+            <a:r>
+              <a:rPr lang="en-US" altLang="ko-KR" sz="1800" dirty="0" smtClean="0">
+                <a:solidFill>
+                  <a:srgbClr val="FF0000"/>
+                </a:solidFill>
+                <a:latin typeface="새굴림" panose="02030600000101010101" pitchFamily="18" charset="-127"/>
+                <a:ea typeface="새굴림" panose="02030600000101010101" pitchFamily="18" charset="-127"/>
+              </a:rPr>
+              <a:t>1-5. </a:t>
+            </a:r>
+            <a:r>
+              <a:rPr lang="ko-KR" altLang="en-US" sz="1800" dirty="0" smtClean="0">
+                <a:solidFill>
+                  <a:srgbClr val="FF0000"/>
+                </a:solidFill>
+                <a:latin typeface="새굴림" panose="02030600000101010101" pitchFamily="18" charset="-127"/>
+                <a:ea typeface="새굴림" panose="02030600000101010101" pitchFamily="18" charset="-127"/>
+              </a:rPr>
+              <a:t>위젯을 직접 연결</a:t>
+            </a:r>
+            <a:endParaRPr lang="ko-KR" altLang="en-US" sz="2400" dirty="0">
+              <a:solidFill>
+                <a:srgbClr val="FF0000"/>
+              </a:solidFill>
+              <a:latin typeface="새굴림" panose="02030600000101010101" pitchFamily="18" charset="-127"/>
+              <a:ea typeface="새굴림" panose="02030600000101010101" pitchFamily="18" charset="-127"/>
+            </a:endParaRPr>
+          </a:p>
+        </p:txBody>
+      </p:sp>
+      <p:pic>
+        <p:nvPicPr>
+          <p:cNvPr id="4" name="그림 3"/>
+          <p:cNvPicPr>
+            <a:picLocks noChangeAspect="1"/>
+          </p:cNvPicPr>
+          <p:nvPr/>
+        </p:nvPicPr>
+        <p:blipFill>
+          <a:blip r:embed="rId2"/>
+          <a:stretch>
+            <a:fillRect/>
+          </a:stretch>
+        </p:blipFill>
+        <p:spPr>
+          <a:xfrm>
+            <a:off x="5783961" y="164592"/>
+            <a:ext cx="6000750" cy="6400800"/>
+          </a:xfrm>
+          <a:prstGeom prst="rect">
+            <a:avLst/>
+          </a:prstGeom>
+          <a:ln w="38100" cap="sq">
+            <a:solidFill>
+              <a:srgbClr val="000000"/>
+            </a:solidFill>
+            <a:prstDash val="solid"/>
+            <a:miter lim="800000"/>
+          </a:ln>
+          <a:effectLst>
+            <a:outerShdw blurRad="50800" dist="38100" dir="2700000" algn="tl" rotWithShape="0">
+              <a:srgbClr val="000000">
+                <a:alpha val="43000"/>
+              </a:srgbClr>
+            </a:outerShdw>
+          </a:effectLst>
+        </p:spPr>
+      </p:pic>
+      <p:sp>
+        <p:nvSpPr>
+          <p:cNvPr id="5" name="모서리가 둥근 직사각형 4"/>
+          <p:cNvSpPr/>
+          <p:nvPr/>
+        </p:nvSpPr>
+        <p:spPr>
+          <a:xfrm>
+            <a:off x="9817330" y="3582785"/>
+            <a:ext cx="1704109" cy="266008"/>
+          </a:xfrm>
+          <a:prstGeom prst="roundRect">
+            <a:avLst/>
+          </a:prstGeom>
+          <a:noFill/>
+          <a:ln>
+            <a:solidFill>
+              <a:srgbClr val="FF0000"/>
+            </a:solidFill>
+          </a:ln>
+        </p:spPr>
+        <p:style>
+          <a:lnRef idx="2">
+            <a:schemeClr val="accent1">
+              <a:shade val="50000"/>
+            </a:schemeClr>
+          </a:lnRef>
+          <a:fillRef idx="1">
+            <a:schemeClr val="accent1"/>
+          </a:fillRef>
+          <a:effectRef idx="0">
+            <a:schemeClr val="accent1"/>
+          </a:effectRef>
+          <a:fontRef idx="minor">
+            <a:schemeClr val="lt1"/>
+          </a:fontRef>
+        </p:style>
+        <p:txBody>
+          <a:bodyPr rtlCol="0" anchor="ctr"/>
+          <a:lstStyle/>
+          <a:p>
+            <a:pPr algn="ctr"/>
+            <a:endParaRPr lang="ko-KR" altLang="en-US"/>
+          </a:p>
+        </p:txBody>
+      </p:sp>
+      <p:pic>
+        <p:nvPicPr>
+          <p:cNvPr id="6" name="그림 5"/>
+          <p:cNvPicPr>
+            <a:picLocks noChangeAspect="1"/>
+          </p:cNvPicPr>
+          <p:nvPr/>
+        </p:nvPicPr>
+        <p:blipFill>
+          <a:blip r:embed="rId3"/>
+          <a:stretch>
+            <a:fillRect/>
+          </a:stretch>
+        </p:blipFill>
+        <p:spPr>
+          <a:xfrm>
+            <a:off x="3009555" y="1762815"/>
+            <a:ext cx="2609850" cy="1628775"/>
+          </a:xfrm>
+          <a:prstGeom prst="rect">
+            <a:avLst/>
+          </a:prstGeom>
+          <a:ln w="38100" cap="sq">
+            <a:solidFill>
+              <a:srgbClr val="000000"/>
+            </a:solidFill>
+            <a:prstDash val="solid"/>
+            <a:miter lim="800000"/>
+          </a:ln>
+          <a:effectLst>
+            <a:outerShdw blurRad="50800" dist="38100" dir="2700000" algn="tl" rotWithShape="0">
+              <a:srgbClr val="000000">
+                <a:alpha val="43000"/>
+              </a:srgbClr>
+            </a:outerShdw>
+          </a:effectLst>
+        </p:spPr>
+      </p:pic>
+      <p:pic>
+        <p:nvPicPr>
+          <p:cNvPr id="7" name="그림 6"/>
+          <p:cNvPicPr>
+            <a:picLocks noChangeAspect="1"/>
+          </p:cNvPicPr>
+          <p:nvPr/>
+        </p:nvPicPr>
+        <p:blipFill>
+          <a:blip r:embed="rId4"/>
+          <a:stretch>
+            <a:fillRect/>
+          </a:stretch>
+        </p:blipFill>
+        <p:spPr>
+          <a:xfrm>
+            <a:off x="2533305" y="3582785"/>
+            <a:ext cx="3086100" cy="2638425"/>
+          </a:xfrm>
+          <a:prstGeom prst="rect">
+            <a:avLst/>
+          </a:prstGeom>
+          <a:ln w="38100" cap="sq">
+            <a:solidFill>
+              <a:srgbClr val="000000"/>
+            </a:solidFill>
+            <a:prstDash val="solid"/>
+            <a:miter lim="800000"/>
+          </a:ln>
+          <a:effectLst>
+            <a:outerShdw blurRad="50800" dist="38100" dir="2700000" algn="tl" rotWithShape="0">
+              <a:srgbClr val="000000">
+                <a:alpha val="43000"/>
+              </a:srgbClr>
+            </a:outerShdw>
+          </a:effectLst>
+        </p:spPr>
+      </p:pic>
+    </p:spTree>
+    <p:extLst>
+      <p:ext uri="{BB962C8B-B14F-4D97-AF65-F5344CB8AC3E}">
+        <p14:creationId xmlns:p14="http://schemas.microsoft.com/office/powerpoint/2010/main" val="1371121910"/>
+      </p:ext>
+    </p:extLst>
+  </p:cSld>
+  <p:clrMapOvr>
+    <a:masterClrMapping/>
+  </p:clrMapOvr>
+</p:sld>
+</file>
+
+<file path=ppt/slides/slide24.xml><?xml version="1.0" encoding="utf-8"?>
+<p:sld xmlns:a="http://schemas.openxmlformats.org/drawingml/2006/main" xmlns:r="http://schemas.openxmlformats.org/officeDocument/2006/relationships" xmlns:p="http://schemas.openxmlformats.org/presentationml/2006/main">
+  <p:cSld>
     <p:spTree>
       <p:nvGrpSpPr>
         <p:cNvPr id="1" name=""/>
@@ -8178,47 +8544,21 @@
                 <a:latin typeface="새굴림" panose="02030600000101010101" pitchFamily="18" charset="-127"/>
                 <a:ea typeface="새굴림" panose="02030600000101010101" pitchFamily="18" charset="-127"/>
               </a:rPr>
-              <a:t>1. </a:t>
-            </a:r>
-            <a:r>
-              <a:rPr lang="ko-KR" altLang="en-US" dirty="0">
-                <a:latin typeface="새굴림" panose="02030600000101010101" pitchFamily="18" charset="-127"/>
-                <a:ea typeface="새굴림" panose="02030600000101010101" pitchFamily="18" charset="-127"/>
-              </a:rPr>
-              <a:t>신호와 슬롯</a:t>
-            </a:r>
-            <a:r>
-              <a:rPr lang="en-US" altLang="ko-KR" dirty="0">
-                <a:latin typeface="새굴림" panose="02030600000101010101" pitchFamily="18" charset="-127"/>
-                <a:ea typeface="새굴림" panose="02030600000101010101" pitchFamily="18" charset="-127"/>
-              </a:rPr>
-              <a:t>(Signals &amp; Slots)</a:t>
-            </a:r>
-            <a:br>
-              <a:rPr lang="en-US" altLang="ko-KR" dirty="0">
-                <a:latin typeface="새굴림" panose="02030600000101010101" pitchFamily="18" charset="-127"/>
-                <a:ea typeface="새굴림" panose="02030600000101010101" pitchFamily="18" charset="-127"/>
-              </a:rPr>
-            </a:br>
-            <a:r>
-              <a:rPr lang="en-US" altLang="ko-KR" sz="3600" dirty="0">
-                <a:solidFill>
-                  <a:srgbClr val="FF0000"/>
-                </a:solidFill>
-                <a:latin typeface="새굴림" panose="02030600000101010101" pitchFamily="18" charset="-127"/>
-                <a:ea typeface="새굴림" panose="02030600000101010101" pitchFamily="18" charset="-127"/>
-              </a:rPr>
-              <a:t>1-4. </a:t>
-            </a:r>
-            <a:r>
-              <a:rPr lang="ko-KR" altLang="en-US" sz="3600" dirty="0">
-                <a:solidFill>
-                  <a:srgbClr val="FF0000"/>
-                </a:solidFill>
-                <a:latin typeface="새굴림" panose="02030600000101010101" pitchFamily="18" charset="-127"/>
-                <a:ea typeface="새굴림" panose="02030600000101010101" pitchFamily="18" charset="-127"/>
-              </a:rPr>
-              <a:t>인터페이스 변경</a:t>
+              <a:t>2</a:t>
+            </a:r>
+            <a:r>
+              <a:rPr lang="en-US" altLang="ko-KR" dirty="0" smtClean="0">
+                <a:latin typeface="새굴림" panose="02030600000101010101" pitchFamily="18" charset="-127"/>
+                <a:ea typeface="새굴림" panose="02030600000101010101" pitchFamily="18" charset="-127"/>
+              </a:rPr>
+              <a:t>. </a:t>
+            </a:r>
+            <a:r>
+              <a:rPr lang="ko-KR" altLang="en-US" dirty="0" smtClean="0">
+                <a:latin typeface="새굴림" panose="02030600000101010101" pitchFamily="18" charset="-127"/>
+                <a:ea typeface="새굴림" panose="02030600000101010101" pitchFamily="18" charset="-127"/>
+              </a:rPr>
+              <a:t>이벤트</a:t>
             </a:r>
             <a:endParaRPr lang="ko-KR" altLang="en-US" dirty="0">
               <a:solidFill>
@@ -8262,11 +8602,137 @@
         </p:spPr>
         <p:txBody>
           <a:bodyPr>
-            <a:normAutofit/>
+            <a:normAutofit fontScale="92500"/>
           </a:bodyPr>
           <a:lstStyle/>
           <a:p>
-            <a:endParaRPr lang="en-US" altLang="ko-KR">
+            <a:r>
+              <a:rPr lang="ko-KR" altLang="en-US" dirty="0" smtClean="0">
+                <a:latin typeface="새굴림" panose="02030600000101010101" pitchFamily="18" charset="-127"/>
+                <a:ea typeface="새굴림" panose="02030600000101010101" pitchFamily="18" charset="-127"/>
+              </a:rPr>
+              <a:t>이벤트 </a:t>
+            </a:r>
+            <a:r>
+              <a:rPr lang="en-US" altLang="ko-KR" dirty="0" smtClean="0">
+                <a:latin typeface="새굴림" panose="02030600000101010101" pitchFamily="18" charset="-127"/>
+                <a:ea typeface="새굴림" panose="02030600000101010101" pitchFamily="18" charset="-127"/>
+              </a:rPr>
+              <a:t>: </a:t>
+            </a:r>
+            <a:r>
+              <a:rPr lang="ko-KR" altLang="en-US" dirty="0" smtClean="0">
+                <a:latin typeface="새굴림" panose="02030600000101010101" pitchFamily="18" charset="-127"/>
+                <a:ea typeface="새굴림" panose="02030600000101010101" pitchFamily="18" charset="-127"/>
+              </a:rPr>
+              <a:t>사용자가 </a:t>
+            </a:r>
+            <a:r>
+              <a:rPr lang="en-US" altLang="ko-KR" dirty="0" err="1" smtClean="0">
+                <a:latin typeface="새굴림" panose="02030600000101010101" pitchFamily="18" charset="-127"/>
+                <a:ea typeface="새굴림" panose="02030600000101010101" pitchFamily="18" charset="-127"/>
+              </a:rPr>
+              <a:t>Qt</a:t>
+            </a:r>
+            <a:r>
+              <a:rPr lang="en-US" altLang="ko-KR" dirty="0" smtClean="0">
+                <a:latin typeface="새굴림" panose="02030600000101010101" pitchFamily="18" charset="-127"/>
+                <a:ea typeface="새굴림" panose="02030600000101010101" pitchFamily="18" charset="-127"/>
+              </a:rPr>
+              <a:t> </a:t>
+            </a:r>
+            <a:r>
+              <a:rPr lang="ko-KR" altLang="en-US" dirty="0" smtClean="0">
+                <a:latin typeface="새굴림" panose="02030600000101010101" pitchFamily="18" charset="-127"/>
+                <a:ea typeface="새굴림" panose="02030600000101010101" pitchFamily="18" charset="-127"/>
+              </a:rPr>
+              <a:t>응용프로그램과 모든 상호 작용</a:t>
+            </a:r>
+            <a:endParaRPr lang="en-US" altLang="ko-KR" dirty="0" smtClean="0">
+              <a:latin typeface="새굴림" panose="02030600000101010101" pitchFamily="18" charset="-127"/>
+              <a:ea typeface="새굴림" panose="02030600000101010101" pitchFamily="18" charset="-127"/>
+            </a:endParaRPr>
+          </a:p>
+          <a:p>
+            <a:endParaRPr lang="en-US" altLang="ko-KR" dirty="0">
+              <a:latin typeface="새굴림" panose="02030600000101010101" pitchFamily="18" charset="-127"/>
+              <a:ea typeface="새굴림" panose="02030600000101010101" pitchFamily="18" charset="-127"/>
+            </a:endParaRPr>
+          </a:p>
+          <a:p>
+            <a:r>
+              <a:rPr lang="ko-KR" altLang="en-US" dirty="0" smtClean="0">
+                <a:latin typeface="새굴림" panose="02030600000101010101" pitchFamily="18" charset="-127"/>
+                <a:ea typeface="새굴림" panose="02030600000101010101" pitchFamily="18" charset="-127"/>
+              </a:rPr>
+              <a:t>이벤트에는 여러 유형이 있으며</a:t>
+            </a:r>
+            <a:r>
+              <a:rPr lang="en-US" altLang="ko-KR" dirty="0" smtClean="0">
+                <a:latin typeface="새굴림" panose="02030600000101010101" pitchFamily="18" charset="-127"/>
+                <a:ea typeface="새굴림" panose="02030600000101010101" pitchFamily="18" charset="-127"/>
+              </a:rPr>
+              <a:t>, </a:t>
+            </a:r>
+            <a:r>
+              <a:rPr lang="ko-KR" altLang="en-US" dirty="0" smtClean="0">
+                <a:latin typeface="새굴림" panose="02030600000101010101" pitchFamily="18" charset="-127"/>
+                <a:ea typeface="새굴림" panose="02030600000101010101" pitchFamily="18" charset="-127"/>
+              </a:rPr>
+              <a:t>각각 다른 유형의 상호 작용을 나타냄</a:t>
+            </a:r>
+            <a:r>
+              <a:rPr lang="en-US" altLang="ko-KR" dirty="0" smtClean="0">
+                <a:latin typeface="새굴림" panose="02030600000101010101" pitchFamily="18" charset="-127"/>
+                <a:ea typeface="새굴림" panose="02030600000101010101" pitchFamily="18" charset="-127"/>
+              </a:rPr>
+              <a:t>.</a:t>
+            </a:r>
+          </a:p>
+          <a:p>
+            <a:endParaRPr lang="en-US" altLang="ko-KR" dirty="0" smtClean="0">
+              <a:latin typeface="새굴림" panose="02030600000101010101" pitchFamily="18" charset="-127"/>
+              <a:ea typeface="새굴림" panose="02030600000101010101" pitchFamily="18" charset="-127"/>
+            </a:endParaRPr>
+          </a:p>
+          <a:p>
+            <a:r>
+              <a:rPr lang="en-US" altLang="ko-KR" dirty="0" err="1" smtClean="0">
+                <a:latin typeface="새굴림" panose="02030600000101010101" pitchFamily="18" charset="-127"/>
+                <a:ea typeface="새굴림" panose="02030600000101010101" pitchFamily="18" charset="-127"/>
+              </a:rPr>
+              <a:t>Qt</a:t>
+            </a:r>
+            <a:r>
+              <a:rPr lang="ko-KR" altLang="en-US" dirty="0" smtClean="0">
+                <a:latin typeface="새굴림" panose="02030600000101010101" pitchFamily="18" charset="-127"/>
+                <a:ea typeface="새굴림" panose="02030600000101010101" pitchFamily="18" charset="-127"/>
+              </a:rPr>
+              <a:t>는 발생한 일에 대한 정보를 패키지화하는 이벤트 객체를 사용하여 이벤트를 나타냄</a:t>
+            </a:r>
+            <a:r>
+              <a:rPr lang="en-US" altLang="ko-KR" dirty="0" smtClean="0">
+                <a:latin typeface="새굴림" panose="02030600000101010101" pitchFamily="18" charset="-127"/>
+                <a:ea typeface="새굴림" panose="02030600000101010101" pitchFamily="18" charset="-127"/>
+              </a:rPr>
+              <a:t>.</a:t>
+            </a:r>
+          </a:p>
+          <a:p>
+            <a:endParaRPr lang="en-US" altLang="ko-KR" dirty="0">
+              <a:latin typeface="새굴림" panose="02030600000101010101" pitchFamily="18" charset="-127"/>
+              <a:ea typeface="새굴림" panose="02030600000101010101" pitchFamily="18" charset="-127"/>
+            </a:endParaRPr>
+          </a:p>
+          <a:p>
+            <a:r>
+              <a:rPr lang="ko-KR" altLang="en-US" dirty="0" smtClean="0">
+                <a:latin typeface="새굴림" panose="02030600000101010101" pitchFamily="18" charset="-127"/>
+                <a:ea typeface="새굴림" panose="02030600000101010101" pitchFamily="18" charset="-127"/>
+              </a:rPr>
+              <a:t>이벤트는 상호 작용이 발생한 위젯의 특정 이벤트 처리기에 전달</a:t>
+            </a:r>
+            <a:endParaRPr lang="en-US" altLang="ko-KR" dirty="0">
               <a:latin typeface="새굴림" panose="02030600000101010101" pitchFamily="18" charset="-127"/>
               <a:ea typeface="새굴림" panose="02030600000101010101" pitchFamily="18" charset="-127"/>
             </a:endParaRPr>
@@ -8276,7 +8742,7 @@
     </p:spTree>
     <p:extLst>
       <p:ext uri="{BB962C8B-B14F-4D97-AF65-F5344CB8AC3E}">
-        <p14:creationId xmlns:p14="http://schemas.microsoft.com/office/powerpoint/2010/main" val="1217873918"/>
+        <p14:creationId xmlns:p14="http://schemas.microsoft.com/office/powerpoint/2010/main" val="165384833"/>
       </p:ext>
     </p:extLst>
   </p:cSld>
@@ -8286,25 +8752,9 @@
 </p:sld>
 </file>
 
-<file path=ppt/slides/slide24.xml><?xml version="1.0" encoding="utf-8"?>
+<file path=ppt/slides/slide25.xml><?xml version="1.0" encoding="utf-8"?>
 <p:sld xmlns:a="http://schemas.openxmlformats.org/drawingml/2006/main" xmlns:r="http://schemas.openxmlformats.org/officeDocument/2006/relationships" xmlns:p="http://schemas.openxmlformats.org/presentationml/2006/main">
   <p:cSld>
-    <p:bg>
-      <p:bgPr>
-        <a:pattFill prst="lgGrid">
-          <a:fgClr>
-            <a:schemeClr val="bg1"/>
-          </a:fgClr>
-          <a:bgClr>
-            <a:schemeClr val="accent5">
-              <a:lumMod val="20000"/>
-              <a:lumOff val="80000"/>
-            </a:schemeClr>
-          </a:bgClr>
-        </a:pattFill>
-        <a:effectLst/>
-      </p:bgPr>
-    </p:bg>
     <p:spTree>
       <p:nvGrpSpPr>
         <p:cNvPr id="1" name=""/>
@@ -8363,47 +8813,21 @@
                 <a:latin typeface="새굴림" panose="02030600000101010101" pitchFamily="18" charset="-127"/>
                 <a:ea typeface="새굴림" panose="02030600000101010101" pitchFamily="18" charset="-127"/>
               </a:rPr>
-              <a:t>1. </a:t>
-            </a:r>
-            <a:r>
-              <a:rPr lang="ko-KR" altLang="en-US" dirty="0">
-                <a:latin typeface="새굴림" panose="02030600000101010101" pitchFamily="18" charset="-127"/>
-                <a:ea typeface="새굴림" panose="02030600000101010101" pitchFamily="18" charset="-127"/>
-              </a:rPr>
-              <a:t>신호와 슬롯</a:t>
-            </a:r>
-            <a:r>
-              <a:rPr lang="en-US" altLang="ko-KR" dirty="0">
-                <a:latin typeface="새굴림" panose="02030600000101010101" pitchFamily="18" charset="-127"/>
-                <a:ea typeface="새굴림" panose="02030600000101010101" pitchFamily="18" charset="-127"/>
-              </a:rPr>
-              <a:t>(Signals &amp; Slots)</a:t>
-            </a:r>
-            <a:br>
-              <a:rPr lang="en-US" altLang="ko-KR" dirty="0">
-                <a:latin typeface="새굴림" panose="02030600000101010101" pitchFamily="18" charset="-127"/>
-                <a:ea typeface="새굴림" panose="02030600000101010101" pitchFamily="18" charset="-127"/>
-              </a:rPr>
-            </a:br>
-            <a:r>
-              <a:rPr lang="en-US" altLang="ko-KR" sz="3600" dirty="0">
-                <a:solidFill>
-                  <a:srgbClr val="FF0000"/>
-                </a:solidFill>
-                <a:latin typeface="새굴림" panose="02030600000101010101" pitchFamily="18" charset="-127"/>
-                <a:ea typeface="새굴림" panose="02030600000101010101" pitchFamily="18" charset="-127"/>
-              </a:rPr>
-              <a:t>1-4. </a:t>
-            </a:r>
-            <a:r>
-              <a:rPr lang="ko-KR" altLang="en-US" sz="3600" dirty="0">
-                <a:solidFill>
-                  <a:srgbClr val="FF0000"/>
-                </a:solidFill>
-                <a:latin typeface="새굴림" panose="02030600000101010101" pitchFamily="18" charset="-127"/>
-                <a:ea typeface="새굴림" panose="02030600000101010101" pitchFamily="18" charset="-127"/>
-              </a:rPr>
-              <a:t>인터페이스 변경</a:t>
+              <a:t>2</a:t>
+            </a:r>
+            <a:r>
+              <a:rPr lang="en-US" altLang="ko-KR" dirty="0" smtClean="0">
+                <a:latin typeface="새굴림" panose="02030600000101010101" pitchFamily="18" charset="-127"/>
+                <a:ea typeface="새굴림" panose="02030600000101010101" pitchFamily="18" charset="-127"/>
+              </a:rPr>
+              <a:t>. </a:t>
+            </a:r>
+            <a:r>
+              <a:rPr lang="ko-KR" altLang="en-US" dirty="0" smtClean="0">
+                <a:latin typeface="새굴림" panose="02030600000101010101" pitchFamily="18" charset="-127"/>
+                <a:ea typeface="새굴림" panose="02030600000101010101" pitchFamily="18" charset="-127"/>
+              </a:rPr>
+              <a:t>이벤트</a:t>
             </a:r>
             <a:endParaRPr lang="ko-KR" altLang="en-US" dirty="0">
               <a:solidFill>
@@ -8451,7 +8875,65 @@
           </a:bodyPr>
           <a:lstStyle/>
           <a:p>
-            <a:endParaRPr lang="en-US" altLang="ko-KR">
+            <a:r>
+              <a:rPr lang="ko-KR" altLang="en-US" dirty="0" smtClean="0">
+                <a:latin typeface="새굴림" panose="02030600000101010101" pitchFamily="18" charset="-127"/>
+                <a:ea typeface="새굴림" panose="02030600000101010101" pitchFamily="18" charset="-127"/>
+              </a:rPr>
+              <a:t>사용자 지정 또는 확장 이벤트 처리기를 정의하여 위젯이 이러한 이벤트에 응답하는 방식을 변경할 수 있음</a:t>
+            </a:r>
+            <a:r>
+              <a:rPr lang="en-US" altLang="ko-KR" dirty="0" smtClean="0">
+                <a:latin typeface="새굴림" panose="02030600000101010101" pitchFamily="18" charset="-127"/>
+                <a:ea typeface="새굴림" panose="02030600000101010101" pitchFamily="18" charset="-127"/>
+              </a:rPr>
+              <a:t>.</a:t>
+            </a:r>
+          </a:p>
+          <a:p>
+            <a:endParaRPr lang="en-US" altLang="ko-KR" dirty="0">
+              <a:latin typeface="새굴림" panose="02030600000101010101" pitchFamily="18" charset="-127"/>
+              <a:ea typeface="새굴림" panose="02030600000101010101" pitchFamily="18" charset="-127"/>
+            </a:endParaRPr>
+          </a:p>
+          <a:p>
+            <a:r>
+              <a:rPr lang="ko-KR" altLang="en-US" dirty="0" smtClean="0">
+                <a:latin typeface="새굴림" panose="02030600000101010101" pitchFamily="18" charset="-127"/>
+                <a:ea typeface="새굴림" panose="02030600000101010101" pitchFamily="18" charset="-127"/>
+              </a:rPr>
+              <a:t>이벤트 처리기는 다른 메서드와 마찬가지로 정의되지만</a:t>
+            </a:r>
+            <a:r>
+              <a:rPr lang="en-US" altLang="ko-KR" dirty="0" smtClean="0">
+                <a:latin typeface="새굴림" panose="02030600000101010101" pitchFamily="18" charset="-127"/>
+                <a:ea typeface="새굴림" panose="02030600000101010101" pitchFamily="18" charset="-127"/>
+              </a:rPr>
+              <a:t>, </a:t>
+            </a:r>
+            <a:r>
+              <a:rPr lang="ko-KR" altLang="en-US" dirty="0" smtClean="0">
+                <a:latin typeface="새굴림" panose="02030600000101010101" pitchFamily="18" charset="-127"/>
+                <a:ea typeface="새굴림" panose="02030600000101010101" pitchFamily="18" charset="-127"/>
+              </a:rPr>
+              <a:t>이름은 처리하는 이벤트 유형에 따라 다름</a:t>
+            </a:r>
+            <a:r>
+              <a:rPr lang="en-US" altLang="ko-KR" dirty="0" smtClean="0">
+                <a:latin typeface="새굴림" panose="02030600000101010101" pitchFamily="18" charset="-127"/>
+                <a:ea typeface="새굴림" panose="02030600000101010101" pitchFamily="18" charset="-127"/>
+              </a:rPr>
+              <a:t>.</a:t>
+            </a:r>
+          </a:p>
+          <a:p>
+            <a:endParaRPr lang="en-US" altLang="ko-KR" dirty="0">
+              <a:latin typeface="새굴림" panose="02030600000101010101" pitchFamily="18" charset="-127"/>
+              <a:ea typeface="새굴림" panose="02030600000101010101" pitchFamily="18" charset="-127"/>
+            </a:endParaRPr>
+          </a:p>
+          <a:p>
+            <a:endParaRPr lang="en-US" altLang="ko-KR" dirty="0">
               <a:latin typeface="새굴림" panose="02030600000101010101" pitchFamily="18" charset="-127"/>
               <a:ea typeface="새굴림" panose="02030600000101010101" pitchFamily="18" charset="-127"/>
             </a:endParaRPr>
@@ -8461,7 +8943,7 @@
     </p:spTree>
     <p:extLst>
       <p:ext uri="{BB962C8B-B14F-4D97-AF65-F5344CB8AC3E}">
-        <p14:creationId xmlns:p14="http://schemas.microsoft.com/office/powerpoint/2010/main" val="2976255954"/>
+        <p14:creationId xmlns:p14="http://schemas.microsoft.com/office/powerpoint/2010/main" val="43584962"/>
       </p:ext>
     </p:extLst>
   </p:cSld>
@@ -8471,7 +8953,2243 @@
 </p:sld>
 </file>
 
-<file path=ppt/slides/slide25.xml><?xml version="1.0" encoding="utf-8"?>
+<file path=ppt/slides/slide26.xml><?xml version="1.0" encoding="utf-8"?>
+<p:sld xmlns:a="http://schemas.openxmlformats.org/drawingml/2006/main" xmlns:r="http://schemas.openxmlformats.org/officeDocument/2006/relationships" xmlns:p="http://schemas.openxmlformats.org/presentationml/2006/main">
+  <p:cSld>
+    <p:spTree>
+      <p:nvGrpSpPr>
+        <p:cNvPr id="1" name=""/>
+        <p:cNvGrpSpPr/>
+        <p:nvPr/>
+      </p:nvGrpSpPr>
+      <p:grpSpPr>
+        <a:xfrm>
+          <a:off x="0" y="0"/>
+          <a:ext cx="0" cy="0"/>
+          <a:chOff x="0" y="0"/>
+          <a:chExt cx="0" cy="0"/>
+        </a:xfrm>
+      </p:grpSpPr>
+      <p:sp>
+        <p:nvSpPr>
+          <p:cNvPr id="2" name="제목 1">
+            <a:extLst>
+              <a:ext uri="{FF2B5EF4-FFF2-40B4-BE49-F238E27FC236}">
+                <a16:creationId xmlns:a16="http://schemas.microsoft.com/office/drawing/2014/main" id="{47D4526C-2EFC-447E-977E-FABBF1004F64}"/>
+              </a:ext>
+            </a:extLst>
+          </p:cNvPr>
+          <p:cNvSpPr>
+            <a:spLocks noGrp="1"/>
+          </p:cNvSpPr>
+          <p:nvPr>
+            <p:ph type="title"/>
+          </p:nvPr>
+        </p:nvSpPr>
+        <p:spPr>
+          <a:xfrm>
+            <a:off x="838200" y="365126"/>
+            <a:ext cx="10515600" cy="1314384"/>
+          </a:xfrm>
+          <a:solidFill>
+            <a:schemeClr val="accent4">
+              <a:lumMod val="20000"/>
+              <a:lumOff val="80000"/>
+            </a:schemeClr>
+          </a:solidFill>
+          <a:ln>
+            <a:solidFill>
+              <a:schemeClr val="tx1"/>
+            </a:solidFill>
+          </a:ln>
+        </p:spPr>
+        <p:txBody>
+          <a:bodyPr>
+            <a:normAutofit/>
+          </a:bodyPr>
+          <a:lstStyle/>
+          <a:p>
+            <a:r>
+              <a:rPr lang="en-US" altLang="ko-KR" dirty="0" smtClean="0">
+                <a:latin typeface="새굴림" panose="02030600000101010101" pitchFamily="18" charset="-127"/>
+                <a:ea typeface="새굴림" panose="02030600000101010101" pitchFamily="18" charset="-127"/>
+              </a:rPr>
+              <a:t>2. </a:t>
+            </a:r>
+            <a:r>
+              <a:rPr lang="ko-KR" altLang="en-US" dirty="0" smtClean="0">
+                <a:latin typeface="새굴림" panose="02030600000101010101" pitchFamily="18" charset="-127"/>
+                <a:ea typeface="새굴림" panose="02030600000101010101" pitchFamily="18" charset="-127"/>
+              </a:rPr>
+              <a:t>이벤트</a:t>
+            </a:r>
+            <a:r>
+              <a:rPr lang="en-US" altLang="ko-KR" dirty="0" smtClean="0">
+                <a:latin typeface="새굴림" panose="02030600000101010101" pitchFamily="18" charset="-127"/>
+                <a:ea typeface="새굴림" panose="02030600000101010101" pitchFamily="18" charset="-127"/>
+              </a:rPr>
+              <a:t/>
+            </a:r>
+            <a:br>
+              <a:rPr lang="en-US" altLang="ko-KR" dirty="0" smtClean="0">
+                <a:latin typeface="새굴림" panose="02030600000101010101" pitchFamily="18" charset="-127"/>
+                <a:ea typeface="새굴림" panose="02030600000101010101" pitchFamily="18" charset="-127"/>
+              </a:rPr>
+            </a:br>
+            <a:r>
+              <a:rPr lang="en-US" altLang="ko-KR" sz="3600" dirty="0" smtClean="0">
+                <a:solidFill>
+                  <a:srgbClr val="FF0000"/>
+                </a:solidFill>
+                <a:latin typeface="새굴림" panose="02030600000101010101" pitchFamily="18" charset="-127"/>
+                <a:ea typeface="새굴림" panose="02030600000101010101" pitchFamily="18" charset="-127"/>
+              </a:rPr>
+              <a:t>2-1. </a:t>
+            </a:r>
+            <a:r>
+              <a:rPr lang="ko-KR" altLang="en-US" sz="3600" dirty="0" smtClean="0">
+                <a:solidFill>
+                  <a:srgbClr val="FF0000"/>
+                </a:solidFill>
+                <a:latin typeface="새굴림" panose="02030600000101010101" pitchFamily="18" charset="-127"/>
+                <a:ea typeface="새굴림" panose="02030600000101010101" pitchFamily="18" charset="-127"/>
+              </a:rPr>
+              <a:t>마우스 이벤트</a:t>
+            </a:r>
+            <a:r>
+              <a:rPr lang="en-US" altLang="ko-KR" sz="3600" dirty="0" smtClean="0">
+                <a:solidFill>
+                  <a:srgbClr val="FF0000"/>
+                </a:solidFill>
+                <a:latin typeface="새굴림" panose="02030600000101010101" pitchFamily="18" charset="-127"/>
+                <a:ea typeface="새굴림" panose="02030600000101010101" pitchFamily="18" charset="-127"/>
+              </a:rPr>
+              <a:t>(</a:t>
+            </a:r>
+            <a:r>
+              <a:rPr lang="en-US" altLang="ko-KR" sz="3600" dirty="0" err="1" smtClean="0">
+                <a:solidFill>
+                  <a:srgbClr val="FF0000"/>
+                </a:solidFill>
+                <a:latin typeface="새굴림" panose="02030600000101010101" pitchFamily="18" charset="-127"/>
+                <a:ea typeface="새굴림" panose="02030600000101010101" pitchFamily="18" charset="-127"/>
+              </a:rPr>
+              <a:t>QMouseEvent</a:t>
+            </a:r>
+            <a:r>
+              <a:rPr lang="en-US" altLang="ko-KR" sz="3600" dirty="0" smtClean="0">
+                <a:solidFill>
+                  <a:srgbClr val="FF0000"/>
+                </a:solidFill>
+                <a:latin typeface="새굴림" panose="02030600000101010101" pitchFamily="18" charset="-127"/>
+                <a:ea typeface="새굴림" panose="02030600000101010101" pitchFamily="18" charset="-127"/>
+              </a:rPr>
+              <a:t>)</a:t>
+            </a:r>
+            <a:endParaRPr lang="ko-KR" altLang="en-US" dirty="0">
+              <a:solidFill>
+                <a:srgbClr val="FF0000"/>
+              </a:solidFill>
+              <a:latin typeface="새굴림" panose="02030600000101010101" pitchFamily="18" charset="-127"/>
+              <a:ea typeface="새굴림" panose="02030600000101010101" pitchFamily="18" charset="-127"/>
+            </a:endParaRPr>
+          </a:p>
+        </p:txBody>
+      </p:sp>
+      <p:sp>
+        <p:nvSpPr>
+          <p:cNvPr id="3" name="내용 개체 틀 2">
+            <a:extLst>
+              <a:ext uri="{FF2B5EF4-FFF2-40B4-BE49-F238E27FC236}">
+                <a16:creationId xmlns:a16="http://schemas.microsoft.com/office/drawing/2014/main" id="{DAA6DC13-E3BF-43F6-A01C-62FC187D8499}"/>
+              </a:ext>
+            </a:extLst>
+          </p:cNvPr>
+          <p:cNvSpPr>
+            <a:spLocks noGrp="1"/>
+          </p:cNvSpPr>
+          <p:nvPr>
+            <p:ph idx="1"/>
+          </p:nvPr>
+        </p:nvSpPr>
+        <p:spPr>
+          <a:xfrm>
+            <a:off x="838200" y="1931437"/>
+            <a:ext cx="10515600" cy="1584847"/>
+          </a:xfrm>
+          <a:solidFill>
+            <a:schemeClr val="bg1"/>
+          </a:solidFill>
+          <a:ln>
+            <a:solidFill>
+              <a:schemeClr val="tx1"/>
+            </a:solidFill>
+          </a:ln>
+        </p:spPr>
+        <p:txBody>
+          <a:bodyPr>
+            <a:normAutofit/>
+          </a:bodyPr>
+          <a:lstStyle/>
+          <a:p>
+            <a:r>
+              <a:rPr lang="ko-KR" altLang="en-US" dirty="0" smtClean="0">
+                <a:latin typeface="새굴림" panose="02030600000101010101" pitchFamily="18" charset="-127"/>
+                <a:ea typeface="새굴림" panose="02030600000101010101" pitchFamily="18" charset="-127"/>
+              </a:rPr>
+              <a:t>위젯이 받는 주요 이벤트 중 하나는 </a:t>
+            </a:r>
+            <a:r>
+              <a:rPr lang="en-US" altLang="ko-KR" dirty="0" err="1" smtClean="0">
+                <a:latin typeface="새굴림" panose="02030600000101010101" pitchFamily="18" charset="-127"/>
+                <a:ea typeface="새굴림" panose="02030600000101010101" pitchFamily="18" charset="-127"/>
+              </a:rPr>
+              <a:t>QMouseEvent</a:t>
+            </a:r>
+            <a:endParaRPr lang="en-US" altLang="ko-KR" dirty="0">
+              <a:latin typeface="새굴림" panose="02030600000101010101" pitchFamily="18" charset="-127"/>
+              <a:ea typeface="새굴림" panose="02030600000101010101" pitchFamily="18" charset="-127"/>
+            </a:endParaRPr>
+          </a:p>
+          <a:p>
+            <a:r>
+              <a:rPr lang="ko-KR" altLang="en-US" dirty="0" smtClean="0">
+                <a:latin typeface="새굴림" panose="02030600000101010101" pitchFamily="18" charset="-127"/>
+                <a:ea typeface="새굴림" panose="02030600000101010101" pitchFamily="18" charset="-127"/>
+              </a:rPr>
+              <a:t>마우스 이벤트를 처리하는 데 사용할 수 있는 이벤트 처리기는 아래와 같음</a:t>
+            </a:r>
+            <a:r>
+              <a:rPr lang="en-US" altLang="ko-KR" dirty="0" smtClean="0">
+                <a:latin typeface="새굴림" panose="02030600000101010101" pitchFamily="18" charset="-127"/>
+                <a:ea typeface="새굴림" panose="02030600000101010101" pitchFamily="18" charset="-127"/>
+              </a:rPr>
+              <a:t>.</a:t>
+            </a:r>
+            <a:endParaRPr lang="en-US" altLang="ko-KR" dirty="0">
+              <a:latin typeface="새굴림" panose="02030600000101010101" pitchFamily="18" charset="-127"/>
+              <a:ea typeface="새굴림" panose="02030600000101010101" pitchFamily="18" charset="-127"/>
+            </a:endParaRPr>
+          </a:p>
+        </p:txBody>
+      </p:sp>
+      <p:pic>
+        <p:nvPicPr>
+          <p:cNvPr id="4" name="그림 3"/>
+          <p:cNvPicPr>
+            <a:picLocks noChangeAspect="1"/>
+          </p:cNvPicPr>
+          <p:nvPr/>
+        </p:nvPicPr>
+        <p:blipFill>
+          <a:blip r:embed="rId2"/>
+          <a:stretch>
+            <a:fillRect/>
+          </a:stretch>
+        </p:blipFill>
+        <p:spPr>
+          <a:xfrm>
+            <a:off x="838199" y="3680978"/>
+            <a:ext cx="6843043" cy="2512003"/>
+          </a:xfrm>
+          <a:prstGeom prst="rect">
+            <a:avLst/>
+          </a:prstGeom>
+          <a:ln w="38100" cap="sq">
+            <a:solidFill>
+              <a:srgbClr val="000000"/>
+            </a:solidFill>
+            <a:prstDash val="solid"/>
+            <a:miter lim="800000"/>
+          </a:ln>
+          <a:effectLst>
+            <a:outerShdw blurRad="50800" dist="38100" dir="2700000" algn="tl" rotWithShape="0">
+              <a:srgbClr val="000000">
+                <a:alpha val="43000"/>
+              </a:srgbClr>
+            </a:outerShdw>
+          </a:effectLst>
+        </p:spPr>
+      </p:pic>
+    </p:spTree>
+    <p:extLst>
+      <p:ext uri="{BB962C8B-B14F-4D97-AF65-F5344CB8AC3E}">
+        <p14:creationId xmlns:p14="http://schemas.microsoft.com/office/powerpoint/2010/main" val="4124405351"/>
+      </p:ext>
+    </p:extLst>
+  </p:cSld>
+  <p:clrMapOvr>
+    <a:masterClrMapping/>
+  </p:clrMapOvr>
+</p:sld>
+</file>
+
+<file path=ppt/slides/slide27.xml><?xml version="1.0" encoding="utf-8"?>
+<p:sld xmlns:a="http://schemas.openxmlformats.org/drawingml/2006/main" xmlns:r="http://schemas.openxmlformats.org/officeDocument/2006/relationships" xmlns:p="http://schemas.openxmlformats.org/presentationml/2006/main">
+  <p:cSld>
+    <p:spTree>
+      <p:nvGrpSpPr>
+        <p:cNvPr id="1" name=""/>
+        <p:cNvGrpSpPr/>
+        <p:nvPr/>
+      </p:nvGrpSpPr>
+      <p:grpSpPr>
+        <a:xfrm>
+          <a:off x="0" y="0"/>
+          <a:ext cx="0" cy="0"/>
+          <a:chOff x="0" y="0"/>
+          <a:chExt cx="0" cy="0"/>
+        </a:xfrm>
+      </p:grpSpPr>
+      <p:sp>
+        <p:nvSpPr>
+          <p:cNvPr id="2" name="제목 1">
+            <a:extLst>
+              <a:ext uri="{FF2B5EF4-FFF2-40B4-BE49-F238E27FC236}">
+                <a16:creationId xmlns:a16="http://schemas.microsoft.com/office/drawing/2014/main" id="{47D4526C-2EFC-447E-977E-FABBF1004F64}"/>
+              </a:ext>
+            </a:extLst>
+          </p:cNvPr>
+          <p:cNvSpPr>
+            <a:spLocks noGrp="1"/>
+          </p:cNvSpPr>
+          <p:nvPr>
+            <p:ph type="title"/>
+          </p:nvPr>
+        </p:nvSpPr>
+        <p:spPr>
+          <a:xfrm>
+            <a:off x="838200" y="365126"/>
+            <a:ext cx="4964084" cy="1314384"/>
+          </a:xfrm>
+          <a:solidFill>
+            <a:schemeClr val="accent4">
+              <a:lumMod val="20000"/>
+              <a:lumOff val="80000"/>
+            </a:schemeClr>
+          </a:solidFill>
+          <a:ln>
+            <a:solidFill>
+              <a:schemeClr val="tx1"/>
+            </a:solidFill>
+          </a:ln>
+        </p:spPr>
+        <p:txBody>
+          <a:bodyPr>
+            <a:noAutofit/>
+          </a:bodyPr>
+          <a:lstStyle/>
+          <a:p>
+            <a:r>
+              <a:rPr lang="en-US" altLang="ko-KR" sz="2800" dirty="0">
+                <a:latin typeface="새굴림" panose="02030600000101010101" pitchFamily="18" charset="-127"/>
+                <a:ea typeface="새굴림" panose="02030600000101010101" pitchFamily="18" charset="-127"/>
+              </a:rPr>
+              <a:t>2. </a:t>
+            </a:r>
+            <a:r>
+              <a:rPr lang="ko-KR" altLang="en-US" sz="2800" dirty="0">
+                <a:latin typeface="새굴림" panose="02030600000101010101" pitchFamily="18" charset="-127"/>
+                <a:ea typeface="새굴림" panose="02030600000101010101" pitchFamily="18" charset="-127"/>
+              </a:rPr>
+              <a:t>이벤트</a:t>
+            </a:r>
+            <a:r>
+              <a:rPr lang="en-US" altLang="ko-KR" sz="2800" dirty="0">
+                <a:latin typeface="새굴림" panose="02030600000101010101" pitchFamily="18" charset="-127"/>
+                <a:ea typeface="새굴림" panose="02030600000101010101" pitchFamily="18" charset="-127"/>
+              </a:rPr>
+              <a:t/>
+            </a:r>
+            <a:br>
+              <a:rPr lang="en-US" altLang="ko-KR" sz="2800" dirty="0">
+                <a:latin typeface="새굴림" panose="02030600000101010101" pitchFamily="18" charset="-127"/>
+                <a:ea typeface="새굴림" panose="02030600000101010101" pitchFamily="18" charset="-127"/>
+              </a:rPr>
+            </a:br>
+            <a:r>
+              <a:rPr lang="en-US" altLang="ko-KR" sz="2800" dirty="0">
+                <a:solidFill>
+                  <a:srgbClr val="FF0000"/>
+                </a:solidFill>
+                <a:latin typeface="새굴림" panose="02030600000101010101" pitchFamily="18" charset="-127"/>
+                <a:ea typeface="새굴림" panose="02030600000101010101" pitchFamily="18" charset="-127"/>
+              </a:rPr>
+              <a:t>2-1. </a:t>
+            </a:r>
+            <a:r>
+              <a:rPr lang="ko-KR" altLang="en-US" sz="2800" dirty="0">
+                <a:solidFill>
+                  <a:srgbClr val="FF0000"/>
+                </a:solidFill>
+                <a:latin typeface="새굴림" panose="02030600000101010101" pitchFamily="18" charset="-127"/>
+                <a:ea typeface="새굴림" panose="02030600000101010101" pitchFamily="18" charset="-127"/>
+              </a:rPr>
+              <a:t>마우스 이벤트</a:t>
+            </a:r>
+            <a:r>
+              <a:rPr lang="en-US" altLang="ko-KR" sz="2800" dirty="0">
+                <a:solidFill>
+                  <a:srgbClr val="FF0000"/>
+                </a:solidFill>
+                <a:latin typeface="새굴림" panose="02030600000101010101" pitchFamily="18" charset="-127"/>
+                <a:ea typeface="새굴림" panose="02030600000101010101" pitchFamily="18" charset="-127"/>
+              </a:rPr>
+              <a:t>(</a:t>
+            </a:r>
+            <a:r>
+              <a:rPr lang="en-US" altLang="ko-KR" sz="2800" dirty="0" err="1">
+                <a:solidFill>
+                  <a:srgbClr val="FF0000"/>
+                </a:solidFill>
+                <a:latin typeface="새굴림" panose="02030600000101010101" pitchFamily="18" charset="-127"/>
+                <a:ea typeface="새굴림" panose="02030600000101010101" pitchFamily="18" charset="-127"/>
+              </a:rPr>
+              <a:t>QMouseEvent</a:t>
+            </a:r>
+            <a:r>
+              <a:rPr lang="en-US" altLang="ko-KR" sz="2800" dirty="0">
+                <a:solidFill>
+                  <a:srgbClr val="FF0000"/>
+                </a:solidFill>
+                <a:latin typeface="새굴림" panose="02030600000101010101" pitchFamily="18" charset="-127"/>
+                <a:ea typeface="새굴림" panose="02030600000101010101" pitchFamily="18" charset="-127"/>
+              </a:rPr>
+              <a:t>)</a:t>
+            </a:r>
+            <a:endParaRPr lang="ko-KR" altLang="en-US" sz="2800" dirty="0">
+              <a:solidFill>
+                <a:srgbClr val="FF0000"/>
+              </a:solidFill>
+              <a:latin typeface="새굴림" panose="02030600000101010101" pitchFamily="18" charset="-127"/>
+              <a:ea typeface="새굴림" panose="02030600000101010101" pitchFamily="18" charset="-127"/>
+            </a:endParaRPr>
+          </a:p>
+        </p:txBody>
+      </p:sp>
+      <p:sp>
+        <p:nvSpPr>
+          <p:cNvPr id="3" name="내용 개체 틀 2">
+            <a:extLst>
+              <a:ext uri="{FF2B5EF4-FFF2-40B4-BE49-F238E27FC236}">
+                <a16:creationId xmlns:a16="http://schemas.microsoft.com/office/drawing/2014/main" id="{DAA6DC13-E3BF-43F6-A01C-62FC187D8499}"/>
+              </a:ext>
+            </a:extLst>
+          </p:cNvPr>
+          <p:cNvSpPr>
+            <a:spLocks noGrp="1"/>
+          </p:cNvSpPr>
+          <p:nvPr>
+            <p:ph idx="1"/>
+          </p:nvPr>
+        </p:nvSpPr>
+        <p:spPr>
+          <a:xfrm>
+            <a:off x="838200" y="1931437"/>
+            <a:ext cx="4964084" cy="3058574"/>
+          </a:xfrm>
+          <a:solidFill>
+            <a:schemeClr val="bg1"/>
+          </a:solidFill>
+          <a:ln>
+            <a:solidFill>
+              <a:schemeClr val="tx1"/>
+            </a:solidFill>
+          </a:ln>
+        </p:spPr>
+        <p:txBody>
+          <a:bodyPr>
+            <a:normAutofit/>
+          </a:bodyPr>
+          <a:lstStyle/>
+          <a:p>
+            <a:r>
+              <a:rPr lang="ko-KR" altLang="en-US" dirty="0" smtClean="0">
+                <a:latin typeface="새굴림" panose="02030600000101010101" pitchFamily="18" charset="-127"/>
+                <a:ea typeface="새굴림" panose="02030600000101010101" pitchFamily="18" charset="-127"/>
+              </a:rPr>
+              <a:t>마우스 이동 이벤트는 버튼을 누르고 있을 때만 발생</a:t>
+            </a:r>
+            <a:endParaRPr lang="en-US" altLang="ko-KR" dirty="0" smtClean="0">
+              <a:latin typeface="새굴림" panose="02030600000101010101" pitchFamily="18" charset="-127"/>
+              <a:ea typeface="새굴림" panose="02030600000101010101" pitchFamily="18" charset="-127"/>
+            </a:endParaRPr>
+          </a:p>
+          <a:p>
+            <a:r>
+              <a:rPr lang="ko-KR" altLang="en-US" dirty="0" smtClean="0">
+                <a:latin typeface="새굴림" panose="02030600000101010101" pitchFamily="18" charset="-127"/>
+                <a:ea typeface="새굴림" panose="02030600000101010101" pitchFamily="18" charset="-127"/>
+              </a:rPr>
+              <a:t>버튼이 해제될 때만 </a:t>
+            </a:r>
+            <a:r>
+              <a:rPr lang="en-US" altLang="ko-KR" dirty="0" smtClean="0">
+                <a:latin typeface="새굴림" panose="02030600000101010101" pitchFamily="18" charset="-127"/>
+                <a:ea typeface="새굴림" panose="02030600000101010101" pitchFamily="18" charset="-127"/>
+              </a:rPr>
+              <a:t>release </a:t>
+            </a:r>
+            <a:r>
+              <a:rPr lang="ko-KR" altLang="en-US" dirty="0" smtClean="0">
+                <a:latin typeface="새굴림" panose="02030600000101010101" pitchFamily="18" charset="-127"/>
+                <a:ea typeface="새굴림" panose="02030600000101010101" pitchFamily="18" charset="-127"/>
+              </a:rPr>
+              <a:t>이벤트 발생</a:t>
+            </a:r>
+            <a:r>
+              <a:rPr lang="en-US" altLang="ko-KR" dirty="0" smtClean="0">
+                <a:latin typeface="새굴림" panose="02030600000101010101" pitchFamily="18" charset="-127"/>
+                <a:ea typeface="새굴림" panose="02030600000101010101" pitchFamily="18" charset="-127"/>
+              </a:rPr>
+              <a:t>. </a:t>
+            </a:r>
+            <a:r>
+              <a:rPr lang="ko-KR" altLang="en-US" dirty="0" smtClean="0">
+                <a:latin typeface="새굴림" panose="02030600000101010101" pitchFamily="18" charset="-127"/>
+                <a:ea typeface="새굴림" panose="02030600000101010101" pitchFamily="18" charset="-127"/>
+              </a:rPr>
+              <a:t>일반적으로 사용자의 클릭을 등록하려면 마우스를 누르는 것과 손을 떼는 것을 모두 관찰</a:t>
+            </a:r>
+            <a:endParaRPr lang="en-US" altLang="ko-KR" dirty="0">
+              <a:latin typeface="새굴림" panose="02030600000101010101" pitchFamily="18" charset="-127"/>
+              <a:ea typeface="새굴림" panose="02030600000101010101" pitchFamily="18" charset="-127"/>
+            </a:endParaRPr>
+          </a:p>
+        </p:txBody>
+      </p:sp>
+      <p:pic>
+        <p:nvPicPr>
+          <p:cNvPr id="4" name="그림 3"/>
+          <p:cNvPicPr>
+            <a:picLocks noChangeAspect="1"/>
+          </p:cNvPicPr>
+          <p:nvPr/>
+        </p:nvPicPr>
+        <p:blipFill>
+          <a:blip r:embed="rId2"/>
+          <a:stretch>
+            <a:fillRect/>
+          </a:stretch>
+        </p:blipFill>
+        <p:spPr>
+          <a:xfrm>
+            <a:off x="5936846" y="365126"/>
+            <a:ext cx="5505450" cy="5667375"/>
+          </a:xfrm>
+          <a:prstGeom prst="rect">
+            <a:avLst/>
+          </a:prstGeom>
+          <a:ln w="38100" cap="sq">
+            <a:solidFill>
+              <a:srgbClr val="000000"/>
+            </a:solidFill>
+            <a:prstDash val="solid"/>
+            <a:miter lim="800000"/>
+          </a:ln>
+          <a:effectLst>
+            <a:outerShdw blurRad="50800" dist="38100" dir="2700000" algn="tl" rotWithShape="0">
+              <a:srgbClr val="000000">
+                <a:alpha val="43000"/>
+              </a:srgbClr>
+            </a:outerShdw>
+          </a:effectLst>
+        </p:spPr>
+      </p:pic>
+      <p:pic>
+        <p:nvPicPr>
+          <p:cNvPr id="5" name="그림 4"/>
+          <p:cNvPicPr>
+            <a:picLocks noChangeAspect="1"/>
+          </p:cNvPicPr>
+          <p:nvPr/>
+        </p:nvPicPr>
+        <p:blipFill>
+          <a:blip r:embed="rId3"/>
+          <a:stretch>
+            <a:fillRect/>
+          </a:stretch>
+        </p:blipFill>
+        <p:spPr>
+          <a:xfrm>
+            <a:off x="3931919" y="5108605"/>
+            <a:ext cx="1800399" cy="1070692"/>
+          </a:xfrm>
+          <a:prstGeom prst="rect">
+            <a:avLst/>
+          </a:prstGeom>
+          <a:ln w="38100" cap="sq">
+            <a:solidFill>
+              <a:srgbClr val="000000"/>
+            </a:solidFill>
+            <a:prstDash val="solid"/>
+            <a:miter lim="800000"/>
+          </a:ln>
+          <a:effectLst>
+            <a:outerShdw blurRad="50800" dist="38100" dir="2700000" algn="tl" rotWithShape="0">
+              <a:srgbClr val="000000">
+                <a:alpha val="43000"/>
+              </a:srgbClr>
+            </a:outerShdw>
+          </a:effectLst>
+        </p:spPr>
+      </p:pic>
+    </p:spTree>
+    <p:extLst>
+      <p:ext uri="{BB962C8B-B14F-4D97-AF65-F5344CB8AC3E}">
+        <p14:creationId xmlns:p14="http://schemas.microsoft.com/office/powerpoint/2010/main" val="663149770"/>
+      </p:ext>
+    </p:extLst>
+  </p:cSld>
+  <p:clrMapOvr>
+    <a:masterClrMapping/>
+  </p:clrMapOvr>
+</p:sld>
+</file>
+
+<file path=ppt/slides/slide28.xml><?xml version="1.0" encoding="utf-8"?>
+<p:sld xmlns:a="http://schemas.openxmlformats.org/drawingml/2006/main" xmlns:r="http://schemas.openxmlformats.org/officeDocument/2006/relationships" xmlns:p="http://schemas.openxmlformats.org/presentationml/2006/main">
+  <p:cSld>
+    <p:spTree>
+      <p:nvGrpSpPr>
+        <p:cNvPr id="1" name=""/>
+        <p:cNvGrpSpPr/>
+        <p:nvPr/>
+      </p:nvGrpSpPr>
+      <p:grpSpPr>
+        <a:xfrm>
+          <a:off x="0" y="0"/>
+          <a:ext cx="0" cy="0"/>
+          <a:chOff x="0" y="0"/>
+          <a:chExt cx="0" cy="0"/>
+        </a:xfrm>
+      </p:grpSpPr>
+      <p:sp>
+        <p:nvSpPr>
+          <p:cNvPr id="2" name="제목 1">
+            <a:extLst>
+              <a:ext uri="{FF2B5EF4-FFF2-40B4-BE49-F238E27FC236}">
+                <a16:creationId xmlns:a16="http://schemas.microsoft.com/office/drawing/2014/main" id="{47D4526C-2EFC-447E-977E-FABBF1004F64}"/>
+              </a:ext>
+            </a:extLst>
+          </p:cNvPr>
+          <p:cNvSpPr>
+            <a:spLocks noGrp="1"/>
+          </p:cNvSpPr>
+          <p:nvPr>
+            <p:ph type="title"/>
+          </p:nvPr>
+        </p:nvSpPr>
+        <p:spPr>
+          <a:xfrm>
+            <a:off x="838200" y="365126"/>
+            <a:ext cx="10515600" cy="1314384"/>
+          </a:xfrm>
+          <a:solidFill>
+            <a:schemeClr val="accent4">
+              <a:lumMod val="20000"/>
+              <a:lumOff val="80000"/>
+            </a:schemeClr>
+          </a:solidFill>
+          <a:ln>
+            <a:solidFill>
+              <a:schemeClr val="tx1"/>
+            </a:solidFill>
+          </a:ln>
+        </p:spPr>
+        <p:txBody>
+          <a:bodyPr>
+            <a:normAutofit/>
+          </a:bodyPr>
+          <a:lstStyle/>
+          <a:p>
+            <a:r>
+              <a:rPr lang="en-US" altLang="ko-KR" dirty="0">
+                <a:latin typeface="새굴림" panose="02030600000101010101" pitchFamily="18" charset="-127"/>
+                <a:ea typeface="새굴림" panose="02030600000101010101" pitchFamily="18" charset="-127"/>
+              </a:rPr>
+              <a:t>2. </a:t>
+            </a:r>
+            <a:r>
+              <a:rPr lang="ko-KR" altLang="en-US" dirty="0">
+                <a:latin typeface="새굴림" panose="02030600000101010101" pitchFamily="18" charset="-127"/>
+                <a:ea typeface="새굴림" panose="02030600000101010101" pitchFamily="18" charset="-127"/>
+              </a:rPr>
+              <a:t>이벤트</a:t>
+            </a:r>
+            <a:r>
+              <a:rPr lang="en-US" altLang="ko-KR" dirty="0">
+                <a:latin typeface="새굴림" panose="02030600000101010101" pitchFamily="18" charset="-127"/>
+                <a:ea typeface="새굴림" panose="02030600000101010101" pitchFamily="18" charset="-127"/>
+              </a:rPr>
+              <a:t/>
+            </a:r>
+            <a:br>
+              <a:rPr lang="en-US" altLang="ko-KR" dirty="0">
+                <a:latin typeface="새굴림" panose="02030600000101010101" pitchFamily="18" charset="-127"/>
+                <a:ea typeface="새굴림" panose="02030600000101010101" pitchFamily="18" charset="-127"/>
+              </a:rPr>
+            </a:br>
+            <a:r>
+              <a:rPr lang="en-US" altLang="ko-KR" dirty="0">
+                <a:solidFill>
+                  <a:srgbClr val="FF0000"/>
+                </a:solidFill>
+                <a:latin typeface="새굴림" panose="02030600000101010101" pitchFamily="18" charset="-127"/>
+                <a:ea typeface="새굴림" panose="02030600000101010101" pitchFamily="18" charset="-127"/>
+              </a:rPr>
+              <a:t>2-1. </a:t>
+            </a:r>
+            <a:r>
+              <a:rPr lang="ko-KR" altLang="en-US" dirty="0">
+                <a:solidFill>
+                  <a:srgbClr val="FF0000"/>
+                </a:solidFill>
+                <a:latin typeface="새굴림" panose="02030600000101010101" pitchFamily="18" charset="-127"/>
+                <a:ea typeface="새굴림" panose="02030600000101010101" pitchFamily="18" charset="-127"/>
+              </a:rPr>
+              <a:t>마우스 이벤트</a:t>
+            </a:r>
+            <a:r>
+              <a:rPr lang="en-US" altLang="ko-KR" dirty="0">
+                <a:solidFill>
+                  <a:srgbClr val="FF0000"/>
+                </a:solidFill>
+                <a:latin typeface="새굴림" panose="02030600000101010101" pitchFamily="18" charset="-127"/>
+                <a:ea typeface="새굴림" panose="02030600000101010101" pitchFamily="18" charset="-127"/>
+              </a:rPr>
+              <a:t>(</a:t>
+            </a:r>
+            <a:r>
+              <a:rPr lang="en-US" altLang="ko-KR" dirty="0" err="1">
+                <a:solidFill>
+                  <a:srgbClr val="FF0000"/>
+                </a:solidFill>
+                <a:latin typeface="새굴림" panose="02030600000101010101" pitchFamily="18" charset="-127"/>
+                <a:ea typeface="새굴림" panose="02030600000101010101" pitchFamily="18" charset="-127"/>
+              </a:rPr>
+              <a:t>QMouseEvent</a:t>
+            </a:r>
+            <a:r>
+              <a:rPr lang="en-US" altLang="ko-KR" dirty="0">
+                <a:solidFill>
+                  <a:srgbClr val="FF0000"/>
+                </a:solidFill>
+                <a:latin typeface="새굴림" panose="02030600000101010101" pitchFamily="18" charset="-127"/>
+                <a:ea typeface="새굴림" panose="02030600000101010101" pitchFamily="18" charset="-127"/>
+              </a:rPr>
+              <a:t>)</a:t>
+            </a:r>
+            <a:endParaRPr lang="ko-KR" altLang="en-US" dirty="0">
+              <a:solidFill>
+                <a:srgbClr val="FF0000"/>
+              </a:solidFill>
+              <a:latin typeface="새굴림" panose="02030600000101010101" pitchFamily="18" charset="-127"/>
+              <a:ea typeface="새굴림" panose="02030600000101010101" pitchFamily="18" charset="-127"/>
+            </a:endParaRPr>
+          </a:p>
+        </p:txBody>
+      </p:sp>
+      <p:sp>
+        <p:nvSpPr>
+          <p:cNvPr id="3" name="내용 개체 틀 2">
+            <a:extLst>
+              <a:ext uri="{FF2B5EF4-FFF2-40B4-BE49-F238E27FC236}">
+                <a16:creationId xmlns:a16="http://schemas.microsoft.com/office/drawing/2014/main" id="{DAA6DC13-E3BF-43F6-A01C-62FC187D8499}"/>
+              </a:ext>
+            </a:extLst>
+          </p:cNvPr>
+          <p:cNvSpPr>
+            <a:spLocks noGrp="1"/>
+          </p:cNvSpPr>
+          <p:nvPr>
+            <p:ph idx="1"/>
+          </p:nvPr>
+        </p:nvSpPr>
+        <p:spPr>
+          <a:xfrm>
+            <a:off x="838200" y="1931437"/>
+            <a:ext cx="10515600" cy="886578"/>
+          </a:xfrm>
+          <a:solidFill>
+            <a:schemeClr val="bg1"/>
+          </a:solidFill>
+          <a:ln>
+            <a:solidFill>
+              <a:schemeClr val="tx1"/>
+            </a:solidFill>
+          </a:ln>
+        </p:spPr>
+        <p:txBody>
+          <a:bodyPr>
+            <a:normAutofit/>
+          </a:bodyPr>
+          <a:lstStyle/>
+          <a:p>
+            <a:r>
+              <a:rPr lang="en-US" altLang="ko-KR" dirty="0" err="1" smtClean="0">
+                <a:latin typeface="새굴림" panose="02030600000101010101" pitchFamily="18" charset="-127"/>
+                <a:ea typeface="새굴림" panose="02030600000101010101" pitchFamily="18" charset="-127"/>
+              </a:rPr>
+              <a:t>Qt</a:t>
+            </a:r>
+            <a:r>
+              <a:rPr lang="ko-KR" altLang="en-US" dirty="0" smtClean="0">
+                <a:latin typeface="새굴림" panose="02030600000101010101" pitchFamily="18" charset="-127"/>
+                <a:ea typeface="새굴림" panose="02030600000101010101" pitchFamily="18" charset="-127"/>
+              </a:rPr>
+              <a:t>의 모든 마우스 이벤트는 객체와 함께 추적되며 이벤트에 대한 정보는 아래와 같음</a:t>
+            </a:r>
+            <a:r>
+              <a:rPr lang="en-US" altLang="ko-KR" dirty="0" smtClean="0">
+                <a:latin typeface="새굴림" panose="02030600000101010101" pitchFamily="18" charset="-127"/>
+                <a:ea typeface="새굴림" panose="02030600000101010101" pitchFamily="18" charset="-127"/>
+              </a:rPr>
+              <a:t>.</a:t>
+            </a:r>
+            <a:endParaRPr lang="en-US" altLang="ko-KR" dirty="0">
+              <a:latin typeface="새굴림" panose="02030600000101010101" pitchFamily="18" charset="-127"/>
+              <a:ea typeface="새굴림" panose="02030600000101010101" pitchFamily="18" charset="-127"/>
+            </a:endParaRPr>
+          </a:p>
+        </p:txBody>
+      </p:sp>
+      <p:pic>
+        <p:nvPicPr>
+          <p:cNvPr id="4" name="그림 3"/>
+          <p:cNvPicPr>
+            <a:picLocks noChangeAspect="1"/>
+          </p:cNvPicPr>
+          <p:nvPr/>
+        </p:nvPicPr>
+        <p:blipFill>
+          <a:blip r:embed="rId2"/>
+          <a:stretch>
+            <a:fillRect/>
+          </a:stretch>
+        </p:blipFill>
+        <p:spPr>
+          <a:xfrm>
+            <a:off x="913014" y="2953010"/>
+            <a:ext cx="5318152" cy="3290455"/>
+          </a:xfrm>
+          <a:prstGeom prst="rect">
+            <a:avLst/>
+          </a:prstGeom>
+          <a:ln w="38100" cap="sq">
+            <a:solidFill>
+              <a:srgbClr val="000000"/>
+            </a:solidFill>
+            <a:prstDash val="solid"/>
+            <a:miter lim="800000"/>
+          </a:ln>
+          <a:effectLst>
+            <a:outerShdw blurRad="50800" dist="38100" dir="2700000" algn="tl" rotWithShape="0">
+              <a:srgbClr val="000000">
+                <a:alpha val="43000"/>
+              </a:srgbClr>
+            </a:outerShdw>
+          </a:effectLst>
+        </p:spPr>
+      </p:pic>
+    </p:spTree>
+    <p:extLst>
+      <p:ext uri="{BB962C8B-B14F-4D97-AF65-F5344CB8AC3E}">
+        <p14:creationId xmlns:p14="http://schemas.microsoft.com/office/powerpoint/2010/main" val="2468807168"/>
+      </p:ext>
+    </p:extLst>
+  </p:cSld>
+  <p:clrMapOvr>
+    <a:masterClrMapping/>
+  </p:clrMapOvr>
+</p:sld>
+</file>
+
+<file path=ppt/slides/slide29.xml><?xml version="1.0" encoding="utf-8"?>
+<p:sld xmlns:a="http://schemas.openxmlformats.org/drawingml/2006/main" xmlns:r="http://schemas.openxmlformats.org/officeDocument/2006/relationships" xmlns:p="http://schemas.openxmlformats.org/presentationml/2006/main">
+  <p:cSld>
+    <p:spTree>
+      <p:nvGrpSpPr>
+        <p:cNvPr id="1" name=""/>
+        <p:cNvGrpSpPr/>
+        <p:nvPr/>
+      </p:nvGrpSpPr>
+      <p:grpSpPr>
+        <a:xfrm>
+          <a:off x="0" y="0"/>
+          <a:ext cx="0" cy="0"/>
+          <a:chOff x="0" y="0"/>
+          <a:chExt cx="0" cy="0"/>
+        </a:xfrm>
+      </p:grpSpPr>
+      <p:sp>
+        <p:nvSpPr>
+          <p:cNvPr id="2" name="제목 1">
+            <a:extLst>
+              <a:ext uri="{FF2B5EF4-FFF2-40B4-BE49-F238E27FC236}">
+                <a16:creationId xmlns:a16="http://schemas.microsoft.com/office/drawing/2014/main" id="{47D4526C-2EFC-447E-977E-FABBF1004F64}"/>
+              </a:ext>
+            </a:extLst>
+          </p:cNvPr>
+          <p:cNvSpPr>
+            <a:spLocks noGrp="1"/>
+          </p:cNvSpPr>
+          <p:nvPr>
+            <p:ph type="title"/>
+          </p:nvPr>
+        </p:nvSpPr>
+        <p:spPr>
+          <a:xfrm>
+            <a:off x="838200" y="365126"/>
+            <a:ext cx="5437909" cy="1314384"/>
+          </a:xfrm>
+          <a:solidFill>
+            <a:schemeClr val="accent4">
+              <a:lumMod val="20000"/>
+              <a:lumOff val="80000"/>
+            </a:schemeClr>
+          </a:solidFill>
+          <a:ln>
+            <a:solidFill>
+              <a:schemeClr val="tx1"/>
+            </a:solidFill>
+          </a:ln>
+        </p:spPr>
+        <p:txBody>
+          <a:bodyPr>
+            <a:noAutofit/>
+          </a:bodyPr>
+          <a:lstStyle/>
+          <a:p>
+            <a:r>
+              <a:rPr lang="en-US" altLang="ko-KR" sz="2800" dirty="0">
+                <a:latin typeface="새굴림" panose="02030600000101010101" pitchFamily="18" charset="-127"/>
+                <a:ea typeface="새굴림" panose="02030600000101010101" pitchFamily="18" charset="-127"/>
+              </a:rPr>
+              <a:t>2. </a:t>
+            </a:r>
+            <a:r>
+              <a:rPr lang="ko-KR" altLang="en-US" sz="2800" dirty="0">
+                <a:latin typeface="새굴림" panose="02030600000101010101" pitchFamily="18" charset="-127"/>
+                <a:ea typeface="새굴림" panose="02030600000101010101" pitchFamily="18" charset="-127"/>
+              </a:rPr>
+              <a:t>이벤트</a:t>
+            </a:r>
+            <a:r>
+              <a:rPr lang="en-US" altLang="ko-KR" sz="2800" dirty="0">
+                <a:latin typeface="새굴림" panose="02030600000101010101" pitchFamily="18" charset="-127"/>
+                <a:ea typeface="새굴림" panose="02030600000101010101" pitchFamily="18" charset="-127"/>
+              </a:rPr>
+              <a:t/>
+            </a:r>
+            <a:br>
+              <a:rPr lang="en-US" altLang="ko-KR" sz="2800" dirty="0">
+                <a:latin typeface="새굴림" panose="02030600000101010101" pitchFamily="18" charset="-127"/>
+                <a:ea typeface="새굴림" panose="02030600000101010101" pitchFamily="18" charset="-127"/>
+              </a:rPr>
+            </a:br>
+            <a:r>
+              <a:rPr lang="en-US" altLang="ko-KR" sz="2800" dirty="0">
+                <a:solidFill>
+                  <a:srgbClr val="FF0000"/>
+                </a:solidFill>
+                <a:latin typeface="새굴림" panose="02030600000101010101" pitchFamily="18" charset="-127"/>
+                <a:ea typeface="새굴림" panose="02030600000101010101" pitchFamily="18" charset="-127"/>
+              </a:rPr>
+              <a:t>2-1. </a:t>
+            </a:r>
+            <a:r>
+              <a:rPr lang="ko-KR" altLang="en-US" sz="2800" dirty="0">
+                <a:solidFill>
+                  <a:srgbClr val="FF0000"/>
+                </a:solidFill>
+                <a:latin typeface="새굴림" panose="02030600000101010101" pitchFamily="18" charset="-127"/>
+                <a:ea typeface="새굴림" panose="02030600000101010101" pitchFamily="18" charset="-127"/>
+              </a:rPr>
+              <a:t>마우스 이벤트</a:t>
+            </a:r>
+            <a:r>
+              <a:rPr lang="en-US" altLang="ko-KR" sz="2800" dirty="0">
+                <a:solidFill>
+                  <a:srgbClr val="FF0000"/>
+                </a:solidFill>
+                <a:latin typeface="새굴림" panose="02030600000101010101" pitchFamily="18" charset="-127"/>
+                <a:ea typeface="새굴림" panose="02030600000101010101" pitchFamily="18" charset="-127"/>
+              </a:rPr>
+              <a:t>(</a:t>
+            </a:r>
+            <a:r>
+              <a:rPr lang="en-US" altLang="ko-KR" sz="2800" dirty="0" err="1">
+                <a:solidFill>
+                  <a:srgbClr val="FF0000"/>
+                </a:solidFill>
+                <a:latin typeface="새굴림" panose="02030600000101010101" pitchFamily="18" charset="-127"/>
+                <a:ea typeface="새굴림" panose="02030600000101010101" pitchFamily="18" charset="-127"/>
+              </a:rPr>
+              <a:t>QMouseEvent</a:t>
+            </a:r>
+            <a:r>
+              <a:rPr lang="en-US" altLang="ko-KR" sz="2800" dirty="0">
+                <a:solidFill>
+                  <a:srgbClr val="FF0000"/>
+                </a:solidFill>
+                <a:latin typeface="새굴림" panose="02030600000101010101" pitchFamily="18" charset="-127"/>
+                <a:ea typeface="새굴림" panose="02030600000101010101" pitchFamily="18" charset="-127"/>
+              </a:rPr>
+              <a:t>)</a:t>
+            </a:r>
+            <a:endParaRPr lang="ko-KR" altLang="en-US" sz="2800" dirty="0">
+              <a:solidFill>
+                <a:srgbClr val="FF0000"/>
+              </a:solidFill>
+              <a:latin typeface="새굴림" panose="02030600000101010101" pitchFamily="18" charset="-127"/>
+              <a:ea typeface="새굴림" panose="02030600000101010101" pitchFamily="18" charset="-127"/>
+            </a:endParaRPr>
+          </a:p>
+        </p:txBody>
+      </p:sp>
+      <p:pic>
+        <p:nvPicPr>
+          <p:cNvPr id="4" name="내용 개체 틀 3"/>
+          <p:cNvPicPr>
+            <a:picLocks noGrp="1" noChangeAspect="1"/>
+          </p:cNvPicPr>
+          <p:nvPr>
+            <p:ph idx="1"/>
+          </p:nvPr>
+        </p:nvPicPr>
+        <p:blipFill>
+          <a:blip r:embed="rId2"/>
+          <a:stretch>
+            <a:fillRect/>
+          </a:stretch>
+        </p:blipFill>
+        <p:spPr>
+          <a:xfrm>
+            <a:off x="6375863" y="178003"/>
+            <a:ext cx="5162390" cy="6535367"/>
+          </a:xfrm>
+          <a:prstGeom prst="rect">
+            <a:avLst/>
+          </a:prstGeom>
+          <a:ln w="38100" cap="sq">
+            <a:solidFill>
+              <a:srgbClr val="000000"/>
+            </a:solidFill>
+            <a:prstDash val="solid"/>
+            <a:miter lim="800000"/>
+          </a:ln>
+          <a:effectLst>
+            <a:outerShdw blurRad="50800" dist="38100" dir="2700000" algn="tl" rotWithShape="0">
+              <a:srgbClr val="000000">
+                <a:alpha val="43000"/>
+              </a:srgbClr>
+            </a:outerShdw>
+          </a:effectLst>
+        </p:spPr>
+      </p:pic>
+      <p:pic>
+        <p:nvPicPr>
+          <p:cNvPr id="5" name="그림 4"/>
+          <p:cNvPicPr>
+            <a:picLocks noChangeAspect="1"/>
+          </p:cNvPicPr>
+          <p:nvPr/>
+        </p:nvPicPr>
+        <p:blipFill>
+          <a:blip r:embed="rId3"/>
+          <a:stretch>
+            <a:fillRect/>
+          </a:stretch>
+        </p:blipFill>
+        <p:spPr>
+          <a:xfrm>
+            <a:off x="765464" y="1970290"/>
+            <a:ext cx="5510645" cy="2152650"/>
+          </a:xfrm>
+          <a:prstGeom prst="rect">
+            <a:avLst/>
+          </a:prstGeom>
+          <a:ln w="38100" cap="sq">
+            <a:solidFill>
+              <a:srgbClr val="000000"/>
+            </a:solidFill>
+            <a:prstDash val="solid"/>
+            <a:miter lim="800000"/>
+          </a:ln>
+          <a:effectLst>
+            <a:outerShdw blurRad="50800" dist="38100" dir="2700000" algn="tl" rotWithShape="0">
+              <a:srgbClr val="000000">
+                <a:alpha val="43000"/>
+              </a:srgbClr>
+            </a:outerShdw>
+          </a:effectLst>
+        </p:spPr>
+      </p:pic>
+      <p:pic>
+        <p:nvPicPr>
+          <p:cNvPr id="6" name="그림 5"/>
+          <p:cNvPicPr>
+            <a:picLocks noChangeAspect="1"/>
+          </p:cNvPicPr>
+          <p:nvPr/>
+        </p:nvPicPr>
+        <p:blipFill>
+          <a:blip r:embed="rId4"/>
+          <a:stretch>
+            <a:fillRect/>
+          </a:stretch>
+        </p:blipFill>
+        <p:spPr>
+          <a:xfrm>
+            <a:off x="765464" y="4516928"/>
+            <a:ext cx="2571750" cy="1714500"/>
+          </a:xfrm>
+          <a:prstGeom prst="rect">
+            <a:avLst/>
+          </a:prstGeom>
+          <a:ln w="38100" cap="sq">
+            <a:solidFill>
+              <a:srgbClr val="000000"/>
+            </a:solidFill>
+            <a:prstDash val="solid"/>
+            <a:miter lim="800000"/>
+          </a:ln>
+          <a:effectLst>
+            <a:outerShdw blurRad="50800" dist="38100" dir="2700000" algn="tl" rotWithShape="0">
+              <a:srgbClr val="000000">
+                <a:alpha val="43000"/>
+              </a:srgbClr>
+            </a:outerShdw>
+          </a:effectLst>
+        </p:spPr>
+      </p:pic>
+    </p:spTree>
+    <p:extLst>
+      <p:ext uri="{BB962C8B-B14F-4D97-AF65-F5344CB8AC3E}">
+        <p14:creationId xmlns:p14="http://schemas.microsoft.com/office/powerpoint/2010/main" val="3581884390"/>
+      </p:ext>
+    </p:extLst>
+  </p:cSld>
+  <p:clrMapOvr>
+    <a:masterClrMapping/>
+  </p:clrMapOvr>
+</p:sld>
+</file>
+
+<file path=ppt/slides/slide3.xml><?xml version="1.0" encoding="utf-8"?>
+<p:sld xmlns:a="http://schemas.openxmlformats.org/drawingml/2006/main" xmlns:r="http://schemas.openxmlformats.org/officeDocument/2006/relationships" xmlns:p="http://schemas.openxmlformats.org/presentationml/2006/main">
+  <p:cSld>
+    <p:bg>
+      <p:bgPr>
+        <a:pattFill prst="lgGrid">
+          <a:fgClr>
+            <a:schemeClr val="bg1"/>
+          </a:fgClr>
+          <a:bgClr>
+            <a:schemeClr val="accent5">
+              <a:lumMod val="20000"/>
+              <a:lumOff val="80000"/>
+            </a:schemeClr>
+          </a:bgClr>
+        </a:pattFill>
+        <a:effectLst/>
+      </p:bgPr>
+    </p:bg>
+    <p:spTree>
+      <p:nvGrpSpPr>
+        <p:cNvPr id="1" name=""/>
+        <p:cNvGrpSpPr/>
+        <p:nvPr/>
+      </p:nvGrpSpPr>
+      <p:grpSpPr>
+        <a:xfrm>
+          <a:off x="0" y="0"/>
+          <a:ext cx="0" cy="0"/>
+          <a:chOff x="0" y="0"/>
+          <a:chExt cx="0" cy="0"/>
+        </a:xfrm>
+      </p:grpSpPr>
+      <p:sp>
+        <p:nvSpPr>
+          <p:cNvPr id="2" name="제목 1">
+            <a:extLst>
+              <a:ext uri="{FF2B5EF4-FFF2-40B4-BE49-F238E27FC236}">
+                <a16:creationId xmlns:a16="http://schemas.microsoft.com/office/drawing/2014/main" id="{47D4526C-2EFC-447E-977E-FABBF1004F64}"/>
+              </a:ext>
+            </a:extLst>
+          </p:cNvPr>
+          <p:cNvSpPr>
+            <a:spLocks noGrp="1"/>
+          </p:cNvSpPr>
+          <p:nvPr>
+            <p:ph type="title"/>
+          </p:nvPr>
+        </p:nvSpPr>
+        <p:spPr>
+          <a:xfrm>
+            <a:off x="838200" y="365126"/>
+            <a:ext cx="10515600" cy="838524"/>
+          </a:xfrm>
+          <a:solidFill>
+            <a:schemeClr val="accent4">
+              <a:lumMod val="20000"/>
+              <a:lumOff val="80000"/>
+            </a:schemeClr>
+          </a:solidFill>
+          <a:ln>
+            <a:solidFill>
+              <a:schemeClr val="tx1"/>
+            </a:solidFill>
+          </a:ln>
+        </p:spPr>
+        <p:txBody>
+          <a:bodyPr/>
+          <a:lstStyle/>
+          <a:p>
+            <a:r>
+              <a:rPr lang="ko-KR" altLang="en-US">
+                <a:latin typeface="새굴림" panose="02030600000101010101" pitchFamily="18" charset="-127"/>
+                <a:ea typeface="새굴림" panose="02030600000101010101" pitchFamily="18" charset="-127"/>
+              </a:rPr>
+              <a:t>목차</a:t>
+            </a:r>
+          </a:p>
+        </p:txBody>
+      </p:sp>
+      <p:sp>
+        <p:nvSpPr>
+          <p:cNvPr id="3" name="내용 개체 틀 2">
+            <a:extLst>
+              <a:ext uri="{FF2B5EF4-FFF2-40B4-BE49-F238E27FC236}">
+                <a16:creationId xmlns:a16="http://schemas.microsoft.com/office/drawing/2014/main" id="{DAA6DC13-E3BF-43F6-A01C-62FC187D8499}"/>
+              </a:ext>
+            </a:extLst>
+          </p:cNvPr>
+          <p:cNvSpPr>
+            <a:spLocks noGrp="1"/>
+          </p:cNvSpPr>
+          <p:nvPr>
+            <p:ph idx="1"/>
+          </p:nvPr>
+        </p:nvSpPr>
+        <p:spPr>
+          <a:xfrm>
+            <a:off x="838200" y="1455576"/>
+            <a:ext cx="10515600" cy="4721387"/>
+          </a:xfrm>
+          <a:solidFill>
+            <a:schemeClr val="bg1"/>
+          </a:solidFill>
+          <a:ln>
+            <a:solidFill>
+              <a:schemeClr val="tx1"/>
+            </a:solidFill>
+          </a:ln>
+        </p:spPr>
+        <p:txBody>
+          <a:bodyPr>
+            <a:normAutofit/>
+          </a:bodyPr>
+          <a:lstStyle/>
+          <a:p>
+            <a:pPr marL="514350" indent="-514350">
+              <a:buFont typeface="+mj-lt"/>
+              <a:buAutoNum type="arabicPeriod"/>
+            </a:pPr>
+            <a:r>
+              <a:rPr lang="ko-KR" altLang="en-US" dirty="0">
+                <a:latin typeface="새굴림" panose="02030600000101010101" pitchFamily="18" charset="-127"/>
+                <a:ea typeface="새굴림" panose="02030600000101010101" pitchFamily="18" charset="-127"/>
+              </a:rPr>
+              <a:t>신호 및 슬롯</a:t>
+            </a:r>
+            <a:endParaRPr lang="en-US" altLang="ko-KR" dirty="0">
+              <a:latin typeface="새굴림" panose="02030600000101010101" pitchFamily="18" charset="-127"/>
+              <a:ea typeface="새굴림" panose="02030600000101010101" pitchFamily="18" charset="-127"/>
+            </a:endParaRPr>
+          </a:p>
+          <a:p>
+            <a:pPr lvl="1"/>
+            <a:r>
+              <a:rPr lang="en-US" altLang="ko-KR" dirty="0" err="1">
+                <a:latin typeface="새굴림" panose="02030600000101010101" pitchFamily="18" charset="-127"/>
+                <a:ea typeface="새굴림" panose="02030600000101010101" pitchFamily="18" charset="-127"/>
+              </a:rPr>
+              <a:t>QPushButton</a:t>
+            </a:r>
+            <a:r>
+              <a:rPr lang="en-US" altLang="ko-KR" dirty="0">
+                <a:latin typeface="새굴림" panose="02030600000101010101" pitchFamily="18" charset="-127"/>
+                <a:ea typeface="새굴림" panose="02030600000101010101" pitchFamily="18" charset="-127"/>
+              </a:rPr>
+              <a:t> </a:t>
+            </a:r>
+            <a:r>
+              <a:rPr lang="ko-KR" altLang="en-US" dirty="0">
+                <a:latin typeface="새굴림" panose="02030600000101010101" pitchFamily="18" charset="-127"/>
+                <a:ea typeface="새굴림" panose="02030600000101010101" pitchFamily="18" charset="-127"/>
+              </a:rPr>
+              <a:t>신호</a:t>
+            </a:r>
+            <a:endParaRPr lang="en-US" altLang="ko-KR" dirty="0">
+              <a:latin typeface="새굴림" panose="02030600000101010101" pitchFamily="18" charset="-127"/>
+              <a:ea typeface="새굴림" panose="02030600000101010101" pitchFamily="18" charset="-127"/>
+            </a:endParaRPr>
+          </a:p>
+          <a:p>
+            <a:pPr lvl="1"/>
+            <a:r>
+              <a:rPr lang="ko-KR" altLang="en-US" dirty="0">
+                <a:latin typeface="새굴림" panose="02030600000101010101" pitchFamily="18" charset="-127"/>
+                <a:ea typeface="새굴림" panose="02030600000101010101" pitchFamily="18" charset="-127"/>
+              </a:rPr>
+              <a:t>데이터 수신</a:t>
+            </a:r>
+            <a:endParaRPr lang="en-US" altLang="ko-KR" dirty="0">
+              <a:latin typeface="새굴림" panose="02030600000101010101" pitchFamily="18" charset="-127"/>
+              <a:ea typeface="새굴림" panose="02030600000101010101" pitchFamily="18" charset="-127"/>
+            </a:endParaRPr>
+          </a:p>
+          <a:p>
+            <a:pPr lvl="1"/>
+            <a:r>
+              <a:rPr lang="ko-KR" altLang="en-US" dirty="0">
+                <a:latin typeface="새굴림" panose="02030600000101010101" pitchFamily="18" charset="-127"/>
+                <a:ea typeface="새굴림" panose="02030600000101010101" pitchFamily="18" charset="-127"/>
+              </a:rPr>
+              <a:t>데이터 저장</a:t>
+            </a:r>
+            <a:endParaRPr lang="en-US" altLang="ko-KR" dirty="0">
+              <a:latin typeface="새굴림" panose="02030600000101010101" pitchFamily="18" charset="-127"/>
+              <a:ea typeface="새굴림" panose="02030600000101010101" pitchFamily="18" charset="-127"/>
+            </a:endParaRPr>
+          </a:p>
+          <a:p>
+            <a:pPr lvl="1"/>
+            <a:r>
+              <a:rPr lang="ko-KR" altLang="en-US" dirty="0">
+                <a:latin typeface="새굴림" panose="02030600000101010101" pitchFamily="18" charset="-127"/>
+                <a:ea typeface="새굴림" panose="02030600000101010101" pitchFamily="18" charset="-127"/>
+              </a:rPr>
+              <a:t>인터페이스 변경</a:t>
+            </a:r>
+            <a:endParaRPr lang="en-US" altLang="ko-KR" dirty="0">
+              <a:latin typeface="새굴림" panose="02030600000101010101" pitchFamily="18" charset="-127"/>
+              <a:ea typeface="새굴림" panose="02030600000101010101" pitchFamily="18" charset="-127"/>
+            </a:endParaRPr>
+          </a:p>
+          <a:p>
+            <a:pPr lvl="1"/>
+            <a:r>
+              <a:rPr lang="ko-KR" altLang="en-US" dirty="0">
+                <a:latin typeface="새굴림" panose="02030600000101010101" pitchFamily="18" charset="-127"/>
+                <a:ea typeface="새굴림" panose="02030600000101010101" pitchFamily="18" charset="-127"/>
+              </a:rPr>
+              <a:t>위젯 직접 </a:t>
+            </a:r>
+            <a:r>
+              <a:rPr lang="ko-KR" altLang="en-US" dirty="0" smtClean="0">
+                <a:latin typeface="새굴림" panose="02030600000101010101" pitchFamily="18" charset="-127"/>
+                <a:ea typeface="새굴림" panose="02030600000101010101" pitchFamily="18" charset="-127"/>
+              </a:rPr>
+              <a:t>연결</a:t>
+            </a:r>
+            <a:endParaRPr lang="en-US" altLang="ko-KR" dirty="0">
+              <a:latin typeface="새굴림" panose="02030600000101010101" pitchFamily="18" charset="-127"/>
+              <a:ea typeface="새굴림" panose="02030600000101010101" pitchFamily="18" charset="-127"/>
+            </a:endParaRPr>
+          </a:p>
+          <a:p>
+            <a:pPr marL="514350" indent="-514350">
+              <a:buFont typeface="+mj-lt"/>
+              <a:buAutoNum type="arabicPeriod"/>
+            </a:pPr>
+            <a:endParaRPr lang="en-US" altLang="ko-KR" dirty="0">
+              <a:latin typeface="새굴림" panose="02030600000101010101" pitchFamily="18" charset="-127"/>
+              <a:ea typeface="새굴림" panose="02030600000101010101" pitchFamily="18" charset="-127"/>
+            </a:endParaRPr>
+          </a:p>
+          <a:p>
+            <a:pPr marL="514350" indent="-514350">
+              <a:buFont typeface="+mj-lt"/>
+              <a:buAutoNum type="arabicPeriod"/>
+            </a:pPr>
+            <a:r>
+              <a:rPr lang="ko-KR" altLang="en-US" dirty="0">
+                <a:latin typeface="새굴림" panose="02030600000101010101" pitchFamily="18" charset="-127"/>
+                <a:ea typeface="새굴림" panose="02030600000101010101" pitchFamily="18" charset="-127"/>
+              </a:rPr>
+              <a:t>이벤트</a:t>
+            </a:r>
+            <a:endParaRPr lang="en-US" altLang="ko-KR" dirty="0">
+              <a:latin typeface="새굴림" panose="02030600000101010101" pitchFamily="18" charset="-127"/>
+              <a:ea typeface="새굴림" panose="02030600000101010101" pitchFamily="18" charset="-127"/>
+            </a:endParaRPr>
+          </a:p>
+          <a:p>
+            <a:pPr lvl="1"/>
+            <a:r>
+              <a:rPr lang="ko-KR" altLang="en-US" dirty="0">
+                <a:latin typeface="새굴림" panose="02030600000101010101" pitchFamily="18" charset="-127"/>
+                <a:ea typeface="새굴림" panose="02030600000101010101" pitchFamily="18" charset="-127"/>
+              </a:rPr>
+              <a:t>마우스 이벤트</a:t>
+            </a:r>
+            <a:endParaRPr lang="en-US" altLang="ko-KR" dirty="0">
+              <a:latin typeface="새굴림" panose="02030600000101010101" pitchFamily="18" charset="-127"/>
+              <a:ea typeface="새굴림" panose="02030600000101010101" pitchFamily="18" charset="-127"/>
+            </a:endParaRPr>
+          </a:p>
+          <a:p>
+            <a:pPr lvl="1"/>
+            <a:r>
+              <a:rPr lang="ko-KR" altLang="en-US" dirty="0">
+                <a:latin typeface="새굴림" panose="02030600000101010101" pitchFamily="18" charset="-127"/>
+                <a:ea typeface="새굴림" panose="02030600000101010101" pitchFamily="18" charset="-127"/>
+              </a:rPr>
+              <a:t>컨텍스트 메뉴</a:t>
+            </a:r>
+            <a:endParaRPr lang="en-US" altLang="ko-KR" dirty="0">
+              <a:latin typeface="새굴림" panose="02030600000101010101" pitchFamily="18" charset="-127"/>
+              <a:ea typeface="새굴림" panose="02030600000101010101" pitchFamily="18" charset="-127"/>
+            </a:endParaRPr>
+          </a:p>
+          <a:p>
+            <a:pPr lvl="1"/>
+            <a:r>
+              <a:rPr lang="ko-KR" altLang="en-US" dirty="0">
+                <a:latin typeface="새굴림" panose="02030600000101010101" pitchFamily="18" charset="-127"/>
+                <a:ea typeface="새굴림" panose="02030600000101010101" pitchFamily="18" charset="-127"/>
+              </a:rPr>
+              <a:t>이벤트 계층 구조</a:t>
+            </a:r>
+            <a:endParaRPr lang="en-US" altLang="ko-KR" dirty="0">
+              <a:latin typeface="새굴림" panose="02030600000101010101" pitchFamily="18" charset="-127"/>
+              <a:ea typeface="새굴림" panose="02030600000101010101" pitchFamily="18" charset="-127"/>
+            </a:endParaRPr>
+          </a:p>
+        </p:txBody>
+      </p:sp>
+    </p:spTree>
+    <p:extLst>
+      <p:ext uri="{BB962C8B-B14F-4D97-AF65-F5344CB8AC3E}">
+        <p14:creationId xmlns:p14="http://schemas.microsoft.com/office/powerpoint/2010/main" val="3107834259"/>
+      </p:ext>
+    </p:extLst>
+  </p:cSld>
+  <p:clrMapOvr>
+    <a:masterClrMapping/>
+  </p:clrMapOvr>
+</p:sld>
+</file>
+
+<file path=ppt/slides/slide30.xml><?xml version="1.0" encoding="utf-8"?>
+<p:sld xmlns:a="http://schemas.openxmlformats.org/drawingml/2006/main" xmlns:r="http://schemas.openxmlformats.org/officeDocument/2006/relationships" xmlns:p="http://schemas.openxmlformats.org/presentationml/2006/main">
+  <p:cSld>
+    <p:spTree>
+      <p:nvGrpSpPr>
+        <p:cNvPr id="1" name=""/>
+        <p:cNvGrpSpPr/>
+        <p:nvPr/>
+      </p:nvGrpSpPr>
+      <p:grpSpPr>
+        <a:xfrm>
+          <a:off x="0" y="0"/>
+          <a:ext cx="0" cy="0"/>
+          <a:chOff x="0" y="0"/>
+          <a:chExt cx="0" cy="0"/>
+        </a:xfrm>
+      </p:grpSpPr>
+      <p:sp>
+        <p:nvSpPr>
+          <p:cNvPr id="2" name="제목 1">
+            <a:extLst>
+              <a:ext uri="{FF2B5EF4-FFF2-40B4-BE49-F238E27FC236}">
+                <a16:creationId xmlns:a16="http://schemas.microsoft.com/office/drawing/2014/main" id="{47D4526C-2EFC-447E-977E-FABBF1004F64}"/>
+              </a:ext>
+            </a:extLst>
+          </p:cNvPr>
+          <p:cNvSpPr>
+            <a:spLocks noGrp="1"/>
+          </p:cNvSpPr>
+          <p:nvPr>
+            <p:ph type="title"/>
+          </p:nvPr>
+        </p:nvSpPr>
+        <p:spPr>
+          <a:xfrm>
+            <a:off x="838200" y="365126"/>
+            <a:ext cx="10515600" cy="1314384"/>
+          </a:xfrm>
+          <a:solidFill>
+            <a:schemeClr val="accent4">
+              <a:lumMod val="20000"/>
+              <a:lumOff val="80000"/>
+            </a:schemeClr>
+          </a:solidFill>
+          <a:ln>
+            <a:solidFill>
+              <a:schemeClr val="tx1"/>
+            </a:solidFill>
+          </a:ln>
+        </p:spPr>
+        <p:txBody>
+          <a:bodyPr>
+            <a:normAutofit/>
+          </a:bodyPr>
+          <a:lstStyle/>
+          <a:p>
+            <a:r>
+              <a:rPr lang="en-US" altLang="ko-KR" dirty="0">
+                <a:latin typeface="새굴림" panose="02030600000101010101" pitchFamily="18" charset="-127"/>
+                <a:ea typeface="새굴림" panose="02030600000101010101" pitchFamily="18" charset="-127"/>
+              </a:rPr>
+              <a:t>2. </a:t>
+            </a:r>
+            <a:r>
+              <a:rPr lang="ko-KR" altLang="en-US" dirty="0">
+                <a:latin typeface="새굴림" panose="02030600000101010101" pitchFamily="18" charset="-127"/>
+                <a:ea typeface="새굴림" panose="02030600000101010101" pitchFamily="18" charset="-127"/>
+              </a:rPr>
+              <a:t>이벤트</a:t>
+            </a:r>
+            <a:r>
+              <a:rPr lang="en-US" altLang="ko-KR" dirty="0">
+                <a:latin typeface="새굴림" panose="02030600000101010101" pitchFamily="18" charset="-127"/>
+                <a:ea typeface="새굴림" panose="02030600000101010101" pitchFamily="18" charset="-127"/>
+              </a:rPr>
+              <a:t/>
+            </a:r>
+            <a:br>
+              <a:rPr lang="en-US" altLang="ko-KR" dirty="0">
+                <a:latin typeface="새굴림" panose="02030600000101010101" pitchFamily="18" charset="-127"/>
+                <a:ea typeface="새굴림" panose="02030600000101010101" pitchFamily="18" charset="-127"/>
+              </a:rPr>
+            </a:br>
+            <a:r>
+              <a:rPr lang="en-US" altLang="ko-KR" dirty="0" smtClean="0">
+                <a:solidFill>
+                  <a:srgbClr val="FF0000"/>
+                </a:solidFill>
+                <a:latin typeface="새굴림" panose="02030600000101010101" pitchFamily="18" charset="-127"/>
+                <a:ea typeface="새굴림" panose="02030600000101010101" pitchFamily="18" charset="-127"/>
+              </a:rPr>
+              <a:t>2-2. </a:t>
+            </a:r>
+            <a:r>
+              <a:rPr lang="ko-KR" altLang="en-US" dirty="0" smtClean="0">
+                <a:solidFill>
+                  <a:srgbClr val="FF0000"/>
+                </a:solidFill>
+                <a:latin typeface="새굴림" panose="02030600000101010101" pitchFamily="18" charset="-127"/>
+                <a:ea typeface="새굴림" panose="02030600000101010101" pitchFamily="18" charset="-127"/>
+              </a:rPr>
+              <a:t>컨텍스트 메뉴</a:t>
+            </a:r>
+            <a:endParaRPr lang="ko-KR" altLang="en-US" dirty="0">
+              <a:solidFill>
+                <a:srgbClr val="FF0000"/>
+              </a:solidFill>
+              <a:latin typeface="새굴림" panose="02030600000101010101" pitchFamily="18" charset="-127"/>
+              <a:ea typeface="새굴림" panose="02030600000101010101" pitchFamily="18" charset="-127"/>
+            </a:endParaRPr>
+          </a:p>
+        </p:txBody>
+      </p:sp>
+      <p:sp>
+        <p:nvSpPr>
+          <p:cNvPr id="3" name="내용 개체 틀 2">
+            <a:extLst>
+              <a:ext uri="{FF2B5EF4-FFF2-40B4-BE49-F238E27FC236}">
+                <a16:creationId xmlns:a16="http://schemas.microsoft.com/office/drawing/2014/main" id="{DAA6DC13-E3BF-43F6-A01C-62FC187D8499}"/>
+              </a:ext>
+            </a:extLst>
+          </p:cNvPr>
+          <p:cNvSpPr>
+            <a:spLocks noGrp="1"/>
+          </p:cNvSpPr>
+          <p:nvPr>
+            <p:ph idx="1"/>
+          </p:nvPr>
+        </p:nvSpPr>
+        <p:spPr>
+          <a:xfrm>
+            <a:off x="838200" y="1931437"/>
+            <a:ext cx="10515600" cy="4245526"/>
+          </a:xfrm>
+          <a:solidFill>
+            <a:schemeClr val="bg1"/>
+          </a:solidFill>
+          <a:ln>
+            <a:solidFill>
+              <a:schemeClr val="tx1"/>
+            </a:solidFill>
+          </a:ln>
+        </p:spPr>
+        <p:txBody>
+          <a:bodyPr>
+            <a:normAutofit fontScale="92500"/>
+          </a:bodyPr>
+          <a:lstStyle/>
+          <a:p>
+            <a:r>
+              <a:rPr lang="ko-KR" altLang="en-US" dirty="0" smtClean="0">
+                <a:latin typeface="새굴림" panose="02030600000101010101" pitchFamily="18" charset="-127"/>
+                <a:ea typeface="새굴림" panose="02030600000101010101" pitchFamily="18" charset="-127"/>
+              </a:rPr>
+              <a:t>상황에 맞는 메뉴는 일반적으로 창을 마우스 오른쪽 버튼으로 클릭할 때 표시되는 작은 상황에 맞는 메뉴</a:t>
+            </a:r>
+            <a:endParaRPr lang="en-US" altLang="ko-KR" dirty="0" smtClean="0">
+              <a:latin typeface="새굴림" panose="02030600000101010101" pitchFamily="18" charset="-127"/>
+              <a:ea typeface="새굴림" panose="02030600000101010101" pitchFamily="18" charset="-127"/>
+            </a:endParaRPr>
+          </a:p>
+          <a:p>
+            <a:endParaRPr lang="en-US" altLang="ko-KR" dirty="0">
+              <a:latin typeface="새굴림" panose="02030600000101010101" pitchFamily="18" charset="-127"/>
+              <a:ea typeface="새굴림" panose="02030600000101010101" pitchFamily="18" charset="-127"/>
+            </a:endParaRPr>
+          </a:p>
+          <a:p>
+            <a:r>
+              <a:rPr lang="ko-KR" altLang="en-US" dirty="0" smtClean="0">
+                <a:latin typeface="새굴림" panose="02030600000101010101" pitchFamily="18" charset="-127"/>
+                <a:ea typeface="새굴림" panose="02030600000101010101" pitchFamily="18" charset="-127"/>
+              </a:rPr>
+              <a:t>위젯에는 메뉴를 </a:t>
+            </a:r>
+            <a:r>
+              <a:rPr lang="ko-KR" altLang="en-US" dirty="0" err="1" smtClean="0">
+                <a:latin typeface="새굴림" panose="02030600000101010101" pitchFamily="18" charset="-127"/>
+                <a:ea typeface="새굴림" panose="02030600000101010101" pitchFamily="18" charset="-127"/>
+              </a:rPr>
+              <a:t>트리거하는</a:t>
+            </a:r>
+            <a:r>
+              <a:rPr lang="ko-KR" altLang="en-US" dirty="0" smtClean="0">
+                <a:latin typeface="새굴림" panose="02030600000101010101" pitchFamily="18" charset="-127"/>
+                <a:ea typeface="새굴림" panose="02030600000101010101" pitchFamily="18" charset="-127"/>
+              </a:rPr>
+              <a:t> 데 사용되는 특정 이벤트가 있음</a:t>
+            </a:r>
+            <a:r>
+              <a:rPr lang="en-US" altLang="ko-KR" dirty="0" smtClean="0">
+                <a:latin typeface="새굴림" panose="02030600000101010101" pitchFamily="18" charset="-127"/>
+                <a:ea typeface="새굴림" panose="02030600000101010101" pitchFamily="18" charset="-127"/>
+              </a:rPr>
+              <a:t>.</a:t>
+            </a:r>
+          </a:p>
+          <a:p>
+            <a:endParaRPr lang="en-US" altLang="ko-KR" dirty="0">
+              <a:latin typeface="새굴림" panose="02030600000101010101" pitchFamily="18" charset="-127"/>
+              <a:ea typeface="새굴림" panose="02030600000101010101" pitchFamily="18" charset="-127"/>
+            </a:endParaRPr>
+          </a:p>
+          <a:p>
+            <a:r>
+              <a:rPr lang="ko-KR" altLang="en-US" dirty="0" smtClean="0">
+                <a:latin typeface="새굴림" panose="02030600000101010101" pitchFamily="18" charset="-127"/>
+                <a:ea typeface="새굴림" panose="02030600000101010101" pitchFamily="18" charset="-127"/>
+              </a:rPr>
+              <a:t>이벤트를 가로채려면 </a:t>
+            </a:r>
+            <a:r>
+              <a:rPr lang="en-US" altLang="ko-KR" dirty="0" smtClean="0">
+                <a:latin typeface="새굴림" panose="02030600000101010101" pitchFamily="18" charset="-127"/>
+                <a:ea typeface="새굴림" panose="02030600000101010101" pitchFamily="18" charset="-127"/>
+              </a:rPr>
+              <a:t>object </a:t>
+            </a:r>
+            <a:r>
+              <a:rPr lang="ko-KR" altLang="en-US" dirty="0" smtClean="0">
+                <a:latin typeface="새굴림" panose="02030600000101010101" pitchFamily="18" charset="-127"/>
+                <a:ea typeface="새굴림" panose="02030600000101010101" pitchFamily="18" charset="-127"/>
+              </a:rPr>
+              <a:t>메서드를 같은 이름의 새 메서드로 재정의하기만 하면 됨</a:t>
+            </a:r>
+            <a:r>
+              <a:rPr lang="en-US" altLang="ko-KR" dirty="0" smtClean="0">
+                <a:latin typeface="새굴림" panose="02030600000101010101" pitchFamily="18" charset="-127"/>
+                <a:ea typeface="새굴림" panose="02030600000101010101" pitchFamily="18" charset="-127"/>
+              </a:rPr>
+              <a:t>. </a:t>
+            </a:r>
+            <a:endParaRPr lang="en-US" altLang="ko-KR" dirty="0">
+              <a:latin typeface="새굴림" panose="02030600000101010101" pitchFamily="18" charset="-127"/>
+              <a:ea typeface="새굴림" panose="02030600000101010101" pitchFamily="18" charset="-127"/>
+            </a:endParaRPr>
+          </a:p>
+          <a:p>
+            <a:endParaRPr lang="en-US" altLang="ko-KR" dirty="0" smtClean="0">
+              <a:latin typeface="새굴림" panose="02030600000101010101" pitchFamily="18" charset="-127"/>
+              <a:ea typeface="새굴림" panose="02030600000101010101" pitchFamily="18" charset="-127"/>
+            </a:endParaRPr>
+          </a:p>
+          <a:p>
+            <a:r>
+              <a:rPr lang="ko-KR" altLang="en-US" dirty="0" smtClean="0">
+                <a:latin typeface="새굴림" panose="02030600000101010101" pitchFamily="18" charset="-127"/>
+                <a:ea typeface="새굴림" panose="02030600000101010101" pitchFamily="18" charset="-127"/>
+              </a:rPr>
+              <a:t>서브 클래스에 메소드를 만들 수 있으며 유형의 모든 이벤트를 수신</a:t>
+            </a:r>
+            <a:endParaRPr lang="en-US" altLang="ko-KR" dirty="0">
+              <a:latin typeface="새굴림" panose="02030600000101010101" pitchFamily="18" charset="-127"/>
+              <a:ea typeface="새굴림" panose="02030600000101010101" pitchFamily="18" charset="-127"/>
+            </a:endParaRPr>
+          </a:p>
+        </p:txBody>
+      </p:sp>
+    </p:spTree>
+    <p:extLst>
+      <p:ext uri="{BB962C8B-B14F-4D97-AF65-F5344CB8AC3E}">
+        <p14:creationId xmlns:p14="http://schemas.microsoft.com/office/powerpoint/2010/main" val="993054334"/>
+      </p:ext>
+    </p:extLst>
+  </p:cSld>
+  <p:clrMapOvr>
+    <a:masterClrMapping/>
+  </p:clrMapOvr>
+</p:sld>
+</file>
+
+<file path=ppt/slides/slide31.xml><?xml version="1.0" encoding="utf-8"?>
+<p:sld xmlns:a="http://schemas.openxmlformats.org/drawingml/2006/main" xmlns:r="http://schemas.openxmlformats.org/officeDocument/2006/relationships" xmlns:p="http://schemas.openxmlformats.org/presentationml/2006/main">
+  <p:cSld>
+    <p:spTree>
+      <p:nvGrpSpPr>
+        <p:cNvPr id="1" name=""/>
+        <p:cNvGrpSpPr/>
+        <p:nvPr/>
+      </p:nvGrpSpPr>
+      <p:grpSpPr>
+        <a:xfrm>
+          <a:off x="0" y="0"/>
+          <a:ext cx="0" cy="0"/>
+          <a:chOff x="0" y="0"/>
+          <a:chExt cx="0" cy="0"/>
+        </a:xfrm>
+      </p:grpSpPr>
+      <p:sp>
+        <p:nvSpPr>
+          <p:cNvPr id="2" name="제목 1">
+            <a:extLst>
+              <a:ext uri="{FF2B5EF4-FFF2-40B4-BE49-F238E27FC236}">
+                <a16:creationId xmlns:a16="http://schemas.microsoft.com/office/drawing/2014/main" id="{47D4526C-2EFC-447E-977E-FABBF1004F64}"/>
+              </a:ext>
+            </a:extLst>
+          </p:cNvPr>
+          <p:cNvSpPr>
+            <a:spLocks noGrp="1"/>
+          </p:cNvSpPr>
+          <p:nvPr>
+            <p:ph type="title"/>
+          </p:nvPr>
+        </p:nvSpPr>
+        <p:spPr>
+          <a:xfrm>
+            <a:off x="838200" y="365126"/>
+            <a:ext cx="10515600" cy="1314384"/>
+          </a:xfrm>
+          <a:solidFill>
+            <a:schemeClr val="accent4">
+              <a:lumMod val="20000"/>
+              <a:lumOff val="80000"/>
+            </a:schemeClr>
+          </a:solidFill>
+          <a:ln>
+            <a:solidFill>
+              <a:schemeClr val="tx1"/>
+            </a:solidFill>
+          </a:ln>
+        </p:spPr>
+        <p:txBody>
+          <a:bodyPr>
+            <a:normAutofit/>
+          </a:bodyPr>
+          <a:lstStyle/>
+          <a:p>
+            <a:r>
+              <a:rPr lang="en-US" altLang="ko-KR" dirty="0">
+                <a:latin typeface="새굴림" panose="02030600000101010101" pitchFamily="18" charset="-127"/>
+                <a:ea typeface="새굴림" panose="02030600000101010101" pitchFamily="18" charset="-127"/>
+              </a:rPr>
+              <a:t>2. </a:t>
+            </a:r>
+            <a:r>
+              <a:rPr lang="ko-KR" altLang="en-US" dirty="0">
+                <a:latin typeface="새굴림" panose="02030600000101010101" pitchFamily="18" charset="-127"/>
+                <a:ea typeface="새굴림" panose="02030600000101010101" pitchFamily="18" charset="-127"/>
+              </a:rPr>
+              <a:t>이벤트</a:t>
+            </a:r>
+            <a:r>
+              <a:rPr lang="en-US" altLang="ko-KR" dirty="0">
+                <a:latin typeface="새굴림" panose="02030600000101010101" pitchFamily="18" charset="-127"/>
+                <a:ea typeface="새굴림" panose="02030600000101010101" pitchFamily="18" charset="-127"/>
+              </a:rPr>
+              <a:t/>
+            </a:r>
+            <a:br>
+              <a:rPr lang="en-US" altLang="ko-KR" dirty="0">
+                <a:latin typeface="새굴림" panose="02030600000101010101" pitchFamily="18" charset="-127"/>
+                <a:ea typeface="새굴림" panose="02030600000101010101" pitchFamily="18" charset="-127"/>
+              </a:rPr>
+            </a:br>
+            <a:r>
+              <a:rPr lang="en-US" altLang="ko-KR" dirty="0" smtClean="0">
+                <a:solidFill>
+                  <a:srgbClr val="FF0000"/>
+                </a:solidFill>
+                <a:latin typeface="새굴림" panose="02030600000101010101" pitchFamily="18" charset="-127"/>
+                <a:ea typeface="새굴림" panose="02030600000101010101" pitchFamily="18" charset="-127"/>
+              </a:rPr>
+              <a:t>2-2. </a:t>
+            </a:r>
+            <a:r>
+              <a:rPr lang="ko-KR" altLang="en-US" dirty="0" smtClean="0">
+                <a:solidFill>
+                  <a:srgbClr val="FF0000"/>
+                </a:solidFill>
+                <a:latin typeface="새굴림" panose="02030600000101010101" pitchFamily="18" charset="-127"/>
+                <a:ea typeface="새굴림" panose="02030600000101010101" pitchFamily="18" charset="-127"/>
+              </a:rPr>
+              <a:t>컨텍스트 메뉴</a:t>
+            </a:r>
+            <a:endParaRPr lang="ko-KR" altLang="en-US" dirty="0">
+              <a:solidFill>
+                <a:srgbClr val="FF0000"/>
+              </a:solidFill>
+              <a:latin typeface="새굴림" panose="02030600000101010101" pitchFamily="18" charset="-127"/>
+              <a:ea typeface="새굴림" panose="02030600000101010101" pitchFamily="18" charset="-127"/>
+            </a:endParaRPr>
+          </a:p>
+        </p:txBody>
+      </p:sp>
+      <p:pic>
+        <p:nvPicPr>
+          <p:cNvPr id="4" name="내용 개체 틀 3"/>
+          <p:cNvPicPr>
+            <a:picLocks noGrp="1" noChangeAspect="1"/>
+          </p:cNvPicPr>
+          <p:nvPr>
+            <p:ph idx="1"/>
+          </p:nvPr>
+        </p:nvPicPr>
+        <p:blipFill>
+          <a:blip r:embed="rId2"/>
+          <a:stretch>
+            <a:fillRect/>
+          </a:stretch>
+        </p:blipFill>
+        <p:spPr>
+          <a:xfrm>
+            <a:off x="838199" y="1940301"/>
+            <a:ext cx="5279967" cy="4660530"/>
+          </a:xfrm>
+          <a:prstGeom prst="rect">
+            <a:avLst/>
+          </a:prstGeom>
+          <a:ln w="38100" cap="sq">
+            <a:solidFill>
+              <a:srgbClr val="000000"/>
+            </a:solidFill>
+            <a:prstDash val="solid"/>
+            <a:miter lim="800000"/>
+          </a:ln>
+          <a:effectLst>
+            <a:outerShdw blurRad="50800" dist="38100" dir="2700000" algn="tl" rotWithShape="0">
+              <a:srgbClr val="000000">
+                <a:alpha val="43000"/>
+              </a:srgbClr>
+            </a:outerShdw>
+          </a:effectLst>
+        </p:spPr>
+      </p:pic>
+      <p:pic>
+        <p:nvPicPr>
+          <p:cNvPr id="5" name="그림 4"/>
+          <p:cNvPicPr>
+            <a:picLocks noChangeAspect="1"/>
+          </p:cNvPicPr>
+          <p:nvPr/>
+        </p:nvPicPr>
+        <p:blipFill>
+          <a:blip r:embed="rId3"/>
+          <a:stretch>
+            <a:fillRect/>
+          </a:stretch>
+        </p:blipFill>
+        <p:spPr>
+          <a:xfrm>
+            <a:off x="6416945" y="1940300"/>
+            <a:ext cx="3061592" cy="2041061"/>
+          </a:xfrm>
+          <a:prstGeom prst="rect">
+            <a:avLst/>
+          </a:prstGeom>
+          <a:ln w="38100" cap="sq">
+            <a:solidFill>
+              <a:srgbClr val="000000"/>
+            </a:solidFill>
+            <a:prstDash val="solid"/>
+            <a:miter lim="800000"/>
+          </a:ln>
+          <a:effectLst>
+            <a:outerShdw blurRad="50800" dist="38100" dir="2700000" algn="tl" rotWithShape="0">
+              <a:srgbClr val="000000">
+                <a:alpha val="43000"/>
+              </a:srgbClr>
+            </a:outerShdw>
+          </a:effectLst>
+        </p:spPr>
+      </p:pic>
+    </p:spTree>
+    <p:extLst>
+      <p:ext uri="{BB962C8B-B14F-4D97-AF65-F5344CB8AC3E}">
+        <p14:creationId xmlns:p14="http://schemas.microsoft.com/office/powerpoint/2010/main" val="644409405"/>
+      </p:ext>
+    </p:extLst>
+  </p:cSld>
+  <p:clrMapOvr>
+    <a:masterClrMapping/>
+  </p:clrMapOvr>
+</p:sld>
+</file>
+
+<file path=ppt/slides/slide32.xml><?xml version="1.0" encoding="utf-8"?>
+<p:sld xmlns:a="http://schemas.openxmlformats.org/drawingml/2006/main" xmlns:r="http://schemas.openxmlformats.org/officeDocument/2006/relationships" xmlns:p="http://schemas.openxmlformats.org/presentationml/2006/main">
+  <p:cSld>
+    <p:spTree>
+      <p:nvGrpSpPr>
+        <p:cNvPr id="1" name=""/>
+        <p:cNvGrpSpPr/>
+        <p:nvPr/>
+      </p:nvGrpSpPr>
+      <p:grpSpPr>
+        <a:xfrm>
+          <a:off x="0" y="0"/>
+          <a:ext cx="0" cy="0"/>
+          <a:chOff x="0" y="0"/>
+          <a:chExt cx="0" cy="0"/>
+        </a:xfrm>
+      </p:grpSpPr>
+      <p:sp>
+        <p:nvSpPr>
+          <p:cNvPr id="2" name="제목 1">
+            <a:extLst>
+              <a:ext uri="{FF2B5EF4-FFF2-40B4-BE49-F238E27FC236}">
+                <a16:creationId xmlns:a16="http://schemas.microsoft.com/office/drawing/2014/main" id="{47D4526C-2EFC-447E-977E-FABBF1004F64}"/>
+              </a:ext>
+            </a:extLst>
+          </p:cNvPr>
+          <p:cNvSpPr>
+            <a:spLocks noGrp="1"/>
+          </p:cNvSpPr>
+          <p:nvPr>
+            <p:ph type="title"/>
+          </p:nvPr>
+        </p:nvSpPr>
+        <p:spPr>
+          <a:xfrm>
+            <a:off x="838200" y="365126"/>
+            <a:ext cx="10515600" cy="1314384"/>
+          </a:xfrm>
+          <a:solidFill>
+            <a:schemeClr val="accent4">
+              <a:lumMod val="20000"/>
+              <a:lumOff val="80000"/>
+            </a:schemeClr>
+          </a:solidFill>
+          <a:ln>
+            <a:solidFill>
+              <a:schemeClr val="tx1"/>
+            </a:solidFill>
+          </a:ln>
+        </p:spPr>
+        <p:txBody>
+          <a:bodyPr>
+            <a:normAutofit/>
+          </a:bodyPr>
+          <a:lstStyle/>
+          <a:p>
+            <a:r>
+              <a:rPr lang="en-US" altLang="ko-KR" dirty="0">
+                <a:latin typeface="새굴림" panose="02030600000101010101" pitchFamily="18" charset="-127"/>
+                <a:ea typeface="새굴림" panose="02030600000101010101" pitchFamily="18" charset="-127"/>
+              </a:rPr>
+              <a:t>2. </a:t>
+            </a:r>
+            <a:r>
+              <a:rPr lang="ko-KR" altLang="en-US" dirty="0">
+                <a:latin typeface="새굴림" panose="02030600000101010101" pitchFamily="18" charset="-127"/>
+                <a:ea typeface="새굴림" panose="02030600000101010101" pitchFamily="18" charset="-127"/>
+              </a:rPr>
+              <a:t>이벤트</a:t>
+            </a:r>
+            <a:r>
+              <a:rPr lang="en-US" altLang="ko-KR" dirty="0">
+                <a:latin typeface="새굴림" panose="02030600000101010101" pitchFamily="18" charset="-127"/>
+                <a:ea typeface="새굴림" panose="02030600000101010101" pitchFamily="18" charset="-127"/>
+              </a:rPr>
+              <a:t/>
+            </a:r>
+            <a:br>
+              <a:rPr lang="en-US" altLang="ko-KR" dirty="0">
+                <a:latin typeface="새굴림" panose="02030600000101010101" pitchFamily="18" charset="-127"/>
+                <a:ea typeface="새굴림" panose="02030600000101010101" pitchFamily="18" charset="-127"/>
+              </a:rPr>
+            </a:br>
+            <a:r>
+              <a:rPr lang="en-US" altLang="ko-KR" dirty="0" smtClean="0">
+                <a:solidFill>
+                  <a:srgbClr val="FF0000"/>
+                </a:solidFill>
+                <a:latin typeface="새굴림" panose="02030600000101010101" pitchFamily="18" charset="-127"/>
+                <a:ea typeface="새굴림" panose="02030600000101010101" pitchFamily="18" charset="-127"/>
+              </a:rPr>
+              <a:t>2-2. </a:t>
+            </a:r>
+            <a:r>
+              <a:rPr lang="ko-KR" altLang="en-US" dirty="0" smtClean="0">
+                <a:solidFill>
+                  <a:srgbClr val="FF0000"/>
+                </a:solidFill>
+                <a:latin typeface="새굴림" panose="02030600000101010101" pitchFamily="18" charset="-127"/>
+                <a:ea typeface="새굴림" panose="02030600000101010101" pitchFamily="18" charset="-127"/>
+              </a:rPr>
+              <a:t>컨텍스트 메뉴</a:t>
+            </a:r>
+            <a:endParaRPr lang="ko-KR" altLang="en-US" dirty="0">
+              <a:solidFill>
+                <a:srgbClr val="FF0000"/>
+              </a:solidFill>
+              <a:latin typeface="새굴림" panose="02030600000101010101" pitchFamily="18" charset="-127"/>
+              <a:ea typeface="새굴림" panose="02030600000101010101" pitchFamily="18" charset="-127"/>
+            </a:endParaRPr>
+          </a:p>
+        </p:txBody>
+      </p:sp>
+      <p:pic>
+        <p:nvPicPr>
+          <p:cNvPr id="4" name="내용 개체 틀 3"/>
+          <p:cNvPicPr>
+            <a:picLocks noGrp="1" noChangeAspect="1"/>
+          </p:cNvPicPr>
+          <p:nvPr>
+            <p:ph idx="1"/>
+          </p:nvPr>
+        </p:nvPicPr>
+        <p:blipFill>
+          <a:blip r:embed="rId2"/>
+          <a:stretch>
+            <a:fillRect/>
+          </a:stretch>
+        </p:blipFill>
+        <p:spPr>
+          <a:xfrm>
+            <a:off x="838200" y="1890424"/>
+            <a:ext cx="6435436" cy="4658619"/>
+          </a:xfrm>
+          <a:prstGeom prst="rect">
+            <a:avLst/>
+          </a:prstGeom>
+          <a:ln w="38100" cap="sq">
+            <a:solidFill>
+              <a:srgbClr val="000000"/>
+            </a:solidFill>
+            <a:prstDash val="solid"/>
+            <a:miter lim="800000"/>
+          </a:ln>
+          <a:effectLst>
+            <a:outerShdw blurRad="50800" dist="38100" dir="2700000" algn="tl" rotWithShape="0">
+              <a:srgbClr val="000000">
+                <a:alpha val="43000"/>
+              </a:srgbClr>
+            </a:outerShdw>
+          </a:effectLst>
+        </p:spPr>
+      </p:pic>
+    </p:spTree>
+    <p:extLst>
+      <p:ext uri="{BB962C8B-B14F-4D97-AF65-F5344CB8AC3E}">
+        <p14:creationId xmlns:p14="http://schemas.microsoft.com/office/powerpoint/2010/main" val="2318300484"/>
+      </p:ext>
+    </p:extLst>
+  </p:cSld>
+  <p:clrMapOvr>
+    <a:masterClrMapping/>
+  </p:clrMapOvr>
+</p:sld>
+</file>
+
+<file path=ppt/slides/slide33.xml><?xml version="1.0" encoding="utf-8"?>
+<p:sld xmlns:a="http://schemas.openxmlformats.org/drawingml/2006/main" xmlns:r="http://schemas.openxmlformats.org/officeDocument/2006/relationships" xmlns:p="http://schemas.openxmlformats.org/presentationml/2006/main">
+  <p:cSld>
+    <p:spTree>
+      <p:nvGrpSpPr>
+        <p:cNvPr id="1" name=""/>
+        <p:cNvGrpSpPr/>
+        <p:nvPr/>
+      </p:nvGrpSpPr>
+      <p:grpSpPr>
+        <a:xfrm>
+          <a:off x="0" y="0"/>
+          <a:ext cx="0" cy="0"/>
+          <a:chOff x="0" y="0"/>
+          <a:chExt cx="0" cy="0"/>
+        </a:xfrm>
+      </p:grpSpPr>
+      <p:sp>
+        <p:nvSpPr>
+          <p:cNvPr id="3" name="내용 개체 틀 2"/>
+          <p:cNvSpPr>
+            <a:spLocks noGrp="1"/>
+          </p:cNvSpPr>
+          <p:nvPr>
+            <p:ph idx="1"/>
+          </p:nvPr>
+        </p:nvSpPr>
+        <p:spPr/>
+        <p:txBody>
+          <a:bodyPr/>
+          <a:lstStyle/>
+          <a:p>
+            <a:endParaRPr lang="ko-KR" altLang="en-US"/>
+          </a:p>
+        </p:txBody>
+      </p:sp>
+      <p:sp>
+        <p:nvSpPr>
+          <p:cNvPr id="4" name="제목 1">
+            <a:extLst>
+              <a:ext uri="{FF2B5EF4-FFF2-40B4-BE49-F238E27FC236}">
+                <a16:creationId xmlns:a16="http://schemas.microsoft.com/office/drawing/2014/main" id="{47D4526C-2EFC-447E-977E-FABBF1004F64}"/>
+              </a:ext>
+            </a:extLst>
+          </p:cNvPr>
+          <p:cNvSpPr txBox="1">
+            <a:spLocks/>
+          </p:cNvSpPr>
+          <p:nvPr/>
+        </p:nvSpPr>
+        <p:spPr>
+          <a:xfrm>
+            <a:off x="838200" y="365127"/>
+            <a:ext cx="10515600" cy="1314384"/>
+          </a:xfrm>
+          <a:prstGeom prst="rect">
+            <a:avLst/>
+          </a:prstGeom>
+          <a:solidFill>
+            <a:schemeClr val="accent4">
+              <a:lumMod val="20000"/>
+              <a:lumOff val="80000"/>
+            </a:schemeClr>
+          </a:solidFill>
+          <a:ln>
+            <a:solidFill>
+              <a:schemeClr val="tx1"/>
+            </a:solidFill>
+          </a:ln>
+        </p:spPr>
+        <p:txBody>
+          <a:bodyPr vert="horz" lIns="91440" tIns="45720" rIns="91440" bIns="45720" rtlCol="0" anchor="ctr">
+            <a:normAutofit/>
+          </a:bodyPr>
+          <a:lstStyle>
+            <a:lvl1pPr algn="l" defTabSz="914400" rtl="0" eaLnBrk="1" latinLnBrk="1" hangingPunct="1">
+              <a:lnSpc>
+                <a:spcPct val="90000"/>
+              </a:lnSpc>
+              <a:spcBef>
+                <a:spcPct val="0"/>
+              </a:spcBef>
+              <a:buNone/>
+              <a:defRPr sz="4400" kern="1200">
+                <a:solidFill>
+                  <a:schemeClr val="tx1"/>
+                </a:solidFill>
+                <a:latin typeface="+mj-lt"/>
+                <a:ea typeface="+mj-ea"/>
+                <a:cs typeface="+mj-cs"/>
+              </a:defRPr>
+            </a:lvl1pPr>
+          </a:lstStyle>
+          <a:p>
+            <a:r>
+              <a:rPr lang="en-US" altLang="ko-KR" dirty="0" smtClean="0">
+                <a:latin typeface="새굴림" panose="02030600000101010101" pitchFamily="18" charset="-127"/>
+                <a:ea typeface="새굴림" panose="02030600000101010101" pitchFamily="18" charset="-127"/>
+              </a:rPr>
+              <a:t>2. </a:t>
+            </a:r>
+            <a:r>
+              <a:rPr lang="ko-KR" altLang="en-US" dirty="0" smtClean="0">
+                <a:latin typeface="새굴림" panose="02030600000101010101" pitchFamily="18" charset="-127"/>
+                <a:ea typeface="새굴림" panose="02030600000101010101" pitchFamily="18" charset="-127"/>
+              </a:rPr>
+              <a:t>이벤트</a:t>
+            </a:r>
+            <a:r>
+              <a:rPr lang="en-US" altLang="ko-KR" dirty="0" smtClean="0">
+                <a:latin typeface="새굴림" panose="02030600000101010101" pitchFamily="18" charset="-127"/>
+                <a:ea typeface="새굴림" panose="02030600000101010101" pitchFamily="18" charset="-127"/>
+              </a:rPr>
+              <a:t/>
+            </a:r>
+            <a:br>
+              <a:rPr lang="en-US" altLang="ko-KR" dirty="0" smtClean="0">
+                <a:latin typeface="새굴림" panose="02030600000101010101" pitchFamily="18" charset="-127"/>
+                <a:ea typeface="새굴림" panose="02030600000101010101" pitchFamily="18" charset="-127"/>
+              </a:rPr>
+            </a:br>
+            <a:r>
+              <a:rPr lang="en-US" altLang="ko-KR" dirty="0" smtClean="0">
+                <a:solidFill>
+                  <a:srgbClr val="FF0000"/>
+                </a:solidFill>
+                <a:latin typeface="새굴림" panose="02030600000101010101" pitchFamily="18" charset="-127"/>
+                <a:ea typeface="새굴림" panose="02030600000101010101" pitchFamily="18" charset="-127"/>
+              </a:rPr>
+              <a:t>2-3. </a:t>
+            </a:r>
+            <a:r>
+              <a:rPr lang="ko-KR" altLang="en-US" dirty="0" smtClean="0">
+                <a:solidFill>
+                  <a:srgbClr val="FF0000"/>
+                </a:solidFill>
+                <a:latin typeface="새굴림" panose="02030600000101010101" pitchFamily="18" charset="-127"/>
+                <a:ea typeface="새굴림" panose="02030600000101010101" pitchFamily="18" charset="-127"/>
+              </a:rPr>
+              <a:t>이벤트 계층 구조</a:t>
+            </a:r>
+            <a:endParaRPr lang="ko-KR" altLang="en-US" dirty="0">
+              <a:solidFill>
+                <a:srgbClr val="FF0000"/>
+              </a:solidFill>
+              <a:latin typeface="새굴림" panose="02030600000101010101" pitchFamily="18" charset="-127"/>
+              <a:ea typeface="새굴림" panose="02030600000101010101" pitchFamily="18" charset="-127"/>
+            </a:endParaRPr>
+          </a:p>
+        </p:txBody>
+      </p:sp>
+    </p:spTree>
+    <p:extLst>
+      <p:ext uri="{BB962C8B-B14F-4D97-AF65-F5344CB8AC3E}">
+        <p14:creationId xmlns:p14="http://schemas.microsoft.com/office/powerpoint/2010/main" val="134945631"/>
+      </p:ext>
+    </p:extLst>
+  </p:cSld>
+  <p:clrMapOvr>
+    <a:masterClrMapping/>
+  </p:clrMapOvr>
+</p:sld>
+</file>
+
+<file path=ppt/slides/slide34.xml><?xml version="1.0" encoding="utf-8"?>
 <p:sld xmlns:a="http://schemas.openxmlformats.org/drawingml/2006/main" xmlns:r="http://schemas.openxmlformats.org/officeDocument/2006/relationships" xmlns:p="http://schemas.openxmlformats.org/presentationml/2006/main">
   <p:cSld>
     <p:bg>
@@ -9103,313 +11821,6 @@
     <p:extLst>
       <p:ext uri="{BB962C8B-B14F-4D97-AF65-F5344CB8AC3E}">
         <p14:creationId xmlns:p14="http://schemas.microsoft.com/office/powerpoint/2010/main" val="92476030"/>
-      </p:ext>
-    </p:extLst>
-  </p:cSld>
-  <p:clrMapOvr>
-    <a:masterClrMapping/>
-  </p:clrMapOvr>
-</p:sld>
-</file>
-
-<file path=ppt/slides/slide3.xml><?xml version="1.0" encoding="utf-8"?>
-<p:sld xmlns:a="http://schemas.openxmlformats.org/drawingml/2006/main" xmlns:r="http://schemas.openxmlformats.org/officeDocument/2006/relationships" xmlns:p="http://schemas.openxmlformats.org/presentationml/2006/main">
-  <p:cSld>
-    <p:bg>
-      <p:bgPr>
-        <a:pattFill prst="lgGrid">
-          <a:fgClr>
-            <a:schemeClr val="bg1"/>
-          </a:fgClr>
-          <a:bgClr>
-            <a:schemeClr val="accent5">
-              <a:lumMod val="20000"/>
-              <a:lumOff val="80000"/>
-            </a:schemeClr>
-          </a:bgClr>
-        </a:pattFill>
-        <a:effectLst/>
-      </p:bgPr>
-    </p:bg>
-    <p:spTree>
-      <p:nvGrpSpPr>
-        <p:cNvPr id="1" name=""/>
-        <p:cNvGrpSpPr/>
-        <p:nvPr/>
-      </p:nvGrpSpPr>
-      <p:grpSpPr>
-        <a:xfrm>
-          <a:off x="0" y="0"/>
-          <a:ext cx="0" cy="0"/>
-          <a:chOff x="0" y="0"/>
-          <a:chExt cx="0" cy="0"/>
-        </a:xfrm>
-      </p:grpSpPr>
-      <p:sp>
-        <p:nvSpPr>
-          <p:cNvPr id="2" name="제목 1">
-            <a:extLst>
-              <a:ext uri="{FF2B5EF4-FFF2-40B4-BE49-F238E27FC236}">
-                <a16:creationId xmlns:a16="http://schemas.microsoft.com/office/drawing/2014/main" id="{47D4526C-2EFC-447E-977E-FABBF1004F64}"/>
-              </a:ext>
-            </a:extLst>
-          </p:cNvPr>
-          <p:cNvSpPr>
-            <a:spLocks noGrp="1"/>
-          </p:cNvSpPr>
-          <p:nvPr>
-            <p:ph type="title"/>
-          </p:nvPr>
-        </p:nvSpPr>
-        <p:spPr>
-          <a:xfrm>
-            <a:off x="838200" y="365126"/>
-            <a:ext cx="10515600" cy="838524"/>
-          </a:xfrm>
-          <a:solidFill>
-            <a:schemeClr val="accent4">
-              <a:lumMod val="20000"/>
-              <a:lumOff val="80000"/>
-            </a:schemeClr>
-          </a:solidFill>
-          <a:ln>
-            <a:solidFill>
-              <a:schemeClr val="tx1"/>
-            </a:solidFill>
-          </a:ln>
-        </p:spPr>
-        <p:txBody>
-          <a:bodyPr/>
-          <a:lstStyle/>
-          <a:p>
-            <a:r>
-              <a:rPr lang="ko-KR" altLang="en-US">
-                <a:latin typeface="새굴림" panose="02030600000101010101" pitchFamily="18" charset="-127"/>
-                <a:ea typeface="새굴림" panose="02030600000101010101" pitchFamily="18" charset="-127"/>
-              </a:rPr>
-              <a:t>목차</a:t>
-            </a:r>
-          </a:p>
-        </p:txBody>
-      </p:sp>
-      <p:sp>
-        <p:nvSpPr>
-          <p:cNvPr id="3" name="내용 개체 틀 2">
-            <a:extLst>
-              <a:ext uri="{FF2B5EF4-FFF2-40B4-BE49-F238E27FC236}">
-                <a16:creationId xmlns:a16="http://schemas.microsoft.com/office/drawing/2014/main" id="{DAA6DC13-E3BF-43F6-A01C-62FC187D8499}"/>
-              </a:ext>
-            </a:extLst>
-          </p:cNvPr>
-          <p:cNvSpPr>
-            <a:spLocks noGrp="1"/>
-          </p:cNvSpPr>
-          <p:nvPr>
-            <p:ph idx="1"/>
-          </p:nvPr>
-        </p:nvSpPr>
-        <p:spPr>
-          <a:xfrm>
-            <a:off x="838200" y="1455576"/>
-            <a:ext cx="10515600" cy="4721387"/>
-          </a:xfrm>
-          <a:solidFill>
-            <a:schemeClr val="bg1"/>
-          </a:solidFill>
-          <a:ln>
-            <a:solidFill>
-              <a:schemeClr val="tx1"/>
-            </a:solidFill>
-          </a:ln>
-        </p:spPr>
-        <p:txBody>
-          <a:bodyPr>
-            <a:normAutofit/>
-          </a:bodyPr>
-          <a:lstStyle/>
-          <a:p>
-            <a:pPr marL="514350" indent="-514350">
-              <a:buFont typeface="+mj-lt"/>
-              <a:buAutoNum type="arabicPeriod"/>
-            </a:pPr>
-            <a:r>
-              <a:rPr lang="ko-KR" altLang="en-US" dirty="0">
-                <a:latin typeface="새굴림" panose="02030600000101010101" pitchFamily="18" charset="-127"/>
-                <a:ea typeface="새굴림" panose="02030600000101010101" pitchFamily="18" charset="-127"/>
-              </a:rPr>
-              <a:t>신호 및 슬롯</a:t>
-            </a:r>
-            <a:endParaRPr lang="en-US" altLang="ko-KR" dirty="0">
-              <a:latin typeface="새굴림" panose="02030600000101010101" pitchFamily="18" charset="-127"/>
-              <a:ea typeface="새굴림" panose="02030600000101010101" pitchFamily="18" charset="-127"/>
-            </a:endParaRPr>
-          </a:p>
-          <a:p>
-            <a:pPr lvl="1"/>
-            <a:r>
-              <a:rPr lang="en-US" altLang="ko-KR" dirty="0" err="1">
-                <a:latin typeface="새굴림" panose="02030600000101010101" pitchFamily="18" charset="-127"/>
-                <a:ea typeface="새굴림" panose="02030600000101010101" pitchFamily="18" charset="-127"/>
-              </a:rPr>
-              <a:t>QPushButton</a:t>
-            </a:r>
-            <a:r>
-              <a:rPr lang="en-US" altLang="ko-KR" dirty="0">
-                <a:latin typeface="새굴림" panose="02030600000101010101" pitchFamily="18" charset="-127"/>
-                <a:ea typeface="새굴림" panose="02030600000101010101" pitchFamily="18" charset="-127"/>
-              </a:rPr>
-              <a:t> </a:t>
-            </a:r>
-            <a:r>
-              <a:rPr lang="ko-KR" altLang="en-US" dirty="0">
-                <a:latin typeface="새굴림" panose="02030600000101010101" pitchFamily="18" charset="-127"/>
-                <a:ea typeface="새굴림" panose="02030600000101010101" pitchFamily="18" charset="-127"/>
-              </a:rPr>
-              <a:t>신호</a:t>
-            </a:r>
-            <a:endParaRPr lang="en-US" altLang="ko-KR" dirty="0">
-              <a:latin typeface="새굴림" panose="02030600000101010101" pitchFamily="18" charset="-127"/>
-              <a:ea typeface="새굴림" panose="02030600000101010101" pitchFamily="18" charset="-127"/>
-            </a:endParaRPr>
-          </a:p>
-          <a:p>
-            <a:pPr lvl="1"/>
-            <a:r>
-              <a:rPr lang="ko-KR" altLang="en-US" dirty="0">
-                <a:latin typeface="새굴림" panose="02030600000101010101" pitchFamily="18" charset="-127"/>
-                <a:ea typeface="새굴림" panose="02030600000101010101" pitchFamily="18" charset="-127"/>
-              </a:rPr>
-              <a:t>데이터 수신</a:t>
-            </a:r>
-            <a:endParaRPr lang="en-US" altLang="ko-KR" dirty="0">
-              <a:latin typeface="새굴림" panose="02030600000101010101" pitchFamily="18" charset="-127"/>
-              <a:ea typeface="새굴림" panose="02030600000101010101" pitchFamily="18" charset="-127"/>
-            </a:endParaRPr>
-          </a:p>
-          <a:p>
-            <a:pPr lvl="1"/>
-            <a:r>
-              <a:rPr lang="ko-KR" altLang="en-US" dirty="0">
-                <a:latin typeface="새굴림" panose="02030600000101010101" pitchFamily="18" charset="-127"/>
-                <a:ea typeface="새굴림" panose="02030600000101010101" pitchFamily="18" charset="-127"/>
-              </a:rPr>
-              <a:t>데이터 저장</a:t>
-            </a:r>
-            <a:endParaRPr lang="en-US" altLang="ko-KR" dirty="0">
-              <a:latin typeface="새굴림" panose="02030600000101010101" pitchFamily="18" charset="-127"/>
-              <a:ea typeface="새굴림" panose="02030600000101010101" pitchFamily="18" charset="-127"/>
-            </a:endParaRPr>
-          </a:p>
-          <a:p>
-            <a:pPr lvl="1"/>
-            <a:r>
-              <a:rPr lang="ko-KR" altLang="en-US" dirty="0">
-                <a:latin typeface="새굴림" panose="02030600000101010101" pitchFamily="18" charset="-127"/>
-                <a:ea typeface="새굴림" panose="02030600000101010101" pitchFamily="18" charset="-127"/>
-              </a:rPr>
-              <a:t>인터페이스 변경</a:t>
-            </a:r>
-            <a:endParaRPr lang="en-US" altLang="ko-KR" dirty="0">
-              <a:latin typeface="새굴림" panose="02030600000101010101" pitchFamily="18" charset="-127"/>
-              <a:ea typeface="새굴림" panose="02030600000101010101" pitchFamily="18" charset="-127"/>
-            </a:endParaRPr>
-          </a:p>
-          <a:p>
-            <a:pPr lvl="1"/>
-            <a:r>
-              <a:rPr lang="ko-KR" altLang="en-US" dirty="0">
-                <a:latin typeface="새굴림" panose="02030600000101010101" pitchFamily="18" charset="-127"/>
-                <a:ea typeface="새굴림" panose="02030600000101010101" pitchFamily="18" charset="-127"/>
-              </a:rPr>
-              <a:t>위젯 직접 </a:t>
-            </a:r>
-            <a:r>
-              <a:rPr lang="ko-KR" altLang="en-US" dirty="0" smtClean="0">
-                <a:latin typeface="새굴림" panose="02030600000101010101" pitchFamily="18" charset="-127"/>
-                <a:ea typeface="새굴림" panose="02030600000101010101" pitchFamily="18" charset="-127"/>
-              </a:rPr>
-              <a:t>연결</a:t>
-            </a:r>
-            <a:endParaRPr lang="en-US" altLang="ko-KR" dirty="0">
-              <a:latin typeface="새굴림" panose="02030600000101010101" pitchFamily="18" charset="-127"/>
-              <a:ea typeface="새굴림" panose="02030600000101010101" pitchFamily="18" charset="-127"/>
-            </a:endParaRPr>
-          </a:p>
-          <a:p>
-            <a:pPr marL="514350" indent="-514350">
-              <a:buFont typeface="+mj-lt"/>
-              <a:buAutoNum type="arabicPeriod"/>
-            </a:pPr>
-            <a:endParaRPr lang="en-US" altLang="ko-KR" dirty="0">
-              <a:latin typeface="새굴림" panose="02030600000101010101" pitchFamily="18" charset="-127"/>
-              <a:ea typeface="새굴림" panose="02030600000101010101" pitchFamily="18" charset="-127"/>
-            </a:endParaRPr>
-          </a:p>
-          <a:p>
-            <a:pPr marL="514350" indent="-514350">
-              <a:buFont typeface="+mj-lt"/>
-              <a:buAutoNum type="arabicPeriod"/>
-            </a:pPr>
-            <a:r>
-              <a:rPr lang="ko-KR" altLang="en-US" dirty="0">
-                <a:latin typeface="새굴림" panose="02030600000101010101" pitchFamily="18" charset="-127"/>
-                <a:ea typeface="새굴림" panose="02030600000101010101" pitchFamily="18" charset="-127"/>
-              </a:rPr>
-              <a:t>이벤트</a:t>
-            </a:r>
-            <a:endParaRPr lang="en-US" altLang="ko-KR" dirty="0">
-              <a:latin typeface="새굴림" panose="02030600000101010101" pitchFamily="18" charset="-127"/>
-              <a:ea typeface="새굴림" panose="02030600000101010101" pitchFamily="18" charset="-127"/>
-            </a:endParaRPr>
-          </a:p>
-          <a:p>
-            <a:pPr lvl="1"/>
-            <a:r>
-              <a:rPr lang="ko-KR" altLang="en-US" dirty="0">
-                <a:latin typeface="새굴림" panose="02030600000101010101" pitchFamily="18" charset="-127"/>
-                <a:ea typeface="새굴림" panose="02030600000101010101" pitchFamily="18" charset="-127"/>
-              </a:rPr>
-              <a:t>마우스 이벤트</a:t>
-            </a:r>
-            <a:endParaRPr lang="en-US" altLang="ko-KR" dirty="0">
-              <a:latin typeface="새굴림" panose="02030600000101010101" pitchFamily="18" charset="-127"/>
-              <a:ea typeface="새굴림" panose="02030600000101010101" pitchFamily="18" charset="-127"/>
-            </a:endParaRPr>
-          </a:p>
-          <a:p>
-            <a:pPr lvl="1"/>
-            <a:r>
-              <a:rPr lang="ko-KR" altLang="en-US" dirty="0">
-                <a:latin typeface="새굴림" panose="02030600000101010101" pitchFamily="18" charset="-127"/>
-                <a:ea typeface="새굴림" panose="02030600000101010101" pitchFamily="18" charset="-127"/>
-              </a:rPr>
-              <a:t>컨텍스트 메뉴</a:t>
-            </a:r>
-            <a:endParaRPr lang="en-US" altLang="ko-KR" dirty="0">
-              <a:latin typeface="새굴림" panose="02030600000101010101" pitchFamily="18" charset="-127"/>
-              <a:ea typeface="새굴림" panose="02030600000101010101" pitchFamily="18" charset="-127"/>
-            </a:endParaRPr>
-          </a:p>
-          <a:p>
-            <a:pPr lvl="1"/>
-            <a:r>
-              <a:rPr lang="ko-KR" altLang="en-US" dirty="0">
-                <a:latin typeface="새굴림" panose="02030600000101010101" pitchFamily="18" charset="-127"/>
-                <a:ea typeface="새굴림" panose="02030600000101010101" pitchFamily="18" charset="-127"/>
-              </a:rPr>
-              <a:t>이벤트 계층 구조</a:t>
-            </a:r>
-            <a:endParaRPr lang="en-US" altLang="ko-KR" dirty="0">
-              <a:latin typeface="새굴림" panose="02030600000101010101" pitchFamily="18" charset="-127"/>
-              <a:ea typeface="새굴림" panose="02030600000101010101" pitchFamily="18" charset="-127"/>
-            </a:endParaRPr>
-          </a:p>
-        </p:txBody>
-      </p:sp>
-    </p:spTree>
-    <p:extLst>
-      <p:ext uri="{BB962C8B-B14F-4D97-AF65-F5344CB8AC3E}">
-        <p14:creationId xmlns:p14="http://schemas.microsoft.com/office/powerpoint/2010/main" val="3107834259"/>
       </p:ext>
     </p:extLst>
   </p:cSld>
